--- a/Covid_19_Predictions.pptx
+++ b/Covid_19_Predictions.pptx
@@ -4,6 +4,9 @@
   <p:sldMasterIdLst>
     <p:sldMasterId id="2147483678" r:id="rId1"/>
   </p:sldMasterIdLst>
+  <p:notesMasterIdLst>
+    <p:notesMasterId r:id="rId20"/>
+  </p:notesMasterIdLst>
   <p:sldIdLst>
     <p:sldId id="256" r:id="rId2"/>
     <p:sldId id="257" r:id="rId3"/>
@@ -22,6 +25,7 @@
     <p:sldId id="269" r:id="rId16"/>
     <p:sldId id="271" r:id="rId17"/>
     <p:sldId id="272" r:id="rId18"/>
+    <p:sldId id="273" r:id="rId19"/>
   </p:sldIdLst>
   <p:sldSz cx="12192000" cy="6858000"/>
   <p:notesSz cx="6858000" cy="9144000"/>
@@ -6532,6 +6536,440 @@
 </dgm:styleDef>
 </file>
 
+<file path=ppt/notesMasters/notesMaster1.xml><?xml version="1.0" encoding="utf-8"?>
+<p:notesMaster xmlns:a="http://schemas.openxmlformats.org/drawingml/2006/main" xmlns:r="http://schemas.openxmlformats.org/officeDocument/2006/relationships" xmlns:p="http://schemas.openxmlformats.org/presentationml/2006/main">
+  <p:cSld>
+    <p:bg>
+      <p:bgRef idx="1001">
+        <a:schemeClr val="bg1"/>
+      </p:bgRef>
+    </p:bg>
+    <p:spTree>
+      <p:nvGrpSpPr>
+        <p:cNvPr id="1" name=""/>
+        <p:cNvGrpSpPr/>
+        <p:nvPr/>
+      </p:nvGrpSpPr>
+      <p:grpSpPr>
+        <a:xfrm>
+          <a:off x="0" y="0"/>
+          <a:ext cx="0" cy="0"/>
+          <a:chOff x="0" y="0"/>
+          <a:chExt cx="0" cy="0"/>
+        </a:xfrm>
+      </p:grpSpPr>
+      <p:sp>
+        <p:nvSpPr>
+          <p:cNvPr id="2" name="Header Placeholder 1"/>
+          <p:cNvSpPr>
+            <a:spLocks noGrp="1"/>
+          </p:cNvSpPr>
+          <p:nvPr>
+            <p:ph type="hdr" sz="quarter"/>
+          </p:nvPr>
+        </p:nvSpPr>
+        <p:spPr>
+          <a:xfrm>
+            <a:off x="0" y="0"/>
+            <a:ext cx="2971800" cy="458788"/>
+          </a:xfrm>
+          <a:prstGeom prst="rect">
+            <a:avLst/>
+          </a:prstGeom>
+        </p:spPr>
+        <p:txBody>
+          <a:bodyPr vert="horz" lIns="91440" tIns="45720" rIns="91440" bIns="45720" rtlCol="0"/>
+          <a:lstStyle>
+            <a:lvl1pPr algn="l">
+              <a:defRPr sz="1200"/>
+            </a:lvl1pPr>
+          </a:lstStyle>
+          <a:p>
+            <a:endParaRPr lang="en-US"/>
+          </a:p>
+        </p:txBody>
+      </p:sp>
+      <p:sp>
+        <p:nvSpPr>
+          <p:cNvPr id="3" name="Date Placeholder 2"/>
+          <p:cNvSpPr>
+            <a:spLocks noGrp="1"/>
+          </p:cNvSpPr>
+          <p:nvPr>
+            <p:ph type="dt" idx="1"/>
+          </p:nvPr>
+        </p:nvSpPr>
+        <p:spPr>
+          <a:xfrm>
+            <a:off x="3884613" y="0"/>
+            <a:ext cx="2971800" cy="458788"/>
+          </a:xfrm>
+          <a:prstGeom prst="rect">
+            <a:avLst/>
+          </a:prstGeom>
+        </p:spPr>
+        <p:txBody>
+          <a:bodyPr vert="horz" lIns="91440" tIns="45720" rIns="91440" bIns="45720" rtlCol="0"/>
+          <a:lstStyle>
+            <a:lvl1pPr algn="r">
+              <a:defRPr sz="1200"/>
+            </a:lvl1pPr>
+          </a:lstStyle>
+          <a:p>
+            <a:fld id="{63C7365A-E751-584E-AF36-9A39504C92BB}" type="datetimeFigureOut">
+              <a:rPr lang="en-US" smtClean="0"/>
+              <a:t>3/22/20</a:t>
+            </a:fld>
+            <a:endParaRPr lang="en-US"/>
+          </a:p>
+        </p:txBody>
+      </p:sp>
+      <p:sp>
+        <p:nvSpPr>
+          <p:cNvPr id="4" name="Slide Image Placeholder 3"/>
+          <p:cNvSpPr>
+            <a:spLocks noGrp="1" noRot="1" noChangeAspect="1"/>
+          </p:cNvSpPr>
+          <p:nvPr>
+            <p:ph type="sldImg" idx="2"/>
+          </p:nvPr>
+        </p:nvSpPr>
+        <p:spPr>
+          <a:xfrm>
+            <a:off x="685800" y="1143000"/>
+            <a:ext cx="5486400" cy="3086100"/>
+          </a:xfrm>
+          <a:prstGeom prst="rect">
+            <a:avLst/>
+          </a:prstGeom>
+          <a:noFill/>
+          <a:ln w="12700">
+            <a:solidFill>
+              <a:prstClr val="black"/>
+            </a:solidFill>
+          </a:ln>
+        </p:spPr>
+        <p:txBody>
+          <a:bodyPr vert="horz" lIns="91440" tIns="45720" rIns="91440" bIns="45720" rtlCol="0" anchor="ctr"/>
+          <a:lstStyle/>
+          <a:p>
+            <a:endParaRPr lang="en-US"/>
+          </a:p>
+        </p:txBody>
+      </p:sp>
+      <p:sp>
+        <p:nvSpPr>
+          <p:cNvPr id="5" name="Notes Placeholder 4"/>
+          <p:cNvSpPr>
+            <a:spLocks noGrp="1"/>
+          </p:cNvSpPr>
+          <p:nvPr>
+            <p:ph type="body" sz="quarter" idx="3"/>
+          </p:nvPr>
+        </p:nvSpPr>
+        <p:spPr>
+          <a:xfrm>
+            <a:off x="685800" y="4400550"/>
+            <a:ext cx="5486400" cy="3600450"/>
+          </a:xfrm>
+          <a:prstGeom prst="rect">
+            <a:avLst/>
+          </a:prstGeom>
+        </p:spPr>
+        <p:txBody>
+          <a:bodyPr vert="horz" lIns="91440" tIns="45720" rIns="91440" bIns="45720" rtlCol="0"/>
+          <a:lstStyle/>
+          <a:p>
+            <a:pPr lvl="0"/>
+            <a:r>
+              <a:rPr lang="en-GB"/>
+              <a:t>Click to edit Master text styles</a:t>
+            </a:r>
+          </a:p>
+          <a:p>
+            <a:pPr lvl="1"/>
+            <a:r>
+              <a:rPr lang="en-GB"/>
+              <a:t>Second level</a:t>
+            </a:r>
+          </a:p>
+          <a:p>
+            <a:pPr lvl="2"/>
+            <a:r>
+              <a:rPr lang="en-GB"/>
+              <a:t>Third level</a:t>
+            </a:r>
+          </a:p>
+          <a:p>
+            <a:pPr lvl="3"/>
+            <a:r>
+              <a:rPr lang="en-GB"/>
+              <a:t>Fourth level</a:t>
+            </a:r>
+          </a:p>
+          <a:p>
+            <a:pPr lvl="4"/>
+            <a:r>
+              <a:rPr lang="en-GB"/>
+              <a:t>Fifth level</a:t>
+            </a:r>
+            <a:endParaRPr lang="en-US"/>
+          </a:p>
+        </p:txBody>
+      </p:sp>
+      <p:sp>
+        <p:nvSpPr>
+          <p:cNvPr id="6" name="Footer Placeholder 5"/>
+          <p:cNvSpPr>
+            <a:spLocks noGrp="1"/>
+          </p:cNvSpPr>
+          <p:nvPr>
+            <p:ph type="ftr" sz="quarter" idx="4"/>
+          </p:nvPr>
+        </p:nvSpPr>
+        <p:spPr>
+          <a:xfrm>
+            <a:off x="0" y="8685213"/>
+            <a:ext cx="2971800" cy="458787"/>
+          </a:xfrm>
+          <a:prstGeom prst="rect">
+            <a:avLst/>
+          </a:prstGeom>
+        </p:spPr>
+        <p:txBody>
+          <a:bodyPr vert="horz" lIns="91440" tIns="45720" rIns="91440" bIns="45720" rtlCol="0" anchor="b"/>
+          <a:lstStyle>
+            <a:lvl1pPr algn="l">
+              <a:defRPr sz="1200"/>
+            </a:lvl1pPr>
+          </a:lstStyle>
+          <a:p>
+            <a:endParaRPr lang="en-US"/>
+          </a:p>
+        </p:txBody>
+      </p:sp>
+      <p:sp>
+        <p:nvSpPr>
+          <p:cNvPr id="7" name="Slide Number Placeholder 6"/>
+          <p:cNvSpPr>
+            <a:spLocks noGrp="1"/>
+          </p:cNvSpPr>
+          <p:nvPr>
+            <p:ph type="sldNum" sz="quarter" idx="5"/>
+          </p:nvPr>
+        </p:nvSpPr>
+        <p:spPr>
+          <a:xfrm>
+            <a:off x="3884613" y="8685213"/>
+            <a:ext cx="2971800" cy="458787"/>
+          </a:xfrm>
+          <a:prstGeom prst="rect">
+            <a:avLst/>
+          </a:prstGeom>
+        </p:spPr>
+        <p:txBody>
+          <a:bodyPr vert="horz" lIns="91440" tIns="45720" rIns="91440" bIns="45720" rtlCol="0" anchor="b"/>
+          <a:lstStyle>
+            <a:lvl1pPr algn="r">
+              <a:defRPr sz="1200"/>
+            </a:lvl1pPr>
+          </a:lstStyle>
+          <a:p>
+            <a:fld id="{D03F0292-46D3-5A4F-8A9F-61CD66D2033F}" type="slidenum">
+              <a:rPr lang="en-US" smtClean="0"/>
+              <a:t>‹#›</a:t>
+            </a:fld>
+            <a:endParaRPr lang="en-US"/>
+          </a:p>
+        </p:txBody>
+      </p:sp>
+    </p:spTree>
+    <p:extLst>
+      <p:ext uri="{BB962C8B-B14F-4D97-AF65-F5344CB8AC3E}">
+        <p14:creationId xmlns:p14="http://schemas.microsoft.com/office/powerpoint/2010/main" val="592812050"/>
+      </p:ext>
+    </p:extLst>
+  </p:cSld>
+  <p:clrMap bg1="lt1" tx1="dk1" bg2="lt2" tx2="dk2" accent1="accent1" accent2="accent2" accent3="accent3" accent4="accent4" accent5="accent5" accent6="accent6" hlink="hlink" folHlink="folHlink"/>
+  <p:notesStyle>
+    <a:lvl1pPr marL="0" algn="l" defTabSz="914400" rtl="0" eaLnBrk="1" latinLnBrk="0" hangingPunct="1">
+      <a:defRPr sz="1200" kern="1200">
+        <a:solidFill>
+          <a:schemeClr val="tx1"/>
+        </a:solidFill>
+        <a:latin typeface="+mn-lt"/>
+        <a:ea typeface="+mn-ea"/>
+        <a:cs typeface="+mn-cs"/>
+      </a:defRPr>
+    </a:lvl1pPr>
+    <a:lvl2pPr marL="457200" algn="l" defTabSz="914400" rtl="0" eaLnBrk="1" latinLnBrk="0" hangingPunct="1">
+      <a:defRPr sz="1200" kern="1200">
+        <a:solidFill>
+          <a:schemeClr val="tx1"/>
+        </a:solidFill>
+        <a:latin typeface="+mn-lt"/>
+        <a:ea typeface="+mn-ea"/>
+        <a:cs typeface="+mn-cs"/>
+      </a:defRPr>
+    </a:lvl2pPr>
+    <a:lvl3pPr marL="914400" algn="l" defTabSz="914400" rtl="0" eaLnBrk="1" latinLnBrk="0" hangingPunct="1">
+      <a:defRPr sz="1200" kern="1200">
+        <a:solidFill>
+          <a:schemeClr val="tx1"/>
+        </a:solidFill>
+        <a:latin typeface="+mn-lt"/>
+        <a:ea typeface="+mn-ea"/>
+        <a:cs typeface="+mn-cs"/>
+      </a:defRPr>
+    </a:lvl3pPr>
+    <a:lvl4pPr marL="1371600" algn="l" defTabSz="914400" rtl="0" eaLnBrk="1" latinLnBrk="0" hangingPunct="1">
+      <a:defRPr sz="1200" kern="1200">
+        <a:solidFill>
+          <a:schemeClr val="tx1"/>
+        </a:solidFill>
+        <a:latin typeface="+mn-lt"/>
+        <a:ea typeface="+mn-ea"/>
+        <a:cs typeface="+mn-cs"/>
+      </a:defRPr>
+    </a:lvl4pPr>
+    <a:lvl5pPr marL="1828800" algn="l" defTabSz="914400" rtl="0" eaLnBrk="1" latinLnBrk="0" hangingPunct="1">
+      <a:defRPr sz="1200" kern="1200">
+        <a:solidFill>
+          <a:schemeClr val="tx1"/>
+        </a:solidFill>
+        <a:latin typeface="+mn-lt"/>
+        <a:ea typeface="+mn-ea"/>
+        <a:cs typeface="+mn-cs"/>
+      </a:defRPr>
+    </a:lvl5pPr>
+    <a:lvl6pPr marL="2286000" algn="l" defTabSz="914400" rtl="0" eaLnBrk="1" latinLnBrk="0" hangingPunct="1">
+      <a:defRPr sz="1200" kern="1200">
+        <a:solidFill>
+          <a:schemeClr val="tx1"/>
+        </a:solidFill>
+        <a:latin typeface="+mn-lt"/>
+        <a:ea typeface="+mn-ea"/>
+        <a:cs typeface="+mn-cs"/>
+      </a:defRPr>
+    </a:lvl6pPr>
+    <a:lvl7pPr marL="2743200" algn="l" defTabSz="914400" rtl="0" eaLnBrk="1" latinLnBrk="0" hangingPunct="1">
+      <a:defRPr sz="1200" kern="1200">
+        <a:solidFill>
+          <a:schemeClr val="tx1"/>
+        </a:solidFill>
+        <a:latin typeface="+mn-lt"/>
+        <a:ea typeface="+mn-ea"/>
+        <a:cs typeface="+mn-cs"/>
+      </a:defRPr>
+    </a:lvl7pPr>
+    <a:lvl8pPr marL="3200400" algn="l" defTabSz="914400" rtl="0" eaLnBrk="1" latinLnBrk="0" hangingPunct="1">
+      <a:defRPr sz="1200" kern="1200">
+        <a:solidFill>
+          <a:schemeClr val="tx1"/>
+        </a:solidFill>
+        <a:latin typeface="+mn-lt"/>
+        <a:ea typeface="+mn-ea"/>
+        <a:cs typeface="+mn-cs"/>
+      </a:defRPr>
+    </a:lvl8pPr>
+    <a:lvl9pPr marL="3657600" algn="l" defTabSz="914400" rtl="0" eaLnBrk="1" latinLnBrk="0" hangingPunct="1">
+      <a:defRPr sz="1200" kern="1200">
+        <a:solidFill>
+          <a:schemeClr val="tx1"/>
+        </a:solidFill>
+        <a:latin typeface="+mn-lt"/>
+        <a:ea typeface="+mn-ea"/>
+        <a:cs typeface="+mn-cs"/>
+      </a:defRPr>
+    </a:lvl9pPr>
+  </p:notesStyle>
+</p:notesMaster>
+</file>
+
+<file path=ppt/notesSlides/notesSlide1.xml><?xml version="1.0" encoding="utf-8"?>
+<p:notes xmlns:a="http://schemas.openxmlformats.org/drawingml/2006/main" xmlns:r="http://schemas.openxmlformats.org/officeDocument/2006/relationships" xmlns:p="http://schemas.openxmlformats.org/presentationml/2006/main">
+  <p:cSld>
+    <p:spTree>
+      <p:nvGrpSpPr>
+        <p:cNvPr id="1" name=""/>
+        <p:cNvGrpSpPr/>
+        <p:nvPr/>
+      </p:nvGrpSpPr>
+      <p:grpSpPr>
+        <a:xfrm>
+          <a:off x="0" y="0"/>
+          <a:ext cx="0" cy="0"/>
+          <a:chOff x="0" y="0"/>
+          <a:chExt cx="0" cy="0"/>
+        </a:xfrm>
+      </p:grpSpPr>
+      <p:sp>
+        <p:nvSpPr>
+          <p:cNvPr id="2" name="Slide Image Placeholder 1"/>
+          <p:cNvSpPr>
+            <a:spLocks noGrp="1" noRot="1" noChangeAspect="1"/>
+          </p:cNvSpPr>
+          <p:nvPr>
+            <p:ph type="sldImg"/>
+          </p:nvPr>
+        </p:nvSpPr>
+        <p:spPr/>
+      </p:sp>
+      <p:sp>
+        <p:nvSpPr>
+          <p:cNvPr id="3" name="Notes Placeholder 2"/>
+          <p:cNvSpPr>
+            <a:spLocks noGrp="1"/>
+          </p:cNvSpPr>
+          <p:nvPr>
+            <p:ph type="body" idx="1"/>
+          </p:nvPr>
+        </p:nvSpPr>
+        <p:spPr/>
+        <p:txBody>
+          <a:bodyPr/>
+          <a:lstStyle/>
+          <a:p>
+            <a:endParaRPr lang="en-US" dirty="0"/>
+          </a:p>
+        </p:txBody>
+      </p:sp>
+      <p:sp>
+        <p:nvSpPr>
+          <p:cNvPr id="4" name="Slide Number Placeholder 3"/>
+          <p:cNvSpPr>
+            <a:spLocks noGrp="1"/>
+          </p:cNvSpPr>
+          <p:nvPr>
+            <p:ph type="sldNum" sz="quarter" idx="5"/>
+          </p:nvPr>
+        </p:nvSpPr>
+        <p:spPr/>
+        <p:txBody>
+          <a:bodyPr/>
+          <a:lstStyle/>
+          <a:p>
+            <a:fld id="{D03F0292-46D3-5A4F-8A9F-61CD66D2033F}" type="slidenum">
+              <a:rPr lang="en-US" smtClean="0"/>
+              <a:t>4</a:t>
+            </a:fld>
+            <a:endParaRPr lang="en-US"/>
+          </a:p>
+        </p:txBody>
+      </p:sp>
+    </p:spTree>
+    <p:extLst>
+      <p:ext uri="{BB962C8B-B14F-4D97-AF65-F5344CB8AC3E}">
+        <p14:creationId xmlns:p14="http://schemas.microsoft.com/office/powerpoint/2010/main" val="1977315457"/>
+      </p:ext>
+    </p:extLst>
+  </p:cSld>
+  <p:clrMapOvr>
+    <a:masterClrMapping/>
+  </p:clrMapOvr>
+</p:notes>
+</file>
+
 <file path=ppt/slideLayouts/slideLayout1.xml><?xml version="1.0" encoding="utf-8"?>
 <p:sldLayout xmlns:a="http://schemas.openxmlformats.org/drawingml/2006/main" xmlns:r="http://schemas.openxmlformats.org/officeDocument/2006/relationships" xmlns:p="http://schemas.openxmlformats.org/presentationml/2006/main" showMasterSp="0" type="title" preserve="1">
   <p:cSld name="Title Slide">
@@ -6867,7 +7305,7 @@
           <a:p>
             <a:fld id="{D8E98660-31F7-7540-94C8-AA825AC7F55E}" type="datetimeFigureOut">
               <a:rPr lang="en-US" smtClean="0"/>
-              <a:t>3/21/20</a:t>
+              <a:t>3/22/20</a:t>
             </a:fld>
             <a:endParaRPr lang="en-US"/>
           </a:p>
@@ -7955,7 +8393,7 @@
           <a:p>
             <a:fld id="{D8E98660-31F7-7540-94C8-AA825AC7F55E}" type="datetimeFigureOut">
               <a:rPr lang="en-US" smtClean="0"/>
-              <a:t>3/21/20</a:t>
+              <a:t>3/22/20</a:t>
             </a:fld>
             <a:endParaRPr lang="en-US"/>
           </a:p>
@@ -8935,7 +9373,7 @@
           <a:p>
             <a:fld id="{D8E98660-31F7-7540-94C8-AA825AC7F55E}" type="datetimeFigureOut">
               <a:rPr lang="en-US" smtClean="0"/>
-              <a:t>3/21/20</a:t>
+              <a:t>3/22/20</a:t>
             </a:fld>
             <a:endParaRPr lang="en-US"/>
           </a:p>
@@ -10069,7 +10507,7 @@
           <a:p>
             <a:fld id="{D8E98660-31F7-7540-94C8-AA825AC7F55E}" type="datetimeFigureOut">
               <a:rPr lang="en-US" smtClean="0"/>
-              <a:t>3/21/20</a:t>
+              <a:t>3/22/20</a:t>
             </a:fld>
             <a:endParaRPr lang="en-US"/>
           </a:p>
@@ -11102,7 +11540,7 @@
           <a:p>
             <a:fld id="{D8E98660-31F7-7540-94C8-AA825AC7F55E}" type="datetimeFigureOut">
               <a:rPr lang="en-US" smtClean="0"/>
-              <a:t>3/21/20</a:t>
+              <a:t>3/22/20</a:t>
             </a:fld>
             <a:endParaRPr lang="en-US"/>
           </a:p>
@@ -11762,7 +12200,7 @@
           <a:p>
             <a:fld id="{D8E98660-31F7-7540-94C8-AA825AC7F55E}" type="datetimeFigureOut">
               <a:rPr lang="en-US" smtClean="0"/>
-              <a:t>3/21/20</a:t>
+              <a:t>3/22/20</a:t>
             </a:fld>
             <a:endParaRPr lang="en-US"/>
           </a:p>
@@ -12623,7 +13061,7 @@
           <a:p>
             <a:fld id="{D8E98660-31F7-7540-94C8-AA825AC7F55E}" type="datetimeFigureOut">
               <a:rPr lang="en-US" smtClean="0"/>
-              <a:t>3/21/20</a:t>
+              <a:t>3/22/20</a:t>
             </a:fld>
             <a:endParaRPr lang="en-US"/>
           </a:p>
@@ -12813,7 +13251,7 @@
           <a:p>
             <a:fld id="{D8E98660-31F7-7540-94C8-AA825AC7F55E}" type="datetimeFigureOut">
               <a:rPr lang="en-US" smtClean="0"/>
-              <a:t>3/21/20</a:t>
+              <a:t>3/22/20</a:t>
             </a:fld>
             <a:endParaRPr lang="en-US"/>
           </a:p>
@@ -13785,7 +14223,7 @@
           <a:p>
             <a:fld id="{D8E98660-31F7-7540-94C8-AA825AC7F55E}" type="datetimeFigureOut">
               <a:rPr lang="en-US" smtClean="0"/>
-              <a:t>3/21/20</a:t>
+              <a:t>3/22/20</a:t>
             </a:fld>
             <a:endParaRPr lang="en-US"/>
           </a:p>
@@ -13996,7 +14434,7 @@
           <a:p>
             <a:fld id="{D8E98660-31F7-7540-94C8-AA825AC7F55E}" type="datetimeFigureOut">
               <a:rPr lang="en-US" smtClean="0"/>
-              <a:t>3/21/20</a:t>
+              <a:t>3/22/20</a:t>
             </a:fld>
             <a:endParaRPr lang="en-US"/>
           </a:p>
@@ -15030,7 +15468,7 @@
           <a:p>
             <a:fld id="{D8E98660-31F7-7540-94C8-AA825AC7F55E}" type="datetimeFigureOut">
               <a:rPr lang="en-US" smtClean="0"/>
-              <a:t>3/21/20</a:t>
+              <a:t>3/22/20</a:t>
             </a:fld>
             <a:endParaRPr lang="en-US"/>
           </a:p>
@@ -15302,7 +15740,7 @@
           <a:p>
             <a:fld id="{D8E98660-31F7-7540-94C8-AA825AC7F55E}" type="datetimeFigureOut">
               <a:rPr lang="en-US" smtClean="0"/>
-              <a:t>3/21/20</a:t>
+              <a:t>3/22/20</a:t>
             </a:fld>
             <a:endParaRPr lang="en-US"/>
           </a:p>
@@ -15712,7 +16150,7 @@
           <a:p>
             <a:fld id="{D8E98660-31F7-7540-94C8-AA825AC7F55E}" type="datetimeFigureOut">
               <a:rPr lang="en-US" smtClean="0"/>
-              <a:t>3/21/20</a:t>
+              <a:t>3/22/20</a:t>
             </a:fld>
             <a:endParaRPr lang="en-US"/>
           </a:p>
@@ -15839,7 +16277,7 @@
           <a:p>
             <a:fld id="{D8E98660-31F7-7540-94C8-AA825AC7F55E}" type="datetimeFigureOut">
               <a:rPr lang="en-US" smtClean="0"/>
-              <a:t>3/21/20</a:t>
+              <a:t>3/22/20</a:t>
             </a:fld>
             <a:endParaRPr lang="en-US"/>
           </a:p>
@@ -15934,7 +16372,7 @@
           <a:p>
             <a:fld id="{D8E98660-31F7-7540-94C8-AA825AC7F55E}" type="datetimeFigureOut">
               <a:rPr lang="en-US" smtClean="0"/>
-              <a:t>3/21/20</a:t>
+              <a:t>3/22/20</a:t>
             </a:fld>
             <a:endParaRPr lang="en-US"/>
           </a:p>
@@ -17015,7 +17453,7 @@
           <a:p>
             <a:fld id="{D8E98660-31F7-7540-94C8-AA825AC7F55E}" type="datetimeFigureOut">
               <a:rPr lang="en-US" smtClean="0"/>
-              <a:t>3/21/20</a:t>
+              <a:t>3/22/20</a:t>
             </a:fld>
             <a:endParaRPr lang="en-US"/>
           </a:p>
@@ -18123,7 +18561,7 @@
           <a:p>
             <a:fld id="{D8E98660-31F7-7540-94C8-AA825AC7F55E}" type="datetimeFigureOut">
               <a:rPr lang="en-US" smtClean="0"/>
-              <a:t>3/21/20</a:t>
+              <a:t>3/22/20</a:t>
             </a:fld>
             <a:endParaRPr lang="en-US"/>
           </a:p>
@@ -19120,7 +19558,7 @@
           <a:p>
             <a:fld id="{D8E98660-31F7-7540-94C8-AA825AC7F55E}" type="datetimeFigureOut">
               <a:rPr lang="en-US" smtClean="0"/>
-              <a:t>3/21/20</a:t>
+              <a:t>3/22/20</a:t>
             </a:fld>
             <a:endParaRPr lang="en-US"/>
           </a:p>
@@ -26831,6 +27269,1499 @@
 </p:sld>
 </file>
 
+<file path=ppt/slides/slide18.xml><?xml version="1.0" encoding="utf-8"?>
+<p:sld xmlns:a="http://schemas.openxmlformats.org/drawingml/2006/main" xmlns:r="http://schemas.openxmlformats.org/officeDocument/2006/relationships" xmlns:p="http://schemas.openxmlformats.org/presentationml/2006/main">
+  <p:cSld>
+    <p:bg>
+      <p:bgPr>
+        <a:blipFill rotWithShape="1">
+          <a:blip r:embed="rId2">
+            <a:duotone>
+              <a:schemeClr val="bg2">
+                <a:shade val="69000"/>
+                <a:hueMod val="91000"/>
+                <a:satMod val="164000"/>
+                <a:lumMod val="74000"/>
+              </a:schemeClr>
+              <a:schemeClr val="bg2">
+                <a:hueMod val="124000"/>
+                <a:satMod val="140000"/>
+                <a:lumMod val="142000"/>
+              </a:schemeClr>
+            </a:duotone>
+          </a:blip>
+          <a:stretch/>
+        </a:blipFill>
+        <a:effectLst/>
+      </p:bgPr>
+    </p:bg>
+    <p:spTree>
+      <p:nvGrpSpPr>
+        <p:cNvPr id="1" name=""/>
+        <p:cNvGrpSpPr/>
+        <p:nvPr/>
+      </p:nvGrpSpPr>
+      <p:grpSpPr>
+        <a:xfrm>
+          <a:off x="0" y="0"/>
+          <a:ext cx="0" cy="0"/>
+          <a:chOff x="0" y="0"/>
+          <a:chExt cx="0" cy="0"/>
+        </a:xfrm>
+      </p:grpSpPr>
+      <p:grpSp>
+        <p:nvGrpSpPr>
+          <p:cNvPr id="8" name="Group 7">
+            <a:extLst>
+              <a:ext uri="{FF2B5EF4-FFF2-40B4-BE49-F238E27FC236}">
+                <a16:creationId xmlns:a16="http://schemas.microsoft.com/office/drawing/2014/main" id="{7084313B-C03D-4981-9786-879159A60395}"/>
+              </a:ext>
+              <a:ext uri="{C183D7F6-B498-43B3-948B-1728B52AA6E4}">
+                <adec:decorative xmlns:adec="http://schemas.microsoft.com/office/drawing/2017/decorative" val="1"/>
+              </a:ext>
+            </a:extLst>
+          </p:cNvPr>
+          <p:cNvGrpSpPr>
+            <a:grpSpLocks noGrp="1" noUngrp="1" noRot="1" noChangeAspect="1" noMove="1" noResize="1"/>
+          </p:cNvGrpSpPr>
+          <p:nvPr>
+            <p:extLst>
+              <p:ext uri="{386F3935-93C4-4BCD-93E2-E3B085C9AB24}">
+                <p16:designElem xmlns:p16="http://schemas.microsoft.com/office/powerpoint/2015/main" val="1"/>
+              </p:ext>
+            </p:extLst>
+          </p:nvPr>
+        </p:nvGrpSpPr>
+        <p:grpSpPr>
+          <a:xfrm>
+            <a:off x="0" y="0"/>
+            <a:ext cx="12192000" cy="6858000"/>
+            <a:chOff x="0" y="0"/>
+            <a:chExt cx="12192000" cy="6858000"/>
+          </a:xfrm>
+        </p:grpSpPr>
+        <p:sp>
+          <p:nvSpPr>
+            <p:cNvPr id="9" name="Rectangle 8">
+              <a:extLst>
+                <a:ext uri="{FF2B5EF4-FFF2-40B4-BE49-F238E27FC236}">
+                  <a16:creationId xmlns:a16="http://schemas.microsoft.com/office/drawing/2014/main" id="{A99190B9-52DD-45DC-BE21-AACE88FEC7FE}"/>
+                </a:ext>
+                <a:ext uri="{C183D7F6-B498-43B3-948B-1728B52AA6E4}">
+                  <adec:decorative xmlns:adec="http://schemas.microsoft.com/office/drawing/2017/decorative" val="1"/>
+                </a:ext>
+              </a:extLst>
+            </p:cNvPr>
+            <p:cNvSpPr/>
+            <p:nvPr>
+              <p:extLst>
+                <p:ext uri="{386F3935-93C4-4BCD-93E2-E3B085C9AB24}">
+                  <p16:designElem xmlns:p16="http://schemas.microsoft.com/office/powerpoint/2015/main" val="1"/>
+                </p:ext>
+              </p:extLst>
+            </p:nvPr>
+          </p:nvSpPr>
+          <p:spPr>
+            <a:xfrm>
+              <a:off x="0" y="0"/>
+              <a:ext cx="12192000" cy="6858000"/>
+            </a:xfrm>
+            <a:prstGeom prst="rect">
+              <a:avLst/>
+            </a:prstGeom>
+            <a:blipFill>
+              <a:blip r:embed="rId2">
+                <a:duotone>
+                  <a:schemeClr val="dk2">
+                    <a:shade val="69000"/>
+                    <a:hueMod val="91000"/>
+                    <a:satMod val="164000"/>
+                    <a:lumMod val="74000"/>
+                  </a:schemeClr>
+                  <a:schemeClr val="dk2">
+                    <a:hueMod val="124000"/>
+                    <a:satMod val="140000"/>
+                    <a:lumMod val="142000"/>
+                  </a:schemeClr>
+                </a:duotone>
+              </a:blip>
+              <a:stretch>
+                <a:fillRect/>
+              </a:stretch>
+            </a:blipFill>
+            <a:ln>
+              <a:noFill/>
+            </a:ln>
+          </p:spPr>
+          <p:style>
+            <a:lnRef idx="2">
+              <a:schemeClr val="accent1">
+                <a:shade val="50000"/>
+              </a:schemeClr>
+            </a:lnRef>
+            <a:fillRef idx="1">
+              <a:schemeClr val="accent1"/>
+            </a:fillRef>
+            <a:effectRef idx="0">
+              <a:schemeClr val="accent1"/>
+            </a:effectRef>
+            <a:fontRef idx="minor">
+              <a:schemeClr val="lt1"/>
+            </a:fontRef>
+          </p:style>
+        </p:sp>
+        <p:sp>
+          <p:nvSpPr>
+            <p:cNvPr id="10" name="Oval 9">
+              <a:extLst>
+                <a:ext uri="{FF2B5EF4-FFF2-40B4-BE49-F238E27FC236}">
+                  <a16:creationId xmlns:a16="http://schemas.microsoft.com/office/drawing/2014/main" id="{D1EE260A-12FB-4D71-A318-71BED7FF314B}"/>
+                </a:ext>
+                <a:ext uri="{C183D7F6-B498-43B3-948B-1728B52AA6E4}">
+                  <adec:decorative xmlns:adec="http://schemas.microsoft.com/office/drawing/2017/decorative" val="1"/>
+                </a:ext>
+              </a:extLst>
+            </p:cNvPr>
+            <p:cNvSpPr/>
+            <p:nvPr>
+              <p:extLst>
+                <p:ext uri="{386F3935-93C4-4BCD-93E2-E3B085C9AB24}">
+                  <p16:designElem xmlns:p16="http://schemas.microsoft.com/office/powerpoint/2015/main" val="1"/>
+                </p:ext>
+              </p:extLst>
+            </p:nvPr>
+          </p:nvSpPr>
+          <p:spPr>
+            <a:xfrm>
+              <a:off x="0" y="2667000"/>
+              <a:ext cx="4191000" cy="4191000"/>
+            </a:xfrm>
+            <a:prstGeom prst="ellipse">
+              <a:avLst/>
+            </a:prstGeom>
+            <a:gradFill flip="none" rotWithShape="1">
+              <a:gsLst>
+                <a:gs pos="0">
+                  <a:schemeClr val="accent5">
+                    <a:alpha val="11000"/>
+                  </a:schemeClr>
+                </a:gs>
+                <a:gs pos="75000">
+                  <a:schemeClr val="accent5">
+                    <a:alpha val="0"/>
+                  </a:schemeClr>
+                </a:gs>
+                <a:gs pos="36000">
+                  <a:schemeClr val="accent5">
+                    <a:alpha val="10000"/>
+                  </a:schemeClr>
+                </a:gs>
+              </a:gsLst>
+              <a:path path="circle">
+                <a:fillToRect l="50000" t="50000" r="50000" b="50000"/>
+              </a:path>
+              <a:tileRect/>
+            </a:gradFill>
+            <a:ln>
+              <a:noFill/>
+            </a:ln>
+            <a:effectLst/>
+          </p:spPr>
+          <p:style>
+            <a:lnRef idx="1">
+              <a:schemeClr val="accent1"/>
+            </a:lnRef>
+            <a:fillRef idx="3">
+              <a:schemeClr val="accent1"/>
+            </a:fillRef>
+            <a:effectRef idx="2">
+              <a:schemeClr val="accent1"/>
+            </a:effectRef>
+            <a:fontRef idx="minor">
+              <a:schemeClr val="lt1"/>
+            </a:fontRef>
+          </p:style>
+        </p:sp>
+        <p:sp>
+          <p:nvSpPr>
+            <p:cNvPr id="11" name="Oval 10">
+              <a:extLst>
+                <a:ext uri="{FF2B5EF4-FFF2-40B4-BE49-F238E27FC236}">
+                  <a16:creationId xmlns:a16="http://schemas.microsoft.com/office/drawing/2014/main" id="{B52EC39A-8D44-4CEF-820F-A442CFA42DE1}"/>
+                </a:ext>
+                <a:ext uri="{C183D7F6-B498-43B3-948B-1728B52AA6E4}">
+                  <adec:decorative xmlns:adec="http://schemas.microsoft.com/office/drawing/2017/decorative" val="1"/>
+                </a:ext>
+              </a:extLst>
+            </p:cNvPr>
+            <p:cNvSpPr/>
+            <p:nvPr>
+              <p:extLst>
+                <p:ext uri="{386F3935-93C4-4BCD-93E2-E3B085C9AB24}">
+                  <p16:designElem xmlns:p16="http://schemas.microsoft.com/office/powerpoint/2015/main" val="1"/>
+                </p:ext>
+              </p:extLst>
+            </p:nvPr>
+          </p:nvSpPr>
+          <p:spPr>
+            <a:xfrm>
+              <a:off x="0" y="2895600"/>
+              <a:ext cx="2362200" cy="2362200"/>
+            </a:xfrm>
+            <a:prstGeom prst="ellipse">
+              <a:avLst/>
+            </a:prstGeom>
+            <a:gradFill flip="none" rotWithShape="1">
+              <a:gsLst>
+                <a:gs pos="0">
+                  <a:schemeClr val="accent5">
+                    <a:alpha val="8000"/>
+                  </a:schemeClr>
+                </a:gs>
+                <a:gs pos="72000">
+                  <a:schemeClr val="accent5">
+                    <a:alpha val="0"/>
+                  </a:schemeClr>
+                </a:gs>
+                <a:gs pos="36000">
+                  <a:schemeClr val="accent5">
+                    <a:alpha val="8000"/>
+                  </a:schemeClr>
+                </a:gs>
+              </a:gsLst>
+              <a:path path="circle">
+                <a:fillToRect l="50000" t="50000" r="50000" b="50000"/>
+              </a:path>
+              <a:tileRect/>
+            </a:gradFill>
+            <a:ln>
+              <a:noFill/>
+            </a:ln>
+            <a:effectLst/>
+          </p:spPr>
+          <p:style>
+            <a:lnRef idx="1">
+              <a:schemeClr val="accent1"/>
+            </a:lnRef>
+            <a:fillRef idx="3">
+              <a:schemeClr val="accent1"/>
+            </a:fillRef>
+            <a:effectRef idx="2">
+              <a:schemeClr val="accent1"/>
+            </a:effectRef>
+            <a:fontRef idx="minor">
+              <a:schemeClr val="lt1"/>
+            </a:fontRef>
+          </p:style>
+        </p:sp>
+        <p:sp>
+          <p:nvSpPr>
+            <p:cNvPr id="12" name="Oval 11">
+              <a:extLst>
+                <a:ext uri="{FF2B5EF4-FFF2-40B4-BE49-F238E27FC236}">
+                  <a16:creationId xmlns:a16="http://schemas.microsoft.com/office/drawing/2014/main" id="{2D010773-529F-4A3D-A0AB-E7CE12DC6173}"/>
+                </a:ext>
+                <a:ext uri="{C183D7F6-B498-43B3-948B-1728B52AA6E4}">
+                  <adec:decorative xmlns:adec="http://schemas.microsoft.com/office/drawing/2017/decorative" val="1"/>
+                </a:ext>
+              </a:extLst>
+            </p:cNvPr>
+            <p:cNvSpPr/>
+            <p:nvPr>
+              <p:extLst>
+                <p:ext uri="{386F3935-93C4-4BCD-93E2-E3B085C9AB24}">
+                  <p16:designElem xmlns:p16="http://schemas.microsoft.com/office/powerpoint/2015/main" val="1"/>
+                </p:ext>
+              </p:extLst>
+            </p:nvPr>
+          </p:nvSpPr>
+          <p:spPr>
+            <a:xfrm>
+              <a:off x="8609012" y="5867400"/>
+              <a:ext cx="990600" cy="990600"/>
+            </a:xfrm>
+            <a:prstGeom prst="ellipse">
+              <a:avLst/>
+            </a:prstGeom>
+            <a:gradFill flip="none" rotWithShape="1">
+              <a:gsLst>
+                <a:gs pos="0">
+                  <a:schemeClr val="accent5">
+                    <a:alpha val="14000"/>
+                  </a:schemeClr>
+                </a:gs>
+                <a:gs pos="66000">
+                  <a:schemeClr val="accent5">
+                    <a:alpha val="0"/>
+                  </a:schemeClr>
+                </a:gs>
+                <a:gs pos="36000">
+                  <a:schemeClr val="accent5">
+                    <a:alpha val="7000"/>
+                  </a:schemeClr>
+                </a:gs>
+              </a:gsLst>
+              <a:path path="circle">
+                <a:fillToRect l="50000" t="50000" r="50000" b="50000"/>
+              </a:path>
+              <a:tileRect/>
+            </a:gradFill>
+            <a:ln>
+              <a:noFill/>
+            </a:ln>
+            <a:effectLst/>
+          </p:spPr>
+          <p:style>
+            <a:lnRef idx="1">
+              <a:schemeClr val="accent1"/>
+            </a:lnRef>
+            <a:fillRef idx="3">
+              <a:schemeClr val="accent1"/>
+            </a:fillRef>
+            <a:effectRef idx="2">
+              <a:schemeClr val="accent1"/>
+            </a:effectRef>
+            <a:fontRef idx="minor">
+              <a:schemeClr val="lt1"/>
+            </a:fontRef>
+          </p:style>
+        </p:sp>
+        <p:sp>
+          <p:nvSpPr>
+            <p:cNvPr id="13" name="Oval 12">
+              <a:extLst>
+                <a:ext uri="{FF2B5EF4-FFF2-40B4-BE49-F238E27FC236}">
+                  <a16:creationId xmlns:a16="http://schemas.microsoft.com/office/drawing/2014/main" id="{D7582733-2D5B-4103-A63C-0D0D81780468}"/>
+                </a:ext>
+                <a:ext uri="{C183D7F6-B498-43B3-948B-1728B52AA6E4}">
+                  <adec:decorative xmlns:adec="http://schemas.microsoft.com/office/drawing/2017/decorative" val="1"/>
+                </a:ext>
+              </a:extLst>
+            </p:cNvPr>
+            <p:cNvSpPr/>
+            <p:nvPr>
+              <p:extLst>
+                <p:ext uri="{386F3935-93C4-4BCD-93E2-E3B085C9AB24}">
+                  <p16:designElem xmlns:p16="http://schemas.microsoft.com/office/powerpoint/2015/main" val="1"/>
+                </p:ext>
+              </p:extLst>
+            </p:nvPr>
+          </p:nvSpPr>
+          <p:spPr>
+            <a:xfrm>
+              <a:off x="8609012" y="1676400"/>
+              <a:ext cx="2819400" cy="2819400"/>
+            </a:xfrm>
+            <a:prstGeom prst="ellipse">
+              <a:avLst/>
+            </a:prstGeom>
+            <a:gradFill flip="none" rotWithShape="1">
+              <a:gsLst>
+                <a:gs pos="0">
+                  <a:schemeClr val="accent5">
+                    <a:alpha val="7000"/>
+                  </a:schemeClr>
+                </a:gs>
+                <a:gs pos="69000">
+                  <a:schemeClr val="accent5">
+                    <a:alpha val="0"/>
+                  </a:schemeClr>
+                </a:gs>
+                <a:gs pos="36000">
+                  <a:schemeClr val="accent5">
+                    <a:alpha val="6000"/>
+                  </a:schemeClr>
+                </a:gs>
+              </a:gsLst>
+              <a:path path="circle">
+                <a:fillToRect l="50000" t="50000" r="50000" b="50000"/>
+              </a:path>
+              <a:tileRect/>
+            </a:gradFill>
+            <a:ln>
+              <a:noFill/>
+            </a:ln>
+            <a:effectLst/>
+          </p:spPr>
+          <p:style>
+            <a:lnRef idx="1">
+              <a:schemeClr val="accent1"/>
+            </a:lnRef>
+            <a:fillRef idx="3">
+              <a:schemeClr val="accent1"/>
+            </a:fillRef>
+            <a:effectRef idx="2">
+              <a:schemeClr val="accent1"/>
+            </a:effectRef>
+            <a:fontRef idx="minor">
+              <a:schemeClr val="lt1"/>
+            </a:fontRef>
+          </p:style>
+        </p:sp>
+        <p:sp>
+          <p:nvSpPr>
+            <p:cNvPr id="14" name="Oval 13">
+              <a:extLst>
+                <a:ext uri="{FF2B5EF4-FFF2-40B4-BE49-F238E27FC236}">
+                  <a16:creationId xmlns:a16="http://schemas.microsoft.com/office/drawing/2014/main" id="{6D073C2A-0E86-458E-88D4-27124FDADCAA}"/>
+                </a:ext>
+                <a:ext uri="{C183D7F6-B498-43B3-948B-1728B52AA6E4}">
+                  <adec:decorative xmlns:adec="http://schemas.microsoft.com/office/drawing/2017/decorative" val="1"/>
+                </a:ext>
+              </a:extLst>
+            </p:cNvPr>
+            <p:cNvSpPr/>
+            <p:nvPr>
+              <p:extLst>
+                <p:ext uri="{386F3935-93C4-4BCD-93E2-E3B085C9AB24}">
+                  <p16:designElem xmlns:p16="http://schemas.microsoft.com/office/powerpoint/2015/main" val="1"/>
+                </p:ext>
+              </p:extLst>
+            </p:nvPr>
+          </p:nvSpPr>
+          <p:spPr>
+            <a:xfrm>
+              <a:off x="7999412" y="8464"/>
+              <a:ext cx="1600200" cy="1600200"/>
+            </a:xfrm>
+            <a:prstGeom prst="ellipse">
+              <a:avLst/>
+            </a:prstGeom>
+            <a:gradFill flip="none" rotWithShape="1">
+              <a:gsLst>
+                <a:gs pos="0">
+                  <a:schemeClr val="accent5">
+                    <a:alpha val="14000"/>
+                  </a:schemeClr>
+                </a:gs>
+                <a:gs pos="73000">
+                  <a:schemeClr val="accent5">
+                    <a:alpha val="0"/>
+                  </a:schemeClr>
+                </a:gs>
+                <a:gs pos="36000">
+                  <a:schemeClr val="accent5">
+                    <a:alpha val="7000"/>
+                  </a:schemeClr>
+                </a:gs>
+              </a:gsLst>
+              <a:path path="circle">
+                <a:fillToRect l="50000" t="50000" r="50000" b="50000"/>
+              </a:path>
+              <a:tileRect/>
+            </a:gradFill>
+            <a:ln>
+              <a:noFill/>
+            </a:ln>
+            <a:effectLst/>
+          </p:spPr>
+          <p:style>
+            <a:lnRef idx="1">
+              <a:schemeClr val="accent1"/>
+            </a:lnRef>
+            <a:fillRef idx="3">
+              <a:schemeClr val="accent1"/>
+            </a:fillRef>
+            <a:effectRef idx="2">
+              <a:schemeClr val="accent1"/>
+            </a:effectRef>
+            <a:fontRef idx="minor">
+              <a:schemeClr val="lt1"/>
+            </a:fontRef>
+          </p:style>
+        </p:sp>
+        <p:sp>
+          <p:nvSpPr>
+            <p:cNvPr id="15" name="Freeform 5">
+              <a:extLst>
+                <a:ext uri="{FF2B5EF4-FFF2-40B4-BE49-F238E27FC236}">
+                  <a16:creationId xmlns:a16="http://schemas.microsoft.com/office/drawing/2014/main" id="{01A64F04-7AF7-48B9-A1B0-956BBCEEFE5A}"/>
+                </a:ext>
+                <a:ext uri="{C183D7F6-B498-43B3-948B-1728B52AA6E4}">
+                  <adec:decorative xmlns:adec="http://schemas.microsoft.com/office/drawing/2017/decorative" val="1"/>
+                </a:ext>
+              </a:extLst>
+            </p:cNvPr>
+            <p:cNvSpPr/>
+            <p:nvPr>
+              <p:extLst>
+                <p:ext uri="{386F3935-93C4-4BCD-93E2-E3B085C9AB24}">
+                  <p16:designElem xmlns:p16="http://schemas.microsoft.com/office/powerpoint/2015/main" val="1"/>
+                </p:ext>
+              </p:extLst>
+            </p:nvPr>
+          </p:nvSpPr>
+          <p:spPr bwMode="gray">
+            <a:xfrm rot="21010068">
+              <a:off x="8490951" y="1797517"/>
+              <a:ext cx="3299407" cy="440924"/>
+            </a:xfrm>
+            <a:custGeom>
+              <a:avLst/>
+              <a:gdLst/>
+              <a:ahLst/>
+              <a:cxnLst/>
+              <a:rect l="l" t="t" r="r" b="b"/>
+              <a:pathLst>
+                <a:path w="10000" h="5291">
+                  <a:moveTo>
+                    <a:pt x="85" y="2532"/>
+                  </a:moveTo>
+                  <a:cubicBezTo>
+                    <a:pt x="1736" y="3911"/>
+                    <a:pt x="7524" y="5298"/>
+                    <a:pt x="9958" y="5291"/>
+                  </a:cubicBezTo>
+                  <a:cubicBezTo>
+                    <a:pt x="9989" y="1958"/>
+                    <a:pt x="9969" y="3333"/>
+                    <a:pt x="10000" y="0"/>
+                  </a:cubicBezTo>
+                  <a:lnTo>
+                    <a:pt x="10000" y="0"/>
+                  </a:lnTo>
+                  <a:lnTo>
+                    <a:pt x="9667" y="204"/>
+                  </a:lnTo>
+                  <a:lnTo>
+                    <a:pt x="9334" y="400"/>
+                  </a:lnTo>
+                  <a:lnTo>
+                    <a:pt x="9001" y="590"/>
+                  </a:lnTo>
+                  <a:lnTo>
+                    <a:pt x="8667" y="753"/>
+                  </a:lnTo>
+                  <a:lnTo>
+                    <a:pt x="8333" y="917"/>
+                  </a:lnTo>
+                  <a:lnTo>
+                    <a:pt x="7999" y="1071"/>
+                  </a:lnTo>
+                  <a:lnTo>
+                    <a:pt x="7669" y="1202"/>
+                  </a:lnTo>
+                  <a:lnTo>
+                    <a:pt x="7333" y="1325"/>
+                  </a:lnTo>
+                  <a:lnTo>
+                    <a:pt x="7000" y="1440"/>
+                  </a:lnTo>
+                  <a:lnTo>
+                    <a:pt x="6673" y="1538"/>
+                  </a:lnTo>
+                  <a:lnTo>
+                    <a:pt x="6340" y="1636"/>
+                  </a:lnTo>
+                  <a:lnTo>
+                    <a:pt x="6013" y="1719"/>
+                  </a:lnTo>
+                  <a:lnTo>
+                    <a:pt x="5686" y="1784"/>
+                  </a:lnTo>
+                  <a:lnTo>
+                    <a:pt x="5359" y="1850"/>
+                  </a:lnTo>
+                  <a:lnTo>
+                    <a:pt x="5036" y="1906"/>
+                  </a:lnTo>
+                  <a:lnTo>
+                    <a:pt x="4717" y="1948"/>
+                  </a:lnTo>
+                  <a:lnTo>
+                    <a:pt x="4396" y="1980"/>
+                  </a:lnTo>
+                  <a:lnTo>
+                    <a:pt x="4079" y="2013"/>
+                  </a:lnTo>
+                  <a:lnTo>
+                    <a:pt x="3766" y="2029"/>
+                  </a:lnTo>
+                  <a:lnTo>
+                    <a:pt x="3454" y="2046"/>
+                  </a:lnTo>
+                  <a:lnTo>
+                    <a:pt x="3145" y="2053"/>
+                  </a:lnTo>
+                  <a:lnTo>
+                    <a:pt x="2839" y="2046"/>
+                  </a:lnTo>
+                  <a:lnTo>
+                    <a:pt x="2537" y="2046"/>
+                  </a:lnTo>
+                  <a:lnTo>
+                    <a:pt x="2238" y="2029"/>
+                  </a:lnTo>
+                  <a:lnTo>
+                    <a:pt x="1943" y="2004"/>
+                  </a:lnTo>
+                  <a:lnTo>
+                    <a:pt x="1653" y="1980"/>
+                  </a:lnTo>
+                  <a:lnTo>
+                    <a:pt x="1368" y="1955"/>
+                  </a:lnTo>
+                  <a:lnTo>
+                    <a:pt x="1085" y="1915"/>
+                  </a:lnTo>
+                  <a:lnTo>
+                    <a:pt x="806" y="1873"/>
+                  </a:lnTo>
+                  <a:lnTo>
+                    <a:pt x="533" y="1833"/>
+                  </a:lnTo>
+                  <a:lnTo>
+                    <a:pt x="0" y="1726"/>
+                  </a:lnTo>
+                  <a:cubicBezTo>
+                    <a:pt x="28" y="1995"/>
+                    <a:pt x="57" y="2263"/>
+                    <a:pt x="85" y="2532"/>
+                  </a:cubicBezTo>
+                  <a:close/>
+                </a:path>
+              </a:pathLst>
+            </a:custGeom>
+            <a:solidFill>
+              <a:schemeClr val="bg1">
+                <a:alpha val="20000"/>
+              </a:schemeClr>
+            </a:solidFill>
+            <a:ln>
+              <a:noFill/>
+            </a:ln>
+          </p:spPr>
+        </p:sp>
+        <p:sp>
+          <p:nvSpPr>
+            <p:cNvPr id="16" name="Freeform 5">
+              <a:extLst>
+                <a:ext uri="{FF2B5EF4-FFF2-40B4-BE49-F238E27FC236}">
+                  <a16:creationId xmlns:a16="http://schemas.microsoft.com/office/drawing/2014/main" id="{989ABE99-7694-4211-A627-459BE5422B62}"/>
+                </a:ext>
+                <a:ext uri="{C183D7F6-B498-43B3-948B-1728B52AA6E4}">
+                  <adec:decorative xmlns:adec="http://schemas.microsoft.com/office/drawing/2017/decorative" val="1"/>
+                </a:ext>
+              </a:extLst>
+            </p:cNvPr>
+            <p:cNvSpPr/>
+            <p:nvPr>
+              <p:extLst>
+                <p:ext uri="{386F3935-93C4-4BCD-93E2-E3B085C9AB24}">
+                  <p16:designElem xmlns:p16="http://schemas.microsoft.com/office/powerpoint/2015/main" val="1"/>
+                </p:ext>
+              </p:extLst>
+            </p:nvPr>
+          </p:nvSpPr>
+          <p:spPr bwMode="gray">
+            <a:xfrm>
+              <a:off x="459506" y="1866405"/>
+              <a:ext cx="11277600" cy="4533900"/>
+            </a:xfrm>
+            <a:custGeom>
+              <a:avLst/>
+              <a:gdLst/>
+              <a:ahLst/>
+              <a:cxnLst/>
+              <a:rect l="0" t="0" r="r" b="b"/>
+              <a:pathLst>
+                <a:path w="7104" h="2856">
+                  <a:moveTo>
+                    <a:pt x="0" y="0"/>
+                  </a:moveTo>
+                  <a:lnTo>
+                    <a:pt x="0" y="2856"/>
+                  </a:lnTo>
+                  <a:lnTo>
+                    <a:pt x="7104" y="2856"/>
+                  </a:lnTo>
+                  <a:lnTo>
+                    <a:pt x="7104" y="1"/>
+                  </a:lnTo>
+                  <a:lnTo>
+                    <a:pt x="7104" y="1"/>
+                  </a:lnTo>
+                  <a:lnTo>
+                    <a:pt x="6943" y="26"/>
+                  </a:lnTo>
+                  <a:lnTo>
+                    <a:pt x="6782" y="50"/>
+                  </a:lnTo>
+                  <a:lnTo>
+                    <a:pt x="6621" y="73"/>
+                  </a:lnTo>
+                  <a:lnTo>
+                    <a:pt x="6459" y="93"/>
+                  </a:lnTo>
+                  <a:lnTo>
+                    <a:pt x="6298" y="113"/>
+                  </a:lnTo>
+                  <a:lnTo>
+                    <a:pt x="6136" y="132"/>
+                  </a:lnTo>
+                  <a:lnTo>
+                    <a:pt x="5976" y="148"/>
+                  </a:lnTo>
+                  <a:lnTo>
+                    <a:pt x="5814" y="163"/>
+                  </a:lnTo>
+                  <a:lnTo>
+                    <a:pt x="5653" y="177"/>
+                  </a:lnTo>
+                  <a:lnTo>
+                    <a:pt x="5494" y="189"/>
+                  </a:lnTo>
+                  <a:lnTo>
+                    <a:pt x="5334" y="201"/>
+                  </a:lnTo>
+                  <a:lnTo>
+                    <a:pt x="5175" y="211"/>
+                  </a:lnTo>
+                  <a:lnTo>
+                    <a:pt x="5017" y="219"/>
+                  </a:lnTo>
+                  <a:lnTo>
+                    <a:pt x="4859" y="227"/>
+                  </a:lnTo>
+                  <a:lnTo>
+                    <a:pt x="4703" y="234"/>
+                  </a:lnTo>
+                  <a:lnTo>
+                    <a:pt x="4548" y="239"/>
+                  </a:lnTo>
+                  <a:lnTo>
+                    <a:pt x="4393" y="243"/>
+                  </a:lnTo>
+                  <a:lnTo>
+                    <a:pt x="4240" y="247"/>
+                  </a:lnTo>
+                  <a:lnTo>
+                    <a:pt x="4088" y="249"/>
+                  </a:lnTo>
+                  <a:lnTo>
+                    <a:pt x="3937" y="251"/>
+                  </a:lnTo>
+                  <a:lnTo>
+                    <a:pt x="3788" y="252"/>
+                  </a:lnTo>
+                  <a:lnTo>
+                    <a:pt x="3640" y="251"/>
+                  </a:lnTo>
+                  <a:lnTo>
+                    <a:pt x="3494" y="251"/>
+                  </a:lnTo>
+                  <a:lnTo>
+                    <a:pt x="3349" y="249"/>
+                  </a:lnTo>
+                  <a:lnTo>
+                    <a:pt x="3207" y="246"/>
+                  </a:lnTo>
+                  <a:lnTo>
+                    <a:pt x="3066" y="243"/>
+                  </a:lnTo>
+                  <a:lnTo>
+                    <a:pt x="2928" y="240"/>
+                  </a:lnTo>
+                  <a:lnTo>
+                    <a:pt x="2791" y="235"/>
+                  </a:lnTo>
+                  <a:lnTo>
+                    <a:pt x="2656" y="230"/>
+                  </a:lnTo>
+                  <a:lnTo>
+                    <a:pt x="2524" y="225"/>
+                  </a:lnTo>
+                  <a:lnTo>
+                    <a:pt x="2266" y="212"/>
+                  </a:lnTo>
+                  <a:lnTo>
+                    <a:pt x="2019" y="198"/>
+                  </a:lnTo>
+                  <a:lnTo>
+                    <a:pt x="1782" y="183"/>
+                  </a:lnTo>
+                  <a:lnTo>
+                    <a:pt x="1557" y="167"/>
+                  </a:lnTo>
+                  <a:lnTo>
+                    <a:pt x="1343" y="150"/>
+                  </a:lnTo>
+                  <a:lnTo>
+                    <a:pt x="1144" y="132"/>
+                  </a:lnTo>
+                  <a:lnTo>
+                    <a:pt x="957" y="114"/>
+                  </a:lnTo>
+                  <a:lnTo>
+                    <a:pt x="785" y="96"/>
+                  </a:lnTo>
+                  <a:lnTo>
+                    <a:pt x="627" y="79"/>
+                  </a:lnTo>
+                  <a:lnTo>
+                    <a:pt x="487" y="63"/>
+                  </a:lnTo>
+                  <a:lnTo>
+                    <a:pt x="361" y="48"/>
+                  </a:lnTo>
+                  <a:lnTo>
+                    <a:pt x="254" y="35"/>
+                  </a:lnTo>
+                  <a:lnTo>
+                    <a:pt x="165" y="23"/>
+                  </a:lnTo>
+                  <a:lnTo>
+                    <a:pt x="42" y="6"/>
+                  </a:lnTo>
+                  <a:lnTo>
+                    <a:pt x="0" y="0"/>
+                  </a:lnTo>
+                  <a:lnTo>
+                    <a:pt x="0" y="0"/>
+                  </a:lnTo>
+                  <a:close/>
+                </a:path>
+              </a:pathLst>
+            </a:custGeom>
+            <a:solidFill>
+              <a:schemeClr val="bg1"/>
+            </a:solidFill>
+            <a:ln>
+              <a:noFill/>
+            </a:ln>
+          </p:spPr>
+        </p:sp>
+        <p:sp>
+          <p:nvSpPr>
+            <p:cNvPr id="17" name="Freeform 5">
+              <a:extLst>
+                <a:ext uri="{FF2B5EF4-FFF2-40B4-BE49-F238E27FC236}">
+                  <a16:creationId xmlns:a16="http://schemas.microsoft.com/office/drawing/2014/main" id="{254B4214-6F53-497C-8322-9CE8158AA335}"/>
+                </a:ext>
+                <a:ext uri="{C183D7F6-B498-43B3-948B-1728B52AA6E4}">
+                  <adec:decorative xmlns:adec="http://schemas.microsoft.com/office/drawing/2017/decorative" val="1"/>
+                </a:ext>
+              </a:extLst>
+            </p:cNvPr>
+            <p:cNvSpPr>
+              <a:spLocks noEditPoints="1"/>
+            </p:cNvSpPr>
+            <p:nvPr>
+              <p:extLst>
+                <p:ext uri="{386F3935-93C4-4BCD-93E2-E3B085C9AB24}">
+                  <p16:designElem xmlns:p16="http://schemas.microsoft.com/office/powerpoint/2015/main" val="1"/>
+                </p:ext>
+              </p:extLst>
+            </p:nvPr>
+          </p:nvSpPr>
+          <p:spPr bwMode="gray">
+            <a:xfrm>
+              <a:off x="0" y="1587"/>
+              <a:ext cx="12192000" cy="6856413"/>
+            </a:xfrm>
+            <a:custGeom>
+              <a:avLst/>
+              <a:gdLst/>
+              <a:ahLst/>
+              <a:cxnLst/>
+              <a:rect l="0" t="0" r="r" b="b"/>
+              <a:pathLst>
+                <a:path w="15356" h="8638">
+                  <a:moveTo>
+                    <a:pt x="0" y="0"/>
+                  </a:moveTo>
+                  <a:lnTo>
+                    <a:pt x="0" y="8638"/>
+                  </a:lnTo>
+                  <a:lnTo>
+                    <a:pt x="15356" y="8638"/>
+                  </a:lnTo>
+                  <a:lnTo>
+                    <a:pt x="15356" y="0"/>
+                  </a:lnTo>
+                  <a:lnTo>
+                    <a:pt x="0" y="0"/>
+                  </a:lnTo>
+                  <a:close/>
+                  <a:moveTo>
+                    <a:pt x="14748" y="8038"/>
+                  </a:moveTo>
+                  <a:lnTo>
+                    <a:pt x="600" y="8038"/>
+                  </a:lnTo>
+                  <a:lnTo>
+                    <a:pt x="600" y="592"/>
+                  </a:lnTo>
+                  <a:lnTo>
+                    <a:pt x="14748" y="592"/>
+                  </a:lnTo>
+                  <a:lnTo>
+                    <a:pt x="14748" y="8038"/>
+                  </a:lnTo>
+                  <a:close/>
+                </a:path>
+              </a:pathLst>
+            </a:custGeom>
+            <a:solidFill>
+              <a:schemeClr val="bg1"/>
+            </a:solidFill>
+            <a:ln>
+              <a:noFill/>
+            </a:ln>
+          </p:spPr>
+        </p:sp>
+      </p:grpSp>
+      <p:sp>
+        <p:nvSpPr>
+          <p:cNvPr id="19" name="Rectangle 18">
+            <a:extLst>
+              <a:ext uri="{FF2B5EF4-FFF2-40B4-BE49-F238E27FC236}">
+                <a16:creationId xmlns:a16="http://schemas.microsoft.com/office/drawing/2014/main" id="{20E145FF-1D18-4246-A2BA-9F6B4D53364C}"/>
+              </a:ext>
+              <a:ext uri="{C183D7F6-B498-43B3-948B-1728B52AA6E4}">
+                <adec:decorative xmlns:adec="http://schemas.microsoft.com/office/drawing/2017/decorative" val="1"/>
+              </a:ext>
+            </a:extLst>
+          </p:cNvPr>
+          <p:cNvSpPr>
+            <a:spLocks noGrp="1" noRot="1" noChangeAspect="1" noMove="1" noResize="1" noEditPoints="1" noAdjustHandles="1" noChangeArrowheads="1" noChangeShapeType="1" noTextEdit="1"/>
+          </p:cNvSpPr>
+          <p:nvPr>
+            <p:extLst>
+              <p:ext uri="{386F3935-93C4-4BCD-93E2-E3B085C9AB24}">
+                <p16:designElem xmlns:p16="http://schemas.microsoft.com/office/powerpoint/2015/main" val="1"/>
+              </p:ext>
+            </p:extLst>
+          </p:nvPr>
+        </p:nvSpPr>
+        <p:spPr>
+          <a:xfrm>
+            <a:off x="10437812" y="0"/>
+            <a:ext cx="685800" cy="1143000"/>
+          </a:xfrm>
+          <a:prstGeom prst="rect">
+            <a:avLst/>
+          </a:prstGeom>
+          <a:solidFill>
+            <a:schemeClr val="accent1"/>
+          </a:solidFill>
+          <a:ln>
+            <a:noFill/>
+          </a:ln>
+        </p:spPr>
+        <p:style>
+          <a:lnRef idx="1">
+            <a:schemeClr val="accent1"/>
+          </a:lnRef>
+          <a:fillRef idx="3">
+            <a:schemeClr val="accent1"/>
+          </a:fillRef>
+          <a:effectRef idx="2">
+            <a:schemeClr val="accent1"/>
+          </a:effectRef>
+          <a:fontRef idx="minor">
+            <a:schemeClr val="lt1"/>
+          </a:fontRef>
+        </p:style>
+      </p:sp>
+      <p:sp useBgFill="1">
+        <p:nvSpPr>
+          <p:cNvPr id="21" name="Rectangle 20">
+            <a:extLst>
+              <a:ext uri="{FF2B5EF4-FFF2-40B4-BE49-F238E27FC236}">
+                <a16:creationId xmlns:a16="http://schemas.microsoft.com/office/drawing/2014/main" id="{C314C310-850D-4491-AA52-C75BEA68B68C}"/>
+              </a:ext>
+              <a:ext uri="{C183D7F6-B498-43B3-948B-1728B52AA6E4}">
+                <adec:decorative xmlns:adec="http://schemas.microsoft.com/office/drawing/2017/decorative" val="1"/>
+              </a:ext>
+            </a:extLst>
+          </p:cNvPr>
+          <p:cNvSpPr>
+            <a:spLocks noGrp="1" noRot="1" noChangeAspect="1" noMove="1" noResize="1" noEditPoints="1" noAdjustHandles="1" noChangeArrowheads="1" noChangeShapeType="1" noTextEdit="1"/>
+          </p:cNvSpPr>
+          <p:nvPr>
+            <p:extLst>
+              <p:ext uri="{386F3935-93C4-4BCD-93E2-E3B085C9AB24}">
+                <p16:designElem xmlns:p16="http://schemas.microsoft.com/office/powerpoint/2015/main" val="1"/>
+              </p:ext>
+            </p:extLst>
+          </p:nvPr>
+        </p:nvSpPr>
+        <p:spPr>
+          <a:xfrm>
+            <a:off x="0" y="0"/>
+            <a:ext cx="12192000" cy="6858000"/>
+          </a:xfrm>
+          <a:prstGeom prst="rect">
+            <a:avLst/>
+          </a:prstGeom>
+          <a:ln>
+            <a:noFill/>
+          </a:ln>
+        </p:spPr>
+        <p:style>
+          <a:lnRef idx="2">
+            <a:schemeClr val="accent1">
+              <a:shade val="50000"/>
+            </a:schemeClr>
+          </a:lnRef>
+          <a:fillRef idx="1">
+            <a:schemeClr val="accent1"/>
+          </a:fillRef>
+          <a:effectRef idx="0">
+            <a:schemeClr val="accent1"/>
+          </a:effectRef>
+          <a:fontRef idx="minor">
+            <a:schemeClr val="lt1"/>
+          </a:fontRef>
+        </p:style>
+        <p:txBody>
+          <a:bodyPr rtlCol="0" anchor="ctr"/>
+          <a:lstStyle/>
+          <a:p>
+            <a:pPr algn="ctr"/>
+            <a:endParaRPr lang="en-US"/>
+          </a:p>
+        </p:txBody>
+      </p:sp>
+      <p:grpSp>
+        <p:nvGrpSpPr>
+          <p:cNvPr id="23" name="Group 22">
+            <a:extLst>
+              <a:ext uri="{FF2B5EF4-FFF2-40B4-BE49-F238E27FC236}">
+                <a16:creationId xmlns:a16="http://schemas.microsoft.com/office/drawing/2014/main" id="{D4EC3799-3F52-48CE-85CC-83AED368EB42}"/>
+              </a:ext>
+              <a:ext uri="{C183D7F6-B498-43B3-948B-1728B52AA6E4}">
+                <adec:decorative xmlns:adec="http://schemas.microsoft.com/office/drawing/2017/decorative" val="1"/>
+              </a:ext>
+            </a:extLst>
+          </p:cNvPr>
+          <p:cNvGrpSpPr>
+            <a:grpSpLocks noGrp="1" noUngrp="1" noRot="1" noChangeAspect="1" noMove="1" noResize="1"/>
+          </p:cNvGrpSpPr>
+          <p:nvPr>
+            <p:extLst>
+              <p:ext uri="{386F3935-93C4-4BCD-93E2-E3B085C9AB24}">
+                <p16:designElem xmlns:p16="http://schemas.microsoft.com/office/powerpoint/2015/main" val="1"/>
+              </p:ext>
+            </p:extLst>
+          </p:nvPr>
+        </p:nvGrpSpPr>
+        <p:grpSpPr>
+          <a:xfrm>
+            <a:off x="0" y="0"/>
+            <a:ext cx="12192000" cy="6858000"/>
+            <a:chOff x="0" y="0"/>
+            <a:chExt cx="12192000" cy="6858000"/>
+          </a:xfrm>
+        </p:grpSpPr>
+        <p:sp>
+          <p:nvSpPr>
+            <p:cNvPr id="24" name="Rectangle 23">
+              <a:extLst>
+                <a:ext uri="{FF2B5EF4-FFF2-40B4-BE49-F238E27FC236}">
+                  <a16:creationId xmlns:a16="http://schemas.microsoft.com/office/drawing/2014/main" id="{F3FC2939-BF10-4CBC-904B-74A17D4B9C35}"/>
+                </a:ext>
+                <a:ext uri="{C183D7F6-B498-43B3-948B-1728B52AA6E4}">
+                  <adec:decorative xmlns:adec="http://schemas.microsoft.com/office/drawing/2017/decorative" val="1"/>
+                </a:ext>
+              </a:extLst>
+            </p:cNvPr>
+            <p:cNvSpPr/>
+            <p:nvPr>
+              <p:extLst>
+                <p:ext uri="{386F3935-93C4-4BCD-93E2-E3B085C9AB24}">
+                  <p16:designElem xmlns:p16="http://schemas.microsoft.com/office/powerpoint/2015/main" val="1"/>
+                </p:ext>
+              </p:extLst>
+            </p:nvPr>
+          </p:nvSpPr>
+          <p:spPr>
+            <a:xfrm>
+              <a:off x="0" y="0"/>
+              <a:ext cx="12192000" cy="6858000"/>
+            </a:xfrm>
+            <a:prstGeom prst="rect">
+              <a:avLst/>
+            </a:prstGeom>
+            <a:noFill/>
+            <a:ln>
+              <a:noFill/>
+            </a:ln>
+          </p:spPr>
+          <p:style>
+            <a:lnRef idx="2">
+              <a:schemeClr val="accent1">
+                <a:shade val="50000"/>
+              </a:schemeClr>
+            </a:lnRef>
+            <a:fillRef idx="1">
+              <a:schemeClr val="accent1"/>
+            </a:fillRef>
+            <a:effectRef idx="0">
+              <a:schemeClr val="accent1"/>
+            </a:effectRef>
+            <a:fontRef idx="minor">
+              <a:schemeClr val="lt1"/>
+            </a:fontRef>
+          </p:style>
+        </p:sp>
+        <p:sp>
+          <p:nvSpPr>
+            <p:cNvPr id="25" name="Freeform 5">
+              <a:extLst>
+                <a:ext uri="{FF2B5EF4-FFF2-40B4-BE49-F238E27FC236}">
+                  <a16:creationId xmlns:a16="http://schemas.microsoft.com/office/drawing/2014/main" id="{266B6D5D-11B6-40A6-9CEF-F0B0D104C5C6}"/>
+                </a:ext>
+                <a:ext uri="{C183D7F6-B498-43B3-948B-1728B52AA6E4}">
+                  <adec:decorative xmlns:adec="http://schemas.microsoft.com/office/drawing/2017/decorative" val="1"/>
+                </a:ext>
+              </a:extLst>
+            </p:cNvPr>
+            <p:cNvSpPr>
+              <a:spLocks noEditPoints="1"/>
+            </p:cNvSpPr>
+            <p:nvPr>
+              <p:extLst>
+                <p:ext uri="{386F3935-93C4-4BCD-93E2-E3B085C9AB24}">
+                  <p16:designElem xmlns:p16="http://schemas.microsoft.com/office/powerpoint/2015/main" val="1"/>
+                </p:ext>
+              </p:extLst>
+            </p:nvPr>
+          </p:nvSpPr>
+          <p:spPr bwMode="gray">
+            <a:xfrm>
+              <a:off x="0" y="1587"/>
+              <a:ext cx="12192000" cy="6856413"/>
+            </a:xfrm>
+            <a:custGeom>
+              <a:avLst/>
+              <a:gdLst/>
+              <a:ahLst/>
+              <a:cxnLst/>
+              <a:rect l="0" t="0" r="r" b="b"/>
+              <a:pathLst>
+                <a:path w="15356" h="8638">
+                  <a:moveTo>
+                    <a:pt x="0" y="0"/>
+                  </a:moveTo>
+                  <a:lnTo>
+                    <a:pt x="0" y="8638"/>
+                  </a:lnTo>
+                  <a:lnTo>
+                    <a:pt x="15356" y="8638"/>
+                  </a:lnTo>
+                  <a:lnTo>
+                    <a:pt x="15356" y="0"/>
+                  </a:lnTo>
+                  <a:lnTo>
+                    <a:pt x="0" y="0"/>
+                  </a:lnTo>
+                  <a:close/>
+                  <a:moveTo>
+                    <a:pt x="14748" y="8038"/>
+                  </a:moveTo>
+                  <a:lnTo>
+                    <a:pt x="600" y="8038"/>
+                  </a:lnTo>
+                  <a:lnTo>
+                    <a:pt x="600" y="592"/>
+                  </a:lnTo>
+                  <a:lnTo>
+                    <a:pt x="14748" y="592"/>
+                  </a:lnTo>
+                  <a:lnTo>
+                    <a:pt x="14748" y="8038"/>
+                  </a:lnTo>
+                  <a:close/>
+                </a:path>
+              </a:pathLst>
+            </a:custGeom>
+            <a:solidFill>
+              <a:schemeClr val="tx1"/>
+            </a:solidFill>
+            <a:ln>
+              <a:noFill/>
+            </a:ln>
+          </p:spPr>
+        </p:sp>
+      </p:grpSp>
+      <p:sp>
+        <p:nvSpPr>
+          <p:cNvPr id="2" name="Title 1">
+            <a:extLst>
+              <a:ext uri="{FF2B5EF4-FFF2-40B4-BE49-F238E27FC236}">
+                <a16:creationId xmlns:a16="http://schemas.microsoft.com/office/drawing/2014/main" id="{6C306A3C-AB9E-BC4B-9E4D-1150F099FB44}"/>
+              </a:ext>
+            </a:extLst>
+          </p:cNvPr>
+          <p:cNvSpPr>
+            <a:spLocks noGrp="1"/>
+          </p:cNvSpPr>
+          <p:nvPr>
+            <p:ph type="title"/>
+          </p:nvPr>
+        </p:nvSpPr>
+        <p:spPr>
+          <a:xfrm>
+            <a:off x="836247" y="1085549"/>
+            <a:ext cx="3430947" cy="4686903"/>
+          </a:xfrm>
+        </p:spPr>
+        <p:txBody>
+          <a:bodyPr vert="horz" lIns="91440" tIns="45720" rIns="91440" bIns="45720" rtlCol="0" anchor="ctr">
+            <a:normAutofit/>
+          </a:bodyPr>
+          <a:lstStyle/>
+          <a:p>
+            <a:pPr algn="r"/>
+            <a:r>
+              <a:rPr lang="en-US" sz="3600" dirty="0">
+                <a:solidFill>
+                  <a:schemeClr val="tx1"/>
+                </a:solidFill>
+                <a:latin typeface="Candara" panose="020E0502030303020204" pitchFamily="34" charset="0"/>
+              </a:rPr>
+              <a:t>Prophet – Facebook API </a:t>
+            </a:r>
+          </a:p>
+        </p:txBody>
+      </p:sp>
+      <p:cxnSp>
+        <p:nvCxnSpPr>
+          <p:cNvPr id="27" name="Straight Connector 26">
+            <a:extLst>
+              <a:ext uri="{FF2B5EF4-FFF2-40B4-BE49-F238E27FC236}">
+                <a16:creationId xmlns:a16="http://schemas.microsoft.com/office/drawing/2014/main" id="{789E20C7-BB50-4317-93C7-90C8ED80B275}"/>
+              </a:ext>
+              <a:ext uri="{C183D7F6-B498-43B3-948B-1728B52AA6E4}">
+                <adec:decorative xmlns:adec="http://schemas.microsoft.com/office/drawing/2017/decorative" val="1"/>
+              </a:ext>
+            </a:extLst>
+          </p:cNvPr>
+          <p:cNvCxnSpPr>
+            <a:cxnSpLocks noGrp="1" noRot="1" noChangeAspect="1" noMove="1" noResize="1" noEditPoints="1" noAdjustHandles="1" noChangeArrowheads="1" noChangeShapeType="1"/>
+          </p:cNvCxnSpPr>
+          <p:nvPr>
+            <p:extLst>
+              <p:ext uri="{386F3935-93C4-4BCD-93E2-E3B085C9AB24}">
+                <p16:designElem xmlns:p16="http://schemas.microsoft.com/office/powerpoint/2015/main" val="1"/>
+              </p:ext>
+            </p:extLst>
+          </p:nvPr>
+        </p:nvCxnSpPr>
+        <p:spPr>
+          <a:xfrm>
+            <a:off x="4654296" y="1930986"/>
+            <a:ext cx="0" cy="3200400"/>
+          </a:xfrm>
+          <a:prstGeom prst="line">
+            <a:avLst/>
+          </a:prstGeom>
+          <a:ln w="15875" cap="sq">
+            <a:solidFill>
+              <a:schemeClr val="tx1"/>
+            </a:solidFill>
+            <a:miter lim="800000"/>
+          </a:ln>
+        </p:spPr>
+        <p:style>
+          <a:lnRef idx="1">
+            <a:schemeClr val="accent1"/>
+          </a:lnRef>
+          <a:fillRef idx="0">
+            <a:schemeClr val="accent1"/>
+          </a:fillRef>
+          <a:effectRef idx="0">
+            <a:schemeClr val="accent1"/>
+          </a:effectRef>
+          <a:fontRef idx="minor">
+            <a:schemeClr val="tx1"/>
+          </a:fontRef>
+        </p:style>
+      </p:cxnSp>
+      <p:sp>
+        <p:nvSpPr>
+          <p:cNvPr id="3" name="Text Placeholder 2">
+            <a:extLst>
+              <a:ext uri="{FF2B5EF4-FFF2-40B4-BE49-F238E27FC236}">
+                <a16:creationId xmlns:a16="http://schemas.microsoft.com/office/drawing/2014/main" id="{4769E0E4-06B8-8F4D-8349-FA9C69173AA9}"/>
+              </a:ext>
+            </a:extLst>
+          </p:cNvPr>
+          <p:cNvSpPr>
+            <a:spLocks noGrp="1"/>
+          </p:cNvSpPr>
+          <p:nvPr>
+            <p:ph type="body" sz="half" idx="2"/>
+          </p:nvPr>
+        </p:nvSpPr>
+        <p:spPr>
+          <a:xfrm>
+            <a:off x="4745316" y="501162"/>
+            <a:ext cx="6957245" cy="5820507"/>
+          </a:xfrm>
+        </p:spPr>
+        <p:txBody>
+          <a:bodyPr vert="horz" lIns="91440" tIns="45720" rIns="91440" bIns="45720" rtlCol="0" anchor="ctr">
+            <a:normAutofit/>
+          </a:bodyPr>
+          <a:lstStyle/>
+          <a:p>
+            <a:pPr marL="285750" indent="-285750" fontAlgn="base">
+              <a:lnSpc>
+                <a:spcPct val="90000"/>
+              </a:lnSpc>
+              <a:buFont typeface="Wingdings" pitchFamily="2" charset="2"/>
+              <a:buChar char="Ø"/>
+            </a:pPr>
+            <a:r>
+              <a:rPr lang="en-US" sz="1700" dirty="0">
+                <a:solidFill>
+                  <a:schemeClr val="tx1"/>
+                </a:solidFill>
+                <a:latin typeface="Candara" panose="020E0502030303020204" pitchFamily="34" charset="0"/>
+              </a:rPr>
+              <a:t>Prophet follows the sklearn model API. We create an instance of the Prophet class and then call its fit and predict methods.</a:t>
+            </a:r>
+          </a:p>
+          <a:p>
+            <a:pPr marL="285750" indent="-285750" fontAlgn="base">
+              <a:lnSpc>
+                <a:spcPct val="90000"/>
+              </a:lnSpc>
+              <a:buFont typeface="Wingdings" pitchFamily="2" charset="2"/>
+              <a:buChar char="Ø"/>
+            </a:pPr>
+            <a:r>
+              <a:rPr lang="en-US" sz="1700" dirty="0">
+                <a:solidFill>
+                  <a:schemeClr val="tx1"/>
+                </a:solidFill>
+                <a:latin typeface="Candara" panose="020E0502030303020204" pitchFamily="34" charset="0"/>
+              </a:rPr>
+              <a:t>The input to Prophet is always a dataframe with two columns: ds and y. </a:t>
+            </a:r>
+          </a:p>
+          <a:p>
+            <a:pPr marL="285750" indent="-285750" fontAlgn="base">
+              <a:lnSpc>
+                <a:spcPct val="90000"/>
+              </a:lnSpc>
+              <a:buFont typeface="Wingdings" pitchFamily="2" charset="2"/>
+              <a:buChar char="Ø"/>
+            </a:pPr>
+            <a:r>
+              <a:rPr lang="en-US" sz="1700" dirty="0">
+                <a:solidFill>
+                  <a:schemeClr val="tx1"/>
+                </a:solidFill>
+                <a:latin typeface="Candara" panose="020E0502030303020204" pitchFamily="34" charset="0"/>
+              </a:rPr>
+              <a:t>The ds (datestamp) column should be of a format expected by Pandas, ideally YYYY-MM-DD for a date or YYYY-MM-DD HH:MM:SS for a timestamp. </a:t>
+            </a:r>
+          </a:p>
+          <a:p>
+            <a:pPr marL="285750" indent="-285750" fontAlgn="base">
+              <a:lnSpc>
+                <a:spcPct val="90000"/>
+              </a:lnSpc>
+              <a:buFont typeface="Wingdings" pitchFamily="2" charset="2"/>
+              <a:buChar char="Ø"/>
+            </a:pPr>
+            <a:r>
+              <a:rPr lang="en-US" sz="1700" dirty="0">
+                <a:solidFill>
+                  <a:schemeClr val="tx1"/>
+                </a:solidFill>
+                <a:latin typeface="Candara" panose="020E0502030303020204" pitchFamily="34" charset="0"/>
+              </a:rPr>
+              <a:t>The y column must be numeric and represents the measurement we wish to forecast.</a:t>
+            </a:r>
+          </a:p>
+          <a:p>
+            <a:pPr marL="285750" indent="-285750" fontAlgn="base">
+              <a:lnSpc>
+                <a:spcPct val="90000"/>
+              </a:lnSpc>
+              <a:buFont typeface="Wingdings" pitchFamily="2" charset="2"/>
+              <a:buChar char="Ø"/>
+            </a:pPr>
+            <a:r>
+              <a:rPr lang="en-US" sz="1700" dirty="0">
+                <a:solidFill>
+                  <a:schemeClr val="tx1"/>
+                </a:solidFill>
+                <a:latin typeface="Candara" panose="020E0502030303020204" pitchFamily="34" charset="0"/>
+              </a:rPr>
+              <a:t>Prophet is a procedure for forecasting time series data based on an additive model where non-linear trends are fit with yearly, weekly, and daily seasonality, plus holiday effects. </a:t>
+            </a:r>
+          </a:p>
+          <a:p>
+            <a:pPr marL="285750" indent="-285750" fontAlgn="base">
+              <a:lnSpc>
+                <a:spcPct val="90000"/>
+              </a:lnSpc>
+              <a:buFont typeface="Wingdings" pitchFamily="2" charset="2"/>
+              <a:buChar char="Ø"/>
+            </a:pPr>
+            <a:r>
+              <a:rPr lang="en-US" sz="1700" dirty="0">
+                <a:solidFill>
+                  <a:schemeClr val="tx1"/>
+                </a:solidFill>
+                <a:latin typeface="Candara" panose="020E0502030303020204" pitchFamily="34" charset="0"/>
+              </a:rPr>
+              <a:t>It works best with time series that have strong seasonal effects and several seasons of historical data. </a:t>
+            </a:r>
+          </a:p>
+          <a:p>
+            <a:pPr marL="285750" indent="-285750" fontAlgn="base">
+              <a:lnSpc>
+                <a:spcPct val="90000"/>
+              </a:lnSpc>
+              <a:buFont typeface="Wingdings" pitchFamily="2" charset="2"/>
+              <a:buChar char="Ø"/>
+            </a:pPr>
+            <a:r>
+              <a:rPr lang="en-US" sz="1700" dirty="0">
+                <a:solidFill>
+                  <a:schemeClr val="tx1"/>
+                </a:solidFill>
+                <a:latin typeface="Candara" panose="020E0502030303020204" pitchFamily="34" charset="0"/>
+              </a:rPr>
+              <a:t>Prophet is robust to missing data and shifts in the trend, and typically handles outliers well.</a:t>
+            </a:r>
+          </a:p>
+          <a:p>
+            <a:pPr>
+              <a:lnSpc>
+                <a:spcPct val="90000"/>
+              </a:lnSpc>
+              <a:buFont typeface="Wingdings 3" charset="2"/>
+              <a:buChar char=""/>
+            </a:pPr>
+            <a:endParaRPr lang="en-US" sz="1700" dirty="0">
+              <a:solidFill>
+                <a:schemeClr val="tx1"/>
+              </a:solidFill>
+            </a:endParaRPr>
+          </a:p>
+        </p:txBody>
+      </p:sp>
+    </p:spTree>
+    <p:extLst>
+      <p:ext uri="{BB962C8B-B14F-4D97-AF65-F5344CB8AC3E}">
+        <p14:creationId xmlns:p14="http://schemas.microsoft.com/office/powerpoint/2010/main" val="1652065660"/>
+      </p:ext>
+    </p:extLst>
+  </p:cSld>
+  <p:clrMapOvr>
+    <a:overrideClrMapping bg1="dk1" tx1="lt1" bg2="dk2" tx2="lt2" accent1="accent1" accent2="accent2" accent3="accent3" accent4="accent4" accent5="accent5" accent6="accent6" hlink="hlink" folHlink="folHlink"/>
+  </p:clrMapOvr>
+</p:sld>
+</file>
+
 <file path=ppt/slides/slide2.xml><?xml version="1.0" encoding="utf-8"?>
 <p:sld xmlns:a="http://schemas.openxmlformats.org/drawingml/2006/main" xmlns:r="http://schemas.openxmlformats.org/officeDocument/2006/relationships" xmlns:p="http://schemas.openxmlformats.org/presentationml/2006/main">
   <p:cSld>
@@ -27878,7 +29809,7 @@
             <a:r>
               <a:rPr lang="en-GB" sz="2400" dirty="0">
                 <a:latin typeface="Candara" panose="020E0502030303020204" pitchFamily="34" charset="0"/>
-                <a:hlinkClick r:id="rId2"/>
+                <a:hlinkClick r:id="rId3"/>
               </a:rPr>
               <a:t>https://github.com/CSSEGISandData/COVID-19/tree/master/csse_covid_19_data/csse_covid_19_time_series</a:t>
             </a:r>
@@ -28016,13 +29947,13 @@
           <p:nvPr/>
         </p:nvPicPr>
         <p:blipFill>
-          <a:blip r:embed="rId3">
+          <a:blip r:embed="rId4">
             <a:extLst>
               <a:ext uri="{28A0092B-C50C-407E-A947-70E740481C1C}">
                 <a14:useLocalDpi xmlns:a14="http://schemas.microsoft.com/office/drawing/2010/main" val="0"/>
               </a:ext>
               <a:ext uri="{96DAC541-7B7A-43D3-8B79-37D633B846F1}">
-                <asvg:svgBlip xmlns:asvg="http://schemas.microsoft.com/office/drawing/2016/SVG/main" r:embed="rId4"/>
+                <asvg:svgBlip xmlns:asvg="http://schemas.microsoft.com/office/drawing/2016/SVG/main" r:embed="rId5"/>
               </a:ext>
             </a:extLst>
           </a:blip>
@@ -29082,7 +31013,7 @@
         </p:nvSpPr>
         <p:spPr>
           <a:xfrm>
-            <a:off x="0" y="2309092"/>
+            <a:off x="-60457" y="2316649"/>
             <a:ext cx="12090400" cy="1477328"/>
           </a:xfrm>
           <a:prstGeom prst="rect">
@@ -29835,4 +31766,299 @@
     </a:ext>
   </a:extLst>
 </a:theme>
+</file>
+
+<file path=ppt/theme/theme2.xml><?xml version="1.0" encoding="utf-8"?>
+<a:theme xmlns:a="http://schemas.openxmlformats.org/drawingml/2006/main" name="Office Theme">
+  <a:themeElements>
+    <a:clrScheme name="Office">
+      <a:dk1>
+        <a:sysClr val="windowText" lastClr="000000"/>
+      </a:dk1>
+      <a:lt1>
+        <a:sysClr val="window" lastClr="FFFFFF"/>
+      </a:lt1>
+      <a:dk2>
+        <a:srgbClr val="44546A"/>
+      </a:dk2>
+      <a:lt2>
+        <a:srgbClr val="E7E6E6"/>
+      </a:lt2>
+      <a:accent1>
+        <a:srgbClr val="4472C4"/>
+      </a:accent1>
+      <a:accent2>
+        <a:srgbClr val="ED7D31"/>
+      </a:accent2>
+      <a:accent3>
+        <a:srgbClr val="A5A5A5"/>
+      </a:accent3>
+      <a:accent4>
+        <a:srgbClr val="FFC000"/>
+      </a:accent4>
+      <a:accent5>
+        <a:srgbClr val="5B9BD5"/>
+      </a:accent5>
+      <a:accent6>
+        <a:srgbClr val="70AD47"/>
+      </a:accent6>
+      <a:hlink>
+        <a:srgbClr val="0563C1"/>
+      </a:hlink>
+      <a:folHlink>
+        <a:srgbClr val="954F72"/>
+      </a:folHlink>
+    </a:clrScheme>
+    <a:fontScheme name="Office">
+      <a:majorFont>
+        <a:latin typeface="Calibri Light" panose="020F0302020204030204"/>
+        <a:ea typeface=""/>
+        <a:cs typeface=""/>
+        <a:font script="Jpan" typeface="游ゴシック Light"/>
+        <a:font script="Hang" typeface="맑은 고딕"/>
+        <a:font script="Hans" typeface="等线 Light"/>
+        <a:font script="Hant" typeface="新細明體"/>
+        <a:font script="Arab" typeface="Times New Roman"/>
+        <a:font script="Hebr" typeface="Times New Roman"/>
+        <a:font script="Thai" typeface="Angsana New"/>
+        <a:font script="Ethi" typeface="Nyala"/>
+        <a:font script="Beng" typeface="Vrinda"/>
+        <a:font script="Gujr" typeface="Shruti"/>
+        <a:font script="Khmr" typeface="MoolBoran"/>
+        <a:font script="Knda" typeface="Tunga"/>
+        <a:font script="Guru" typeface="Raavi"/>
+        <a:font script="Cans" typeface="Euphemia"/>
+        <a:font script="Cher" typeface="Plantagenet Cherokee"/>
+        <a:font script="Yiii" typeface="Microsoft Yi Baiti"/>
+        <a:font script="Tibt" typeface="Microsoft Himalaya"/>
+        <a:font script="Thaa" typeface="MV Boli"/>
+        <a:font script="Deva" typeface="Mangal"/>
+        <a:font script="Telu" typeface="Gautami"/>
+        <a:font script="Taml" typeface="Latha"/>
+        <a:font script="Syrc" typeface="Estrangelo Edessa"/>
+        <a:font script="Orya" typeface="Kalinga"/>
+        <a:font script="Mlym" typeface="Kartika"/>
+        <a:font script="Laoo" typeface="DokChampa"/>
+        <a:font script="Sinh" typeface="Iskoola Pota"/>
+        <a:font script="Mong" typeface="Mongolian Baiti"/>
+        <a:font script="Viet" typeface="Times New Roman"/>
+        <a:font script="Uigh" typeface="Microsoft Uighur"/>
+        <a:font script="Geor" typeface="Sylfaen"/>
+        <a:font script="Armn" typeface="Arial"/>
+        <a:font script="Bugi" typeface="Leelawadee UI"/>
+        <a:font script="Bopo" typeface="Microsoft JhengHei"/>
+        <a:font script="Java" typeface="Javanese Text"/>
+        <a:font script="Lisu" typeface="Segoe UI"/>
+        <a:font script="Mymr" typeface="Myanmar Text"/>
+        <a:font script="Nkoo" typeface="Ebrima"/>
+        <a:font script="Olck" typeface="Nirmala UI"/>
+        <a:font script="Osma" typeface="Ebrima"/>
+        <a:font script="Phag" typeface="Phagspa"/>
+        <a:font script="Syrn" typeface="Estrangelo Edessa"/>
+        <a:font script="Syrj" typeface="Estrangelo Edessa"/>
+        <a:font script="Syre" typeface="Estrangelo Edessa"/>
+        <a:font script="Sora" typeface="Nirmala UI"/>
+        <a:font script="Tale" typeface="Microsoft Tai Le"/>
+        <a:font script="Talu" typeface="Microsoft New Tai Lue"/>
+        <a:font script="Tfng" typeface="Ebrima"/>
+      </a:majorFont>
+      <a:minorFont>
+        <a:latin typeface="Calibri" panose="020F0502020204030204"/>
+        <a:ea typeface=""/>
+        <a:cs typeface=""/>
+        <a:font script="Jpan" typeface="游ゴシック"/>
+        <a:font script="Hang" typeface="맑은 고딕"/>
+        <a:font script="Hans" typeface="等线"/>
+        <a:font script="Hant" typeface="新細明體"/>
+        <a:font script="Arab" typeface="Arial"/>
+        <a:font script="Hebr" typeface="Arial"/>
+        <a:font script="Thai" typeface="Cordia New"/>
+        <a:font script="Ethi" typeface="Nyala"/>
+        <a:font script="Beng" typeface="Vrinda"/>
+        <a:font script="Gujr" typeface="Shruti"/>
+        <a:font script="Khmr" typeface="DaunPenh"/>
+        <a:font script="Knda" typeface="Tunga"/>
+        <a:font script="Guru" typeface="Raavi"/>
+        <a:font script="Cans" typeface="Euphemia"/>
+        <a:font script="Cher" typeface="Plantagenet Cherokee"/>
+        <a:font script="Yiii" typeface="Microsoft Yi Baiti"/>
+        <a:font script="Tibt" typeface="Microsoft Himalaya"/>
+        <a:font script="Thaa" typeface="MV Boli"/>
+        <a:font script="Deva" typeface="Mangal"/>
+        <a:font script="Telu" typeface="Gautami"/>
+        <a:font script="Taml" typeface="Latha"/>
+        <a:font script="Syrc" typeface="Estrangelo Edessa"/>
+        <a:font script="Orya" typeface="Kalinga"/>
+        <a:font script="Mlym" typeface="Kartika"/>
+        <a:font script="Laoo" typeface="DokChampa"/>
+        <a:font script="Sinh" typeface="Iskoola Pota"/>
+        <a:font script="Mong" typeface="Mongolian Baiti"/>
+        <a:font script="Viet" typeface="Arial"/>
+        <a:font script="Uigh" typeface="Microsoft Uighur"/>
+        <a:font script="Geor" typeface="Sylfaen"/>
+        <a:font script="Armn" typeface="Arial"/>
+        <a:font script="Bugi" typeface="Leelawadee UI"/>
+        <a:font script="Bopo" typeface="Microsoft JhengHei"/>
+        <a:font script="Java" typeface="Javanese Text"/>
+        <a:font script="Lisu" typeface="Segoe UI"/>
+        <a:font script="Mymr" typeface="Myanmar Text"/>
+        <a:font script="Nkoo" typeface="Ebrima"/>
+        <a:font script="Olck" typeface="Nirmala UI"/>
+        <a:font script="Osma" typeface="Ebrima"/>
+        <a:font script="Phag" typeface="Phagspa"/>
+        <a:font script="Syrn" typeface="Estrangelo Edessa"/>
+        <a:font script="Syrj" typeface="Estrangelo Edessa"/>
+        <a:font script="Syre" typeface="Estrangelo Edessa"/>
+        <a:font script="Sora" typeface="Nirmala UI"/>
+        <a:font script="Tale" typeface="Microsoft Tai Le"/>
+        <a:font script="Talu" typeface="Microsoft New Tai Lue"/>
+        <a:font script="Tfng" typeface="Ebrima"/>
+      </a:minorFont>
+    </a:fontScheme>
+    <a:fmtScheme name="Office">
+      <a:fillStyleLst>
+        <a:solidFill>
+          <a:schemeClr val="phClr"/>
+        </a:solidFill>
+        <a:gradFill rotWithShape="1">
+          <a:gsLst>
+            <a:gs pos="0">
+              <a:schemeClr val="phClr">
+                <a:lumMod val="110000"/>
+                <a:satMod val="105000"/>
+                <a:tint val="67000"/>
+              </a:schemeClr>
+            </a:gs>
+            <a:gs pos="50000">
+              <a:schemeClr val="phClr">
+                <a:lumMod val="105000"/>
+                <a:satMod val="103000"/>
+                <a:tint val="73000"/>
+              </a:schemeClr>
+            </a:gs>
+            <a:gs pos="100000">
+              <a:schemeClr val="phClr">
+                <a:lumMod val="105000"/>
+                <a:satMod val="109000"/>
+                <a:tint val="81000"/>
+              </a:schemeClr>
+            </a:gs>
+          </a:gsLst>
+          <a:lin ang="5400000" scaled="0"/>
+        </a:gradFill>
+        <a:gradFill rotWithShape="1">
+          <a:gsLst>
+            <a:gs pos="0">
+              <a:schemeClr val="phClr">
+                <a:satMod val="103000"/>
+                <a:lumMod val="102000"/>
+                <a:tint val="94000"/>
+              </a:schemeClr>
+            </a:gs>
+            <a:gs pos="50000">
+              <a:schemeClr val="phClr">
+                <a:satMod val="110000"/>
+                <a:lumMod val="100000"/>
+                <a:shade val="100000"/>
+              </a:schemeClr>
+            </a:gs>
+            <a:gs pos="100000">
+              <a:schemeClr val="phClr">
+                <a:lumMod val="99000"/>
+                <a:satMod val="120000"/>
+                <a:shade val="78000"/>
+              </a:schemeClr>
+            </a:gs>
+          </a:gsLst>
+          <a:lin ang="5400000" scaled="0"/>
+        </a:gradFill>
+      </a:fillStyleLst>
+      <a:lnStyleLst>
+        <a:ln w="6350" cap="flat" cmpd="sng" algn="ctr">
+          <a:solidFill>
+            <a:schemeClr val="phClr"/>
+          </a:solidFill>
+          <a:prstDash val="solid"/>
+          <a:miter lim="800000"/>
+        </a:ln>
+        <a:ln w="12700" cap="flat" cmpd="sng" algn="ctr">
+          <a:solidFill>
+            <a:schemeClr val="phClr"/>
+          </a:solidFill>
+          <a:prstDash val="solid"/>
+          <a:miter lim="800000"/>
+        </a:ln>
+        <a:ln w="19050" cap="flat" cmpd="sng" algn="ctr">
+          <a:solidFill>
+            <a:schemeClr val="phClr"/>
+          </a:solidFill>
+          <a:prstDash val="solid"/>
+          <a:miter lim="800000"/>
+        </a:ln>
+      </a:lnStyleLst>
+      <a:effectStyleLst>
+        <a:effectStyle>
+          <a:effectLst/>
+        </a:effectStyle>
+        <a:effectStyle>
+          <a:effectLst/>
+        </a:effectStyle>
+        <a:effectStyle>
+          <a:effectLst>
+            <a:outerShdw blurRad="57150" dist="19050" dir="5400000" algn="ctr" rotWithShape="0">
+              <a:srgbClr val="000000">
+                <a:alpha val="63000"/>
+              </a:srgbClr>
+            </a:outerShdw>
+          </a:effectLst>
+        </a:effectStyle>
+      </a:effectStyleLst>
+      <a:bgFillStyleLst>
+        <a:solidFill>
+          <a:schemeClr val="phClr"/>
+        </a:solidFill>
+        <a:solidFill>
+          <a:schemeClr val="phClr">
+            <a:tint val="95000"/>
+            <a:satMod val="170000"/>
+          </a:schemeClr>
+        </a:solidFill>
+        <a:gradFill rotWithShape="1">
+          <a:gsLst>
+            <a:gs pos="0">
+              <a:schemeClr val="phClr">
+                <a:tint val="93000"/>
+                <a:satMod val="150000"/>
+                <a:shade val="98000"/>
+                <a:lumMod val="102000"/>
+              </a:schemeClr>
+            </a:gs>
+            <a:gs pos="50000">
+              <a:schemeClr val="phClr">
+                <a:tint val="98000"/>
+                <a:satMod val="130000"/>
+                <a:shade val="90000"/>
+                <a:lumMod val="103000"/>
+              </a:schemeClr>
+            </a:gs>
+            <a:gs pos="100000">
+              <a:schemeClr val="phClr">
+                <a:shade val="63000"/>
+                <a:satMod val="120000"/>
+              </a:schemeClr>
+            </a:gs>
+          </a:gsLst>
+          <a:lin ang="5400000" scaled="0"/>
+        </a:gradFill>
+      </a:bgFillStyleLst>
+    </a:fmtScheme>
+  </a:themeElements>
+  <a:objectDefaults/>
+  <a:extraClrSchemeLst/>
+  <a:extLst>
+    <a:ext uri="{05A4C25C-085E-4340-85A3-A5531E510DB2}">
+      <thm15:themeFamily xmlns:thm15="http://schemas.microsoft.com/office/thememl/2012/main" name="Office Theme" id="{62F939B6-93AF-4DB8-9C6B-D6C7DFDC589F}" vid="{4A3C46E8-61CC-4603-A589-7422A47A8E4A}"/>
+    </a:ext>
+  </a:extLst>
+</a:theme>
 </file>
--- a/Covid_19_Predictions.pptx
+++ b/Covid_19_Predictions.pptx
@@ -5,7 +5,7 @@
     <p:sldMasterId id="2147483678" r:id="rId1"/>
   </p:sldMasterIdLst>
   <p:notesMasterIdLst>
-    <p:notesMasterId r:id="rId20"/>
+    <p:notesMasterId r:id="rId23"/>
   </p:notesMasterIdLst>
   <p:sldIdLst>
     <p:sldId id="256" r:id="rId2"/>
@@ -25,7 +25,10 @@
     <p:sldId id="269" r:id="rId16"/>
     <p:sldId id="271" r:id="rId17"/>
     <p:sldId id="272" r:id="rId18"/>
-    <p:sldId id="273" r:id="rId19"/>
+    <p:sldId id="274" r:id="rId19"/>
+    <p:sldId id="276" r:id="rId20"/>
+    <p:sldId id="273" r:id="rId21"/>
+    <p:sldId id="277" r:id="rId22"/>
   </p:sldIdLst>
   <p:sldSz cx="12192000" cy="6858000"/>
   <p:notesSz cx="6858000" cy="9144000"/>
@@ -27274,6 +27277,3868 @@
   <p:cSld>
     <p:bg>
       <p:bgPr>
+        <a:solidFill>
+          <a:schemeClr val="bg1"/>
+        </a:solidFill>
+        <a:effectLst/>
+      </p:bgPr>
+    </p:bg>
+    <p:spTree>
+      <p:nvGrpSpPr>
+        <p:cNvPr id="1" name=""/>
+        <p:cNvGrpSpPr/>
+        <p:nvPr/>
+      </p:nvGrpSpPr>
+      <p:grpSpPr>
+        <a:xfrm>
+          <a:off x="0" y="0"/>
+          <a:ext cx="0" cy="0"/>
+          <a:chOff x="0" y="0"/>
+          <a:chExt cx="0" cy="0"/>
+        </a:xfrm>
+      </p:grpSpPr>
+      <p:grpSp>
+        <p:nvGrpSpPr>
+          <p:cNvPr id="34" name="Group 33">
+            <a:extLst>
+              <a:ext uri="{FF2B5EF4-FFF2-40B4-BE49-F238E27FC236}">
+                <a16:creationId xmlns:a16="http://schemas.microsoft.com/office/drawing/2014/main" id="{FAEF28A3-012D-4640-B8B8-1EF6EAF7233B}"/>
+              </a:ext>
+              <a:ext uri="{C183D7F6-B498-43B3-948B-1728B52AA6E4}">
+                <adec:decorative xmlns:adec="http://schemas.microsoft.com/office/drawing/2017/decorative" val="1"/>
+              </a:ext>
+            </a:extLst>
+          </p:cNvPr>
+          <p:cNvGrpSpPr>
+            <a:grpSpLocks noGrp="1" noUngrp="1" noRot="1" noChangeAspect="1" noMove="1" noResize="1"/>
+          </p:cNvGrpSpPr>
+          <p:nvPr>
+            <p:extLst>
+              <p:ext uri="{386F3935-93C4-4BCD-93E2-E3B085C9AB24}">
+                <p16:designElem xmlns:p16="http://schemas.microsoft.com/office/powerpoint/2015/main" val="1"/>
+              </p:ext>
+            </p:extLst>
+          </p:nvPr>
+        </p:nvGrpSpPr>
+        <p:grpSpPr>
+          <a:xfrm>
+            <a:off x="0" y="0"/>
+            <a:ext cx="12192000" cy="6858000"/>
+            <a:chOff x="0" y="0"/>
+            <a:chExt cx="12192000" cy="6858000"/>
+          </a:xfrm>
+        </p:grpSpPr>
+        <p:sp>
+          <p:nvSpPr>
+            <p:cNvPr id="35" name="Rectangle 34">
+              <a:extLst>
+                <a:ext uri="{FF2B5EF4-FFF2-40B4-BE49-F238E27FC236}">
+                  <a16:creationId xmlns:a16="http://schemas.microsoft.com/office/drawing/2014/main" id="{F3B2F1C2-14D3-4A53-B329-323795BCFD5A}"/>
+                </a:ext>
+                <a:ext uri="{C183D7F6-B498-43B3-948B-1728B52AA6E4}">
+                  <adec:decorative xmlns:adec="http://schemas.microsoft.com/office/drawing/2017/decorative" val="1"/>
+                </a:ext>
+              </a:extLst>
+            </p:cNvPr>
+            <p:cNvSpPr/>
+            <p:nvPr>
+              <p:extLst>
+                <p:ext uri="{386F3935-93C4-4BCD-93E2-E3B085C9AB24}">
+                  <p16:designElem xmlns:p16="http://schemas.microsoft.com/office/powerpoint/2015/main" val="1"/>
+                </p:ext>
+              </p:extLst>
+            </p:nvPr>
+          </p:nvSpPr>
+          <p:spPr>
+            <a:xfrm>
+              <a:off x="0" y="0"/>
+              <a:ext cx="12192000" cy="6858000"/>
+            </a:xfrm>
+            <a:prstGeom prst="rect">
+              <a:avLst/>
+            </a:prstGeom>
+            <a:blipFill>
+              <a:blip r:embed="rId2">
+                <a:duotone>
+                  <a:schemeClr val="dk2">
+                    <a:shade val="69000"/>
+                    <a:hueMod val="91000"/>
+                    <a:satMod val="164000"/>
+                    <a:lumMod val="74000"/>
+                  </a:schemeClr>
+                  <a:schemeClr val="dk2">
+                    <a:hueMod val="124000"/>
+                    <a:satMod val="140000"/>
+                    <a:lumMod val="142000"/>
+                  </a:schemeClr>
+                </a:duotone>
+              </a:blip>
+              <a:stretch>
+                <a:fillRect/>
+              </a:stretch>
+            </a:blipFill>
+            <a:ln>
+              <a:noFill/>
+            </a:ln>
+          </p:spPr>
+          <p:style>
+            <a:lnRef idx="2">
+              <a:schemeClr val="accent1">
+                <a:shade val="50000"/>
+              </a:schemeClr>
+            </a:lnRef>
+            <a:fillRef idx="1">
+              <a:schemeClr val="accent1"/>
+            </a:fillRef>
+            <a:effectRef idx="0">
+              <a:schemeClr val="accent1"/>
+            </a:effectRef>
+            <a:fontRef idx="minor">
+              <a:schemeClr val="lt1"/>
+            </a:fontRef>
+          </p:style>
+        </p:sp>
+        <p:sp>
+          <p:nvSpPr>
+            <p:cNvPr id="36" name="Oval 35">
+              <a:extLst>
+                <a:ext uri="{FF2B5EF4-FFF2-40B4-BE49-F238E27FC236}">
+                  <a16:creationId xmlns:a16="http://schemas.microsoft.com/office/drawing/2014/main" id="{194E879E-1515-4211-8F1B-B68A92B2C20E}"/>
+                </a:ext>
+                <a:ext uri="{C183D7F6-B498-43B3-948B-1728B52AA6E4}">
+                  <adec:decorative xmlns:adec="http://schemas.microsoft.com/office/drawing/2017/decorative" val="1"/>
+                </a:ext>
+              </a:extLst>
+            </p:cNvPr>
+            <p:cNvSpPr/>
+            <p:nvPr>
+              <p:extLst>
+                <p:ext uri="{386F3935-93C4-4BCD-93E2-E3B085C9AB24}">
+                  <p16:designElem xmlns:p16="http://schemas.microsoft.com/office/powerpoint/2015/main" val="1"/>
+                </p:ext>
+              </p:extLst>
+            </p:nvPr>
+          </p:nvSpPr>
+          <p:spPr>
+            <a:xfrm>
+              <a:off x="0" y="2667000"/>
+              <a:ext cx="4191000" cy="4191000"/>
+            </a:xfrm>
+            <a:prstGeom prst="ellipse">
+              <a:avLst/>
+            </a:prstGeom>
+            <a:gradFill flip="none" rotWithShape="1">
+              <a:gsLst>
+                <a:gs pos="0">
+                  <a:schemeClr val="accent5">
+                    <a:alpha val="11000"/>
+                  </a:schemeClr>
+                </a:gs>
+                <a:gs pos="75000">
+                  <a:schemeClr val="accent5">
+                    <a:alpha val="0"/>
+                  </a:schemeClr>
+                </a:gs>
+                <a:gs pos="36000">
+                  <a:schemeClr val="accent5">
+                    <a:alpha val="10000"/>
+                  </a:schemeClr>
+                </a:gs>
+              </a:gsLst>
+              <a:path path="circle">
+                <a:fillToRect l="50000" t="50000" r="50000" b="50000"/>
+              </a:path>
+              <a:tileRect/>
+            </a:gradFill>
+            <a:ln>
+              <a:noFill/>
+            </a:ln>
+            <a:effectLst/>
+          </p:spPr>
+          <p:style>
+            <a:lnRef idx="1">
+              <a:schemeClr val="accent1"/>
+            </a:lnRef>
+            <a:fillRef idx="3">
+              <a:schemeClr val="accent1"/>
+            </a:fillRef>
+            <a:effectRef idx="2">
+              <a:schemeClr val="accent1"/>
+            </a:effectRef>
+            <a:fontRef idx="minor">
+              <a:schemeClr val="lt1"/>
+            </a:fontRef>
+          </p:style>
+        </p:sp>
+        <p:sp>
+          <p:nvSpPr>
+            <p:cNvPr id="37" name="Oval 36">
+              <a:extLst>
+                <a:ext uri="{FF2B5EF4-FFF2-40B4-BE49-F238E27FC236}">
+                  <a16:creationId xmlns:a16="http://schemas.microsoft.com/office/drawing/2014/main" id="{F7137E7D-1F4E-498A-97D1-0E1FE6FC6F9F}"/>
+                </a:ext>
+                <a:ext uri="{C183D7F6-B498-43B3-948B-1728B52AA6E4}">
+                  <adec:decorative xmlns:adec="http://schemas.microsoft.com/office/drawing/2017/decorative" val="1"/>
+                </a:ext>
+              </a:extLst>
+            </p:cNvPr>
+            <p:cNvSpPr/>
+            <p:nvPr>
+              <p:extLst>
+                <p:ext uri="{386F3935-93C4-4BCD-93E2-E3B085C9AB24}">
+                  <p16:designElem xmlns:p16="http://schemas.microsoft.com/office/powerpoint/2015/main" val="1"/>
+                </p:ext>
+              </p:extLst>
+            </p:nvPr>
+          </p:nvSpPr>
+          <p:spPr>
+            <a:xfrm>
+              <a:off x="0" y="2895600"/>
+              <a:ext cx="2362200" cy="2362200"/>
+            </a:xfrm>
+            <a:prstGeom prst="ellipse">
+              <a:avLst/>
+            </a:prstGeom>
+            <a:gradFill flip="none" rotWithShape="1">
+              <a:gsLst>
+                <a:gs pos="0">
+                  <a:schemeClr val="accent5">
+                    <a:alpha val="8000"/>
+                  </a:schemeClr>
+                </a:gs>
+                <a:gs pos="72000">
+                  <a:schemeClr val="accent5">
+                    <a:alpha val="0"/>
+                  </a:schemeClr>
+                </a:gs>
+                <a:gs pos="36000">
+                  <a:schemeClr val="accent5">
+                    <a:alpha val="8000"/>
+                  </a:schemeClr>
+                </a:gs>
+              </a:gsLst>
+              <a:path path="circle">
+                <a:fillToRect l="50000" t="50000" r="50000" b="50000"/>
+              </a:path>
+              <a:tileRect/>
+            </a:gradFill>
+            <a:ln>
+              <a:noFill/>
+            </a:ln>
+            <a:effectLst/>
+          </p:spPr>
+          <p:style>
+            <a:lnRef idx="1">
+              <a:schemeClr val="accent1"/>
+            </a:lnRef>
+            <a:fillRef idx="3">
+              <a:schemeClr val="accent1"/>
+            </a:fillRef>
+            <a:effectRef idx="2">
+              <a:schemeClr val="accent1"/>
+            </a:effectRef>
+            <a:fontRef idx="minor">
+              <a:schemeClr val="lt1"/>
+            </a:fontRef>
+          </p:style>
+        </p:sp>
+        <p:sp>
+          <p:nvSpPr>
+            <p:cNvPr id="38" name="Oval 37">
+              <a:extLst>
+                <a:ext uri="{FF2B5EF4-FFF2-40B4-BE49-F238E27FC236}">
+                  <a16:creationId xmlns:a16="http://schemas.microsoft.com/office/drawing/2014/main" id="{91375183-B6E5-43E0-B28F-39EC9083853F}"/>
+                </a:ext>
+                <a:ext uri="{C183D7F6-B498-43B3-948B-1728B52AA6E4}">
+                  <adec:decorative xmlns:adec="http://schemas.microsoft.com/office/drawing/2017/decorative" val="1"/>
+                </a:ext>
+              </a:extLst>
+            </p:cNvPr>
+            <p:cNvSpPr/>
+            <p:nvPr>
+              <p:extLst>
+                <p:ext uri="{386F3935-93C4-4BCD-93E2-E3B085C9AB24}">
+                  <p16:designElem xmlns:p16="http://schemas.microsoft.com/office/powerpoint/2015/main" val="1"/>
+                </p:ext>
+              </p:extLst>
+            </p:nvPr>
+          </p:nvSpPr>
+          <p:spPr>
+            <a:xfrm>
+              <a:off x="8609012" y="5867400"/>
+              <a:ext cx="990600" cy="990600"/>
+            </a:xfrm>
+            <a:prstGeom prst="ellipse">
+              <a:avLst/>
+            </a:prstGeom>
+            <a:gradFill flip="none" rotWithShape="1">
+              <a:gsLst>
+                <a:gs pos="0">
+                  <a:schemeClr val="accent5">
+                    <a:alpha val="14000"/>
+                  </a:schemeClr>
+                </a:gs>
+                <a:gs pos="66000">
+                  <a:schemeClr val="accent5">
+                    <a:alpha val="0"/>
+                  </a:schemeClr>
+                </a:gs>
+                <a:gs pos="36000">
+                  <a:schemeClr val="accent5">
+                    <a:alpha val="7000"/>
+                  </a:schemeClr>
+                </a:gs>
+              </a:gsLst>
+              <a:path path="circle">
+                <a:fillToRect l="50000" t="50000" r="50000" b="50000"/>
+              </a:path>
+              <a:tileRect/>
+            </a:gradFill>
+            <a:ln>
+              <a:noFill/>
+            </a:ln>
+            <a:effectLst/>
+          </p:spPr>
+          <p:style>
+            <a:lnRef idx="1">
+              <a:schemeClr val="accent1"/>
+            </a:lnRef>
+            <a:fillRef idx="3">
+              <a:schemeClr val="accent1"/>
+            </a:fillRef>
+            <a:effectRef idx="2">
+              <a:schemeClr val="accent1"/>
+            </a:effectRef>
+            <a:fontRef idx="minor">
+              <a:schemeClr val="lt1"/>
+            </a:fontRef>
+          </p:style>
+        </p:sp>
+        <p:sp>
+          <p:nvSpPr>
+            <p:cNvPr id="39" name="Oval 38">
+              <a:extLst>
+                <a:ext uri="{FF2B5EF4-FFF2-40B4-BE49-F238E27FC236}">
+                  <a16:creationId xmlns:a16="http://schemas.microsoft.com/office/drawing/2014/main" id="{267F36BD-A8AF-4304-A662-1007CC1748D8}"/>
+                </a:ext>
+                <a:ext uri="{C183D7F6-B498-43B3-948B-1728B52AA6E4}">
+                  <adec:decorative xmlns:adec="http://schemas.microsoft.com/office/drawing/2017/decorative" val="1"/>
+                </a:ext>
+              </a:extLst>
+            </p:cNvPr>
+            <p:cNvSpPr/>
+            <p:nvPr>
+              <p:extLst>
+                <p:ext uri="{386F3935-93C4-4BCD-93E2-E3B085C9AB24}">
+                  <p16:designElem xmlns:p16="http://schemas.microsoft.com/office/powerpoint/2015/main" val="1"/>
+                </p:ext>
+              </p:extLst>
+            </p:nvPr>
+          </p:nvSpPr>
+          <p:spPr>
+            <a:xfrm>
+              <a:off x="8609012" y="1676400"/>
+              <a:ext cx="2819400" cy="2819400"/>
+            </a:xfrm>
+            <a:prstGeom prst="ellipse">
+              <a:avLst/>
+            </a:prstGeom>
+            <a:gradFill flip="none" rotWithShape="1">
+              <a:gsLst>
+                <a:gs pos="0">
+                  <a:schemeClr val="accent5">
+                    <a:alpha val="7000"/>
+                  </a:schemeClr>
+                </a:gs>
+                <a:gs pos="69000">
+                  <a:schemeClr val="accent5">
+                    <a:alpha val="0"/>
+                  </a:schemeClr>
+                </a:gs>
+                <a:gs pos="36000">
+                  <a:schemeClr val="accent5">
+                    <a:alpha val="6000"/>
+                  </a:schemeClr>
+                </a:gs>
+              </a:gsLst>
+              <a:path path="circle">
+                <a:fillToRect l="50000" t="50000" r="50000" b="50000"/>
+              </a:path>
+              <a:tileRect/>
+            </a:gradFill>
+            <a:ln>
+              <a:noFill/>
+            </a:ln>
+            <a:effectLst/>
+          </p:spPr>
+          <p:style>
+            <a:lnRef idx="1">
+              <a:schemeClr val="accent1"/>
+            </a:lnRef>
+            <a:fillRef idx="3">
+              <a:schemeClr val="accent1"/>
+            </a:fillRef>
+            <a:effectRef idx="2">
+              <a:schemeClr val="accent1"/>
+            </a:effectRef>
+            <a:fontRef idx="minor">
+              <a:schemeClr val="lt1"/>
+            </a:fontRef>
+          </p:style>
+        </p:sp>
+        <p:sp>
+          <p:nvSpPr>
+            <p:cNvPr id="40" name="Oval 39">
+              <a:extLst>
+                <a:ext uri="{FF2B5EF4-FFF2-40B4-BE49-F238E27FC236}">
+                  <a16:creationId xmlns:a16="http://schemas.microsoft.com/office/drawing/2014/main" id="{15D9095F-2809-4A90-A032-250AC21C3529}"/>
+                </a:ext>
+                <a:ext uri="{C183D7F6-B498-43B3-948B-1728B52AA6E4}">
+                  <adec:decorative xmlns:adec="http://schemas.microsoft.com/office/drawing/2017/decorative" val="1"/>
+                </a:ext>
+              </a:extLst>
+            </p:cNvPr>
+            <p:cNvSpPr/>
+            <p:nvPr>
+              <p:extLst>
+                <p:ext uri="{386F3935-93C4-4BCD-93E2-E3B085C9AB24}">
+                  <p16:designElem xmlns:p16="http://schemas.microsoft.com/office/powerpoint/2015/main" val="1"/>
+                </p:ext>
+              </p:extLst>
+            </p:nvPr>
+          </p:nvSpPr>
+          <p:spPr>
+            <a:xfrm>
+              <a:off x="7999412" y="8464"/>
+              <a:ext cx="1600200" cy="1600200"/>
+            </a:xfrm>
+            <a:prstGeom prst="ellipse">
+              <a:avLst/>
+            </a:prstGeom>
+            <a:gradFill flip="none" rotWithShape="1">
+              <a:gsLst>
+                <a:gs pos="0">
+                  <a:schemeClr val="accent5">
+                    <a:alpha val="14000"/>
+                  </a:schemeClr>
+                </a:gs>
+                <a:gs pos="73000">
+                  <a:schemeClr val="accent5">
+                    <a:alpha val="0"/>
+                  </a:schemeClr>
+                </a:gs>
+                <a:gs pos="36000">
+                  <a:schemeClr val="accent5">
+                    <a:alpha val="7000"/>
+                  </a:schemeClr>
+                </a:gs>
+              </a:gsLst>
+              <a:path path="circle">
+                <a:fillToRect l="50000" t="50000" r="50000" b="50000"/>
+              </a:path>
+              <a:tileRect/>
+            </a:gradFill>
+            <a:ln>
+              <a:noFill/>
+            </a:ln>
+            <a:effectLst/>
+          </p:spPr>
+          <p:style>
+            <a:lnRef idx="1">
+              <a:schemeClr val="accent1"/>
+            </a:lnRef>
+            <a:fillRef idx="3">
+              <a:schemeClr val="accent1"/>
+            </a:fillRef>
+            <a:effectRef idx="2">
+              <a:schemeClr val="accent1"/>
+            </a:effectRef>
+            <a:fontRef idx="minor">
+              <a:schemeClr val="lt1"/>
+            </a:fontRef>
+          </p:style>
+        </p:sp>
+        <p:sp>
+          <p:nvSpPr>
+            <p:cNvPr id="41" name="Freeform 5">
+              <a:extLst>
+                <a:ext uri="{FF2B5EF4-FFF2-40B4-BE49-F238E27FC236}">
+                  <a16:creationId xmlns:a16="http://schemas.microsoft.com/office/drawing/2014/main" id="{9027D7BF-C282-4477-A406-245C3F26521E}"/>
+                </a:ext>
+                <a:ext uri="{C183D7F6-B498-43B3-948B-1728B52AA6E4}">
+                  <adec:decorative xmlns:adec="http://schemas.microsoft.com/office/drawing/2017/decorative" val="1"/>
+                </a:ext>
+              </a:extLst>
+            </p:cNvPr>
+            <p:cNvSpPr/>
+            <p:nvPr>
+              <p:extLst>
+                <p:ext uri="{386F3935-93C4-4BCD-93E2-E3B085C9AB24}">
+                  <p16:designElem xmlns:p16="http://schemas.microsoft.com/office/powerpoint/2015/main" val="1"/>
+                </p:ext>
+              </p:extLst>
+            </p:nvPr>
+          </p:nvSpPr>
+          <p:spPr bwMode="gray">
+            <a:xfrm rot="21010068">
+              <a:off x="8490951" y="1797517"/>
+              <a:ext cx="3299407" cy="440924"/>
+            </a:xfrm>
+            <a:custGeom>
+              <a:avLst/>
+              <a:gdLst/>
+              <a:ahLst/>
+              <a:cxnLst/>
+              <a:rect l="l" t="t" r="r" b="b"/>
+              <a:pathLst>
+                <a:path w="10000" h="5291">
+                  <a:moveTo>
+                    <a:pt x="85" y="2532"/>
+                  </a:moveTo>
+                  <a:cubicBezTo>
+                    <a:pt x="1736" y="3911"/>
+                    <a:pt x="7524" y="5298"/>
+                    <a:pt x="9958" y="5291"/>
+                  </a:cubicBezTo>
+                  <a:cubicBezTo>
+                    <a:pt x="9989" y="1958"/>
+                    <a:pt x="9969" y="3333"/>
+                    <a:pt x="10000" y="0"/>
+                  </a:cubicBezTo>
+                  <a:lnTo>
+                    <a:pt x="10000" y="0"/>
+                  </a:lnTo>
+                  <a:lnTo>
+                    <a:pt x="9667" y="204"/>
+                  </a:lnTo>
+                  <a:lnTo>
+                    <a:pt x="9334" y="400"/>
+                  </a:lnTo>
+                  <a:lnTo>
+                    <a:pt x="9001" y="590"/>
+                  </a:lnTo>
+                  <a:lnTo>
+                    <a:pt x="8667" y="753"/>
+                  </a:lnTo>
+                  <a:lnTo>
+                    <a:pt x="8333" y="917"/>
+                  </a:lnTo>
+                  <a:lnTo>
+                    <a:pt x="7999" y="1071"/>
+                  </a:lnTo>
+                  <a:lnTo>
+                    <a:pt x="7669" y="1202"/>
+                  </a:lnTo>
+                  <a:lnTo>
+                    <a:pt x="7333" y="1325"/>
+                  </a:lnTo>
+                  <a:lnTo>
+                    <a:pt x="7000" y="1440"/>
+                  </a:lnTo>
+                  <a:lnTo>
+                    <a:pt x="6673" y="1538"/>
+                  </a:lnTo>
+                  <a:lnTo>
+                    <a:pt x="6340" y="1636"/>
+                  </a:lnTo>
+                  <a:lnTo>
+                    <a:pt x="6013" y="1719"/>
+                  </a:lnTo>
+                  <a:lnTo>
+                    <a:pt x="5686" y="1784"/>
+                  </a:lnTo>
+                  <a:lnTo>
+                    <a:pt x="5359" y="1850"/>
+                  </a:lnTo>
+                  <a:lnTo>
+                    <a:pt x="5036" y="1906"/>
+                  </a:lnTo>
+                  <a:lnTo>
+                    <a:pt x="4717" y="1948"/>
+                  </a:lnTo>
+                  <a:lnTo>
+                    <a:pt x="4396" y="1980"/>
+                  </a:lnTo>
+                  <a:lnTo>
+                    <a:pt x="4079" y="2013"/>
+                  </a:lnTo>
+                  <a:lnTo>
+                    <a:pt x="3766" y="2029"/>
+                  </a:lnTo>
+                  <a:lnTo>
+                    <a:pt x="3454" y="2046"/>
+                  </a:lnTo>
+                  <a:lnTo>
+                    <a:pt x="3145" y="2053"/>
+                  </a:lnTo>
+                  <a:lnTo>
+                    <a:pt x="2839" y="2046"/>
+                  </a:lnTo>
+                  <a:lnTo>
+                    <a:pt x="2537" y="2046"/>
+                  </a:lnTo>
+                  <a:lnTo>
+                    <a:pt x="2238" y="2029"/>
+                  </a:lnTo>
+                  <a:lnTo>
+                    <a:pt x="1943" y="2004"/>
+                  </a:lnTo>
+                  <a:lnTo>
+                    <a:pt x="1653" y="1980"/>
+                  </a:lnTo>
+                  <a:lnTo>
+                    <a:pt x="1368" y="1955"/>
+                  </a:lnTo>
+                  <a:lnTo>
+                    <a:pt x="1085" y="1915"/>
+                  </a:lnTo>
+                  <a:lnTo>
+                    <a:pt x="806" y="1873"/>
+                  </a:lnTo>
+                  <a:lnTo>
+                    <a:pt x="533" y="1833"/>
+                  </a:lnTo>
+                  <a:lnTo>
+                    <a:pt x="0" y="1726"/>
+                  </a:lnTo>
+                  <a:cubicBezTo>
+                    <a:pt x="28" y="1995"/>
+                    <a:pt x="57" y="2263"/>
+                    <a:pt x="85" y="2532"/>
+                  </a:cubicBezTo>
+                  <a:close/>
+                </a:path>
+              </a:pathLst>
+            </a:custGeom>
+            <a:solidFill>
+              <a:schemeClr val="bg1">
+                <a:alpha val="20000"/>
+              </a:schemeClr>
+            </a:solidFill>
+            <a:ln>
+              <a:noFill/>
+            </a:ln>
+          </p:spPr>
+        </p:sp>
+        <p:sp>
+          <p:nvSpPr>
+            <p:cNvPr id="42" name="Freeform 5">
+              <a:extLst>
+                <a:ext uri="{FF2B5EF4-FFF2-40B4-BE49-F238E27FC236}">
+                  <a16:creationId xmlns:a16="http://schemas.microsoft.com/office/drawing/2014/main" id="{AC3C43D8-426E-472E-A8E8-C41BF7A876B9}"/>
+                </a:ext>
+                <a:ext uri="{C183D7F6-B498-43B3-948B-1728B52AA6E4}">
+                  <adec:decorative xmlns:adec="http://schemas.microsoft.com/office/drawing/2017/decorative" val="1"/>
+                </a:ext>
+              </a:extLst>
+            </p:cNvPr>
+            <p:cNvSpPr/>
+            <p:nvPr>
+              <p:extLst>
+                <p:ext uri="{386F3935-93C4-4BCD-93E2-E3B085C9AB24}">
+                  <p16:designElem xmlns:p16="http://schemas.microsoft.com/office/powerpoint/2015/main" val="1"/>
+                </p:ext>
+              </p:extLst>
+            </p:nvPr>
+          </p:nvSpPr>
+          <p:spPr bwMode="gray">
+            <a:xfrm>
+              <a:off x="459506" y="1866405"/>
+              <a:ext cx="11277600" cy="4533900"/>
+            </a:xfrm>
+            <a:custGeom>
+              <a:avLst/>
+              <a:gdLst/>
+              <a:ahLst/>
+              <a:cxnLst/>
+              <a:rect l="0" t="0" r="r" b="b"/>
+              <a:pathLst>
+                <a:path w="7104" h="2856">
+                  <a:moveTo>
+                    <a:pt x="0" y="0"/>
+                  </a:moveTo>
+                  <a:lnTo>
+                    <a:pt x="0" y="2856"/>
+                  </a:lnTo>
+                  <a:lnTo>
+                    <a:pt x="7104" y="2856"/>
+                  </a:lnTo>
+                  <a:lnTo>
+                    <a:pt x="7104" y="1"/>
+                  </a:lnTo>
+                  <a:lnTo>
+                    <a:pt x="7104" y="1"/>
+                  </a:lnTo>
+                  <a:lnTo>
+                    <a:pt x="6943" y="26"/>
+                  </a:lnTo>
+                  <a:lnTo>
+                    <a:pt x="6782" y="50"/>
+                  </a:lnTo>
+                  <a:lnTo>
+                    <a:pt x="6621" y="73"/>
+                  </a:lnTo>
+                  <a:lnTo>
+                    <a:pt x="6459" y="93"/>
+                  </a:lnTo>
+                  <a:lnTo>
+                    <a:pt x="6298" y="113"/>
+                  </a:lnTo>
+                  <a:lnTo>
+                    <a:pt x="6136" y="132"/>
+                  </a:lnTo>
+                  <a:lnTo>
+                    <a:pt x="5976" y="148"/>
+                  </a:lnTo>
+                  <a:lnTo>
+                    <a:pt x="5814" y="163"/>
+                  </a:lnTo>
+                  <a:lnTo>
+                    <a:pt x="5653" y="177"/>
+                  </a:lnTo>
+                  <a:lnTo>
+                    <a:pt x="5494" y="189"/>
+                  </a:lnTo>
+                  <a:lnTo>
+                    <a:pt x="5334" y="201"/>
+                  </a:lnTo>
+                  <a:lnTo>
+                    <a:pt x="5175" y="211"/>
+                  </a:lnTo>
+                  <a:lnTo>
+                    <a:pt x="5017" y="219"/>
+                  </a:lnTo>
+                  <a:lnTo>
+                    <a:pt x="4859" y="227"/>
+                  </a:lnTo>
+                  <a:lnTo>
+                    <a:pt x="4703" y="234"/>
+                  </a:lnTo>
+                  <a:lnTo>
+                    <a:pt x="4548" y="239"/>
+                  </a:lnTo>
+                  <a:lnTo>
+                    <a:pt x="4393" y="243"/>
+                  </a:lnTo>
+                  <a:lnTo>
+                    <a:pt x="4240" y="247"/>
+                  </a:lnTo>
+                  <a:lnTo>
+                    <a:pt x="4088" y="249"/>
+                  </a:lnTo>
+                  <a:lnTo>
+                    <a:pt x="3937" y="251"/>
+                  </a:lnTo>
+                  <a:lnTo>
+                    <a:pt x="3788" y="252"/>
+                  </a:lnTo>
+                  <a:lnTo>
+                    <a:pt x="3640" y="251"/>
+                  </a:lnTo>
+                  <a:lnTo>
+                    <a:pt x="3494" y="251"/>
+                  </a:lnTo>
+                  <a:lnTo>
+                    <a:pt x="3349" y="249"/>
+                  </a:lnTo>
+                  <a:lnTo>
+                    <a:pt x="3207" y="246"/>
+                  </a:lnTo>
+                  <a:lnTo>
+                    <a:pt x="3066" y="243"/>
+                  </a:lnTo>
+                  <a:lnTo>
+                    <a:pt x="2928" y="240"/>
+                  </a:lnTo>
+                  <a:lnTo>
+                    <a:pt x="2791" y="235"/>
+                  </a:lnTo>
+                  <a:lnTo>
+                    <a:pt x="2656" y="230"/>
+                  </a:lnTo>
+                  <a:lnTo>
+                    <a:pt x="2524" y="225"/>
+                  </a:lnTo>
+                  <a:lnTo>
+                    <a:pt x="2266" y="212"/>
+                  </a:lnTo>
+                  <a:lnTo>
+                    <a:pt x="2019" y="198"/>
+                  </a:lnTo>
+                  <a:lnTo>
+                    <a:pt x="1782" y="183"/>
+                  </a:lnTo>
+                  <a:lnTo>
+                    <a:pt x="1557" y="167"/>
+                  </a:lnTo>
+                  <a:lnTo>
+                    <a:pt x="1343" y="150"/>
+                  </a:lnTo>
+                  <a:lnTo>
+                    <a:pt x="1144" y="132"/>
+                  </a:lnTo>
+                  <a:lnTo>
+                    <a:pt x="957" y="114"/>
+                  </a:lnTo>
+                  <a:lnTo>
+                    <a:pt x="785" y="96"/>
+                  </a:lnTo>
+                  <a:lnTo>
+                    <a:pt x="627" y="79"/>
+                  </a:lnTo>
+                  <a:lnTo>
+                    <a:pt x="487" y="63"/>
+                  </a:lnTo>
+                  <a:lnTo>
+                    <a:pt x="361" y="48"/>
+                  </a:lnTo>
+                  <a:lnTo>
+                    <a:pt x="254" y="35"/>
+                  </a:lnTo>
+                  <a:lnTo>
+                    <a:pt x="165" y="23"/>
+                  </a:lnTo>
+                  <a:lnTo>
+                    <a:pt x="42" y="6"/>
+                  </a:lnTo>
+                  <a:lnTo>
+                    <a:pt x="0" y="0"/>
+                  </a:lnTo>
+                  <a:lnTo>
+                    <a:pt x="0" y="0"/>
+                  </a:lnTo>
+                  <a:close/>
+                </a:path>
+              </a:pathLst>
+            </a:custGeom>
+            <a:solidFill>
+              <a:schemeClr val="bg1"/>
+            </a:solidFill>
+            <a:ln>
+              <a:noFill/>
+            </a:ln>
+          </p:spPr>
+        </p:sp>
+        <p:sp>
+          <p:nvSpPr>
+            <p:cNvPr id="43" name="Freeform 5">
+              <a:extLst>
+                <a:ext uri="{FF2B5EF4-FFF2-40B4-BE49-F238E27FC236}">
+                  <a16:creationId xmlns:a16="http://schemas.microsoft.com/office/drawing/2014/main" id="{52DCAE0E-B8DE-4C42-A48F-FA0C8345AC93}"/>
+                </a:ext>
+                <a:ext uri="{C183D7F6-B498-43B3-948B-1728B52AA6E4}">
+                  <adec:decorative xmlns:adec="http://schemas.microsoft.com/office/drawing/2017/decorative" val="1"/>
+                </a:ext>
+              </a:extLst>
+            </p:cNvPr>
+            <p:cNvSpPr>
+              <a:spLocks noEditPoints="1"/>
+            </p:cNvSpPr>
+            <p:nvPr>
+              <p:extLst>
+                <p:ext uri="{386F3935-93C4-4BCD-93E2-E3B085C9AB24}">
+                  <p16:designElem xmlns:p16="http://schemas.microsoft.com/office/powerpoint/2015/main" val="1"/>
+                </p:ext>
+              </p:extLst>
+            </p:nvPr>
+          </p:nvSpPr>
+          <p:spPr bwMode="gray">
+            <a:xfrm>
+              <a:off x="0" y="1587"/>
+              <a:ext cx="12192000" cy="6856413"/>
+            </a:xfrm>
+            <a:custGeom>
+              <a:avLst/>
+              <a:gdLst/>
+              <a:ahLst/>
+              <a:cxnLst/>
+              <a:rect l="0" t="0" r="r" b="b"/>
+              <a:pathLst>
+                <a:path w="15356" h="8638">
+                  <a:moveTo>
+                    <a:pt x="0" y="0"/>
+                  </a:moveTo>
+                  <a:lnTo>
+                    <a:pt x="0" y="8638"/>
+                  </a:lnTo>
+                  <a:lnTo>
+                    <a:pt x="15356" y="8638"/>
+                  </a:lnTo>
+                  <a:lnTo>
+                    <a:pt x="15356" y="0"/>
+                  </a:lnTo>
+                  <a:lnTo>
+                    <a:pt x="0" y="0"/>
+                  </a:lnTo>
+                  <a:close/>
+                  <a:moveTo>
+                    <a:pt x="14748" y="8038"/>
+                  </a:moveTo>
+                  <a:lnTo>
+                    <a:pt x="600" y="8038"/>
+                  </a:lnTo>
+                  <a:lnTo>
+                    <a:pt x="600" y="592"/>
+                  </a:lnTo>
+                  <a:lnTo>
+                    <a:pt x="14748" y="592"/>
+                  </a:lnTo>
+                  <a:lnTo>
+                    <a:pt x="14748" y="8038"/>
+                  </a:lnTo>
+                  <a:close/>
+                </a:path>
+              </a:pathLst>
+            </a:custGeom>
+            <a:solidFill>
+              <a:schemeClr val="bg1"/>
+            </a:solidFill>
+            <a:ln>
+              <a:noFill/>
+            </a:ln>
+          </p:spPr>
+        </p:sp>
+      </p:grpSp>
+      <p:sp>
+        <p:nvSpPr>
+          <p:cNvPr id="45" name="Rectangle 44">
+            <a:extLst>
+              <a:ext uri="{FF2B5EF4-FFF2-40B4-BE49-F238E27FC236}">
+                <a16:creationId xmlns:a16="http://schemas.microsoft.com/office/drawing/2014/main" id="{59647F54-801D-44AB-8284-EDDFF7763139}"/>
+              </a:ext>
+              <a:ext uri="{C183D7F6-B498-43B3-948B-1728B52AA6E4}">
+                <adec:decorative xmlns:adec="http://schemas.microsoft.com/office/drawing/2017/decorative" val="1"/>
+              </a:ext>
+            </a:extLst>
+          </p:cNvPr>
+          <p:cNvSpPr>
+            <a:spLocks noGrp="1" noRot="1" noChangeAspect="1" noMove="1" noResize="1" noEditPoints="1" noAdjustHandles="1" noChangeArrowheads="1" noChangeShapeType="1" noTextEdit="1"/>
+          </p:cNvSpPr>
+          <p:nvPr>
+            <p:extLst>
+              <p:ext uri="{386F3935-93C4-4BCD-93E2-E3B085C9AB24}">
+                <p16:designElem xmlns:p16="http://schemas.microsoft.com/office/powerpoint/2015/main" val="1"/>
+              </p:ext>
+            </p:extLst>
+          </p:nvPr>
+        </p:nvSpPr>
+        <p:spPr>
+          <a:xfrm>
+            <a:off x="10437812" y="0"/>
+            <a:ext cx="685800" cy="1143000"/>
+          </a:xfrm>
+          <a:prstGeom prst="rect">
+            <a:avLst/>
+          </a:prstGeom>
+          <a:solidFill>
+            <a:schemeClr val="accent1"/>
+          </a:solidFill>
+          <a:ln>
+            <a:noFill/>
+          </a:ln>
+        </p:spPr>
+        <p:style>
+          <a:lnRef idx="1">
+            <a:schemeClr val="accent1"/>
+          </a:lnRef>
+          <a:fillRef idx="3">
+            <a:schemeClr val="accent1"/>
+          </a:fillRef>
+          <a:effectRef idx="2">
+            <a:schemeClr val="accent1"/>
+          </a:effectRef>
+          <a:fontRef idx="minor">
+            <a:schemeClr val="lt1"/>
+          </a:fontRef>
+        </p:style>
+      </p:sp>
+      <p:sp>
+        <p:nvSpPr>
+          <p:cNvPr id="47" name="Rectangle 46">
+            <a:extLst>
+              <a:ext uri="{FF2B5EF4-FFF2-40B4-BE49-F238E27FC236}">
+                <a16:creationId xmlns:a16="http://schemas.microsoft.com/office/drawing/2014/main" id="{510C9632-BB6F-48EE-AB65-501878BA5DB6}"/>
+              </a:ext>
+              <a:ext uri="{C183D7F6-B498-43B3-948B-1728B52AA6E4}">
+                <adec:decorative xmlns:adec="http://schemas.microsoft.com/office/drawing/2017/decorative" val="1"/>
+              </a:ext>
+            </a:extLst>
+          </p:cNvPr>
+          <p:cNvSpPr>
+            <a:spLocks noGrp="1" noRot="1" noChangeAspect="1" noMove="1" noResize="1" noEditPoints="1" noAdjustHandles="1" noChangeArrowheads="1" noChangeShapeType="1" noTextEdit="1"/>
+          </p:cNvSpPr>
+          <p:nvPr>
+            <p:extLst>
+              <p:ext uri="{386F3935-93C4-4BCD-93E2-E3B085C9AB24}">
+                <p16:designElem xmlns:p16="http://schemas.microsoft.com/office/powerpoint/2015/main" val="1"/>
+              </p:ext>
+            </p:extLst>
+          </p:nvPr>
+        </p:nvSpPr>
+        <p:spPr>
+          <a:xfrm>
+            <a:off x="0" y="-1587"/>
+            <a:ext cx="12192000" cy="6858000"/>
+          </a:xfrm>
+          <a:prstGeom prst="rect">
+            <a:avLst/>
+          </a:prstGeom>
+          <a:ln>
+            <a:noFill/>
+          </a:ln>
+        </p:spPr>
+        <p:style>
+          <a:lnRef idx="2">
+            <a:schemeClr val="accent1">
+              <a:shade val="50000"/>
+            </a:schemeClr>
+          </a:lnRef>
+          <a:fillRef idx="1003">
+            <a:schemeClr val="dk2"/>
+          </a:fillRef>
+          <a:effectRef idx="0">
+            <a:schemeClr val="accent1"/>
+          </a:effectRef>
+          <a:fontRef idx="minor">
+            <a:schemeClr val="lt1"/>
+          </a:fontRef>
+        </p:style>
+      </p:sp>
+      <p:sp>
+        <p:nvSpPr>
+          <p:cNvPr id="49" name="Freeform: Shape 48">
+            <a:extLst>
+              <a:ext uri="{FF2B5EF4-FFF2-40B4-BE49-F238E27FC236}">
+                <a16:creationId xmlns:a16="http://schemas.microsoft.com/office/drawing/2014/main" id="{4EC8AAB6-953B-4D29-9967-3C44D06BB4E8}"/>
+              </a:ext>
+              <a:ext uri="{C183D7F6-B498-43B3-948B-1728B52AA6E4}">
+                <adec:decorative xmlns:adec="http://schemas.microsoft.com/office/drawing/2017/decorative" val="1"/>
+              </a:ext>
+            </a:extLst>
+          </p:cNvPr>
+          <p:cNvSpPr>
+            <a:spLocks noGrp="1" noRot="1" noChangeAspect="1" noMove="1" noResize="1" noEditPoints="1" noAdjustHandles="1" noChangeArrowheads="1" noChangeShapeType="1" noTextEdit="1"/>
+          </p:cNvSpPr>
+          <p:nvPr>
+            <p:extLst>
+              <p:ext uri="{386F3935-93C4-4BCD-93E2-E3B085C9AB24}">
+                <p16:designElem xmlns:p16="http://schemas.microsoft.com/office/powerpoint/2015/main" val="1"/>
+              </p:ext>
+            </p:extLst>
+          </p:nvPr>
+        </p:nvSpPr>
+        <p:spPr bwMode="gray">
+          <a:xfrm rot="16200000">
+            <a:off x="5171964" y="-140866"/>
+            <a:ext cx="6053670" cy="7139732"/>
+          </a:xfrm>
+          <a:custGeom>
+            <a:avLst/>
+            <a:gdLst>
+              <a:gd name="connsiteX0" fmla="*/ 6053670 w 6053670"/>
+              <a:gd name="connsiteY0" fmla="*/ 1098 h 7139732"/>
+              <a:gd name="connsiteX1" fmla="*/ 6053670 w 6053670"/>
+              <a:gd name="connsiteY1" fmla="*/ 1084479 h 7139732"/>
+              <a:gd name="connsiteX2" fmla="*/ 6053670 w 6053670"/>
+              <a:gd name="connsiteY2" fmla="*/ 1254558 h 7139732"/>
+              <a:gd name="connsiteX3" fmla="*/ 6053670 w 6053670"/>
+              <a:gd name="connsiteY3" fmla="*/ 7139732 h 7139732"/>
+              <a:gd name="connsiteX4" fmla="*/ 0 w 6053670"/>
+              <a:gd name="connsiteY4" fmla="*/ 7139732 h 7139732"/>
+              <a:gd name="connsiteX5" fmla="*/ 0 w 6053670"/>
+              <a:gd name="connsiteY5" fmla="*/ 1249853 h 7139732"/>
+              <a:gd name="connsiteX6" fmla="*/ 0 w 6053670"/>
+              <a:gd name="connsiteY6" fmla="*/ 1084479 h 7139732"/>
+              <a:gd name="connsiteX7" fmla="*/ 0 w 6053670"/>
+              <a:gd name="connsiteY7" fmla="*/ 0 h 7139732"/>
+              <a:gd name="connsiteX8" fmla="*/ 35717 w 6053670"/>
+              <a:gd name="connsiteY8" fmla="*/ 5488 h 7139732"/>
+              <a:gd name="connsiteX9" fmla="*/ 140445 w 6053670"/>
+              <a:gd name="connsiteY9" fmla="*/ 21641 h 7139732"/>
+              <a:gd name="connsiteX10" fmla="*/ 216722 w 6053670"/>
+              <a:gd name="connsiteY10" fmla="*/ 32932 h 7139732"/>
+              <a:gd name="connsiteX11" fmla="*/ 307527 w 6053670"/>
+              <a:gd name="connsiteY11" fmla="*/ 44850 h 7139732"/>
+              <a:gd name="connsiteX12" fmla="*/ 415282 w 6053670"/>
+              <a:gd name="connsiteY12" fmla="*/ 59121 h 7139732"/>
+              <a:gd name="connsiteX13" fmla="*/ 534539 w 6053670"/>
+              <a:gd name="connsiteY13" fmla="*/ 74175 h 7139732"/>
+              <a:gd name="connsiteX14" fmla="*/ 668931 w 6053670"/>
+              <a:gd name="connsiteY14" fmla="*/ 90014 h 7139732"/>
+              <a:gd name="connsiteX15" fmla="*/ 815430 w 6053670"/>
+              <a:gd name="connsiteY15" fmla="*/ 106794 h 7139732"/>
+              <a:gd name="connsiteX16" fmla="*/ 974641 w 6053670"/>
+              <a:gd name="connsiteY16" fmla="*/ 123574 h 7139732"/>
+              <a:gd name="connsiteX17" fmla="*/ 1144144 w 6053670"/>
+              <a:gd name="connsiteY17" fmla="*/ 140667 h 7139732"/>
+              <a:gd name="connsiteX18" fmla="*/ 1326965 w 6053670"/>
+              <a:gd name="connsiteY18" fmla="*/ 156506 h 7139732"/>
+              <a:gd name="connsiteX19" fmla="*/ 1518261 w 6053670"/>
+              <a:gd name="connsiteY19" fmla="*/ 171717 h 7139732"/>
+              <a:gd name="connsiteX20" fmla="*/ 1720453 w 6053670"/>
+              <a:gd name="connsiteY20" fmla="*/ 185518 h 7139732"/>
+              <a:gd name="connsiteX21" fmla="*/ 1931121 w 6053670"/>
+              <a:gd name="connsiteY21" fmla="*/ 198690 h 7139732"/>
+              <a:gd name="connsiteX22" fmla="*/ 2150869 w 6053670"/>
+              <a:gd name="connsiteY22" fmla="*/ 211079 h 7139732"/>
+              <a:gd name="connsiteX23" fmla="*/ 2263467 w 6053670"/>
+              <a:gd name="connsiteY23" fmla="*/ 215470 h 7139732"/>
+              <a:gd name="connsiteX24" fmla="*/ 2378487 w 6053670"/>
+              <a:gd name="connsiteY24" fmla="*/ 220332 h 7139732"/>
+              <a:gd name="connsiteX25" fmla="*/ 2495323 w 6053670"/>
+              <a:gd name="connsiteY25" fmla="*/ 224879 h 7139732"/>
+              <a:gd name="connsiteX26" fmla="*/ 2612764 w 6053670"/>
+              <a:gd name="connsiteY26" fmla="*/ 227859 h 7139732"/>
+              <a:gd name="connsiteX27" fmla="*/ 2732627 w 6053670"/>
+              <a:gd name="connsiteY27" fmla="*/ 230525 h 7139732"/>
+              <a:gd name="connsiteX28" fmla="*/ 2853700 w 6053670"/>
+              <a:gd name="connsiteY28" fmla="*/ 233348 h 7139732"/>
+              <a:gd name="connsiteX29" fmla="*/ 2977195 w 6053670"/>
+              <a:gd name="connsiteY29" fmla="*/ 235229 h 7139732"/>
+              <a:gd name="connsiteX30" fmla="*/ 3101901 w 6053670"/>
+              <a:gd name="connsiteY30" fmla="*/ 235229 h 7139732"/>
+              <a:gd name="connsiteX31" fmla="*/ 3227817 w 6053670"/>
+              <a:gd name="connsiteY31" fmla="*/ 236170 h 7139732"/>
+              <a:gd name="connsiteX32" fmla="*/ 3354944 w 6053670"/>
+              <a:gd name="connsiteY32" fmla="*/ 235229 h 7139732"/>
+              <a:gd name="connsiteX33" fmla="*/ 3483887 w 6053670"/>
+              <a:gd name="connsiteY33" fmla="*/ 233348 h 7139732"/>
+              <a:gd name="connsiteX34" fmla="*/ 3612830 w 6053670"/>
+              <a:gd name="connsiteY34" fmla="*/ 231623 h 7139732"/>
+              <a:gd name="connsiteX35" fmla="*/ 3743590 w 6053670"/>
+              <a:gd name="connsiteY35" fmla="*/ 227859 h 7139732"/>
+              <a:gd name="connsiteX36" fmla="*/ 3875560 w 6053670"/>
+              <a:gd name="connsiteY36" fmla="*/ 223938 h 7139732"/>
+              <a:gd name="connsiteX37" fmla="*/ 4007530 w 6053670"/>
+              <a:gd name="connsiteY37" fmla="*/ 219391 h 7139732"/>
+              <a:gd name="connsiteX38" fmla="*/ 4140710 w 6053670"/>
+              <a:gd name="connsiteY38" fmla="*/ 212961 h 7139732"/>
+              <a:gd name="connsiteX39" fmla="*/ 4275102 w 6053670"/>
+              <a:gd name="connsiteY39" fmla="*/ 205277 h 7139732"/>
+              <a:gd name="connsiteX40" fmla="*/ 4410098 w 6053670"/>
+              <a:gd name="connsiteY40" fmla="*/ 197907 h 7139732"/>
+              <a:gd name="connsiteX41" fmla="*/ 4545096 w 6053670"/>
+              <a:gd name="connsiteY41" fmla="*/ 188498 h 7139732"/>
+              <a:gd name="connsiteX42" fmla="*/ 4681909 w 6053670"/>
+              <a:gd name="connsiteY42" fmla="*/ 177207 h 7139732"/>
+              <a:gd name="connsiteX43" fmla="*/ 4816905 w 6053670"/>
+              <a:gd name="connsiteY43" fmla="*/ 165916 h 7139732"/>
+              <a:gd name="connsiteX44" fmla="*/ 4954323 w 6053670"/>
+              <a:gd name="connsiteY44" fmla="*/ 152899 h 7139732"/>
+              <a:gd name="connsiteX45" fmla="*/ 5092347 w 6053670"/>
+              <a:gd name="connsiteY45" fmla="*/ 138629 h 7139732"/>
+              <a:gd name="connsiteX46" fmla="*/ 5228555 w 6053670"/>
+              <a:gd name="connsiteY46" fmla="*/ 123574 h 7139732"/>
+              <a:gd name="connsiteX47" fmla="*/ 5366578 w 6053670"/>
+              <a:gd name="connsiteY47" fmla="*/ 106010 h 7139732"/>
+              <a:gd name="connsiteX48" fmla="*/ 5503997 w 6053670"/>
+              <a:gd name="connsiteY48" fmla="*/ 87192 h 7139732"/>
+              <a:gd name="connsiteX49" fmla="*/ 5642020 w 6053670"/>
+              <a:gd name="connsiteY49" fmla="*/ 68530 h 7139732"/>
+              <a:gd name="connsiteX50" fmla="*/ 5779438 w 6053670"/>
+              <a:gd name="connsiteY50" fmla="*/ 46733 h 7139732"/>
+              <a:gd name="connsiteX51" fmla="*/ 5916251 w 6053670"/>
+              <a:gd name="connsiteY51" fmla="*/ 24464 h 7139732"/>
+            </a:gdLst>
+            <a:ahLst/>
+            <a:cxnLst>
+              <a:cxn ang="0">
+                <a:pos x="connsiteX0" y="connsiteY0"/>
+              </a:cxn>
+              <a:cxn ang="0">
+                <a:pos x="connsiteX1" y="connsiteY1"/>
+              </a:cxn>
+              <a:cxn ang="0">
+                <a:pos x="connsiteX2" y="connsiteY2"/>
+              </a:cxn>
+              <a:cxn ang="0">
+                <a:pos x="connsiteX3" y="connsiteY3"/>
+              </a:cxn>
+              <a:cxn ang="0">
+                <a:pos x="connsiteX4" y="connsiteY4"/>
+              </a:cxn>
+              <a:cxn ang="0">
+                <a:pos x="connsiteX5" y="connsiteY5"/>
+              </a:cxn>
+              <a:cxn ang="0">
+                <a:pos x="connsiteX6" y="connsiteY6"/>
+              </a:cxn>
+              <a:cxn ang="0">
+                <a:pos x="connsiteX7" y="connsiteY7"/>
+              </a:cxn>
+              <a:cxn ang="0">
+                <a:pos x="connsiteX8" y="connsiteY8"/>
+              </a:cxn>
+              <a:cxn ang="0">
+                <a:pos x="connsiteX9" y="connsiteY9"/>
+              </a:cxn>
+              <a:cxn ang="0">
+                <a:pos x="connsiteX10" y="connsiteY10"/>
+              </a:cxn>
+              <a:cxn ang="0">
+                <a:pos x="connsiteX11" y="connsiteY11"/>
+              </a:cxn>
+              <a:cxn ang="0">
+                <a:pos x="connsiteX12" y="connsiteY12"/>
+              </a:cxn>
+              <a:cxn ang="0">
+                <a:pos x="connsiteX13" y="connsiteY13"/>
+              </a:cxn>
+              <a:cxn ang="0">
+                <a:pos x="connsiteX14" y="connsiteY14"/>
+              </a:cxn>
+              <a:cxn ang="0">
+                <a:pos x="connsiteX15" y="connsiteY15"/>
+              </a:cxn>
+              <a:cxn ang="0">
+                <a:pos x="connsiteX16" y="connsiteY16"/>
+              </a:cxn>
+              <a:cxn ang="0">
+                <a:pos x="connsiteX17" y="connsiteY17"/>
+              </a:cxn>
+              <a:cxn ang="0">
+                <a:pos x="connsiteX18" y="connsiteY18"/>
+              </a:cxn>
+              <a:cxn ang="0">
+                <a:pos x="connsiteX19" y="connsiteY19"/>
+              </a:cxn>
+              <a:cxn ang="0">
+                <a:pos x="connsiteX20" y="connsiteY20"/>
+              </a:cxn>
+              <a:cxn ang="0">
+                <a:pos x="connsiteX21" y="connsiteY21"/>
+              </a:cxn>
+              <a:cxn ang="0">
+                <a:pos x="connsiteX22" y="connsiteY22"/>
+              </a:cxn>
+              <a:cxn ang="0">
+                <a:pos x="connsiteX23" y="connsiteY23"/>
+              </a:cxn>
+              <a:cxn ang="0">
+                <a:pos x="connsiteX24" y="connsiteY24"/>
+              </a:cxn>
+              <a:cxn ang="0">
+                <a:pos x="connsiteX25" y="connsiteY25"/>
+              </a:cxn>
+              <a:cxn ang="0">
+                <a:pos x="connsiteX26" y="connsiteY26"/>
+              </a:cxn>
+              <a:cxn ang="0">
+                <a:pos x="connsiteX27" y="connsiteY27"/>
+              </a:cxn>
+              <a:cxn ang="0">
+                <a:pos x="connsiteX28" y="connsiteY28"/>
+              </a:cxn>
+              <a:cxn ang="0">
+                <a:pos x="connsiteX29" y="connsiteY29"/>
+              </a:cxn>
+              <a:cxn ang="0">
+                <a:pos x="connsiteX30" y="connsiteY30"/>
+              </a:cxn>
+              <a:cxn ang="0">
+                <a:pos x="connsiteX31" y="connsiteY31"/>
+              </a:cxn>
+              <a:cxn ang="0">
+                <a:pos x="connsiteX32" y="connsiteY32"/>
+              </a:cxn>
+              <a:cxn ang="0">
+                <a:pos x="connsiteX33" y="connsiteY33"/>
+              </a:cxn>
+              <a:cxn ang="0">
+                <a:pos x="connsiteX34" y="connsiteY34"/>
+              </a:cxn>
+              <a:cxn ang="0">
+                <a:pos x="connsiteX35" y="connsiteY35"/>
+              </a:cxn>
+              <a:cxn ang="0">
+                <a:pos x="connsiteX36" y="connsiteY36"/>
+              </a:cxn>
+              <a:cxn ang="0">
+                <a:pos x="connsiteX37" y="connsiteY37"/>
+              </a:cxn>
+              <a:cxn ang="0">
+                <a:pos x="connsiteX38" y="connsiteY38"/>
+              </a:cxn>
+              <a:cxn ang="0">
+                <a:pos x="connsiteX39" y="connsiteY39"/>
+              </a:cxn>
+              <a:cxn ang="0">
+                <a:pos x="connsiteX40" y="connsiteY40"/>
+              </a:cxn>
+              <a:cxn ang="0">
+                <a:pos x="connsiteX41" y="connsiteY41"/>
+              </a:cxn>
+              <a:cxn ang="0">
+                <a:pos x="connsiteX42" y="connsiteY42"/>
+              </a:cxn>
+              <a:cxn ang="0">
+                <a:pos x="connsiteX43" y="connsiteY43"/>
+              </a:cxn>
+              <a:cxn ang="0">
+                <a:pos x="connsiteX44" y="connsiteY44"/>
+              </a:cxn>
+              <a:cxn ang="0">
+                <a:pos x="connsiteX45" y="connsiteY45"/>
+              </a:cxn>
+              <a:cxn ang="0">
+                <a:pos x="connsiteX46" y="connsiteY46"/>
+              </a:cxn>
+              <a:cxn ang="0">
+                <a:pos x="connsiteX47" y="connsiteY47"/>
+              </a:cxn>
+              <a:cxn ang="0">
+                <a:pos x="connsiteX48" y="connsiteY48"/>
+              </a:cxn>
+              <a:cxn ang="0">
+                <a:pos x="connsiteX49" y="connsiteY49"/>
+              </a:cxn>
+              <a:cxn ang="0">
+                <a:pos x="connsiteX50" y="connsiteY50"/>
+              </a:cxn>
+              <a:cxn ang="0">
+                <a:pos x="connsiteX51" y="connsiteY51"/>
+              </a:cxn>
+            </a:cxnLst>
+            <a:rect l="l" t="t" r="r" b="b"/>
+            <a:pathLst>
+              <a:path w="6053670" h="7139732">
+                <a:moveTo>
+                  <a:pt x="6053670" y="1098"/>
+                </a:moveTo>
+                <a:lnTo>
+                  <a:pt x="6053670" y="1084479"/>
+                </a:lnTo>
+                <a:lnTo>
+                  <a:pt x="6053670" y="1254558"/>
+                </a:lnTo>
+                <a:lnTo>
+                  <a:pt x="6053670" y="7139732"/>
+                </a:lnTo>
+                <a:lnTo>
+                  <a:pt x="0" y="7139732"/>
+                </a:lnTo>
+                <a:lnTo>
+                  <a:pt x="0" y="1249853"/>
+                </a:lnTo>
+                <a:lnTo>
+                  <a:pt x="0" y="1084479"/>
+                </a:lnTo>
+                <a:lnTo>
+                  <a:pt x="0" y="0"/>
+                </a:lnTo>
+                <a:lnTo>
+                  <a:pt x="35717" y="5488"/>
+                </a:lnTo>
+                <a:lnTo>
+                  <a:pt x="140445" y="21641"/>
+                </a:lnTo>
+                <a:lnTo>
+                  <a:pt x="216722" y="32932"/>
+                </a:lnTo>
+                <a:lnTo>
+                  <a:pt x="307527" y="44850"/>
+                </a:lnTo>
+                <a:lnTo>
+                  <a:pt x="415282" y="59121"/>
+                </a:lnTo>
+                <a:lnTo>
+                  <a:pt x="534539" y="74175"/>
+                </a:lnTo>
+                <a:lnTo>
+                  <a:pt x="668931" y="90014"/>
+                </a:lnTo>
+                <a:lnTo>
+                  <a:pt x="815430" y="106794"/>
+                </a:lnTo>
+                <a:lnTo>
+                  <a:pt x="974641" y="123574"/>
+                </a:lnTo>
+                <a:lnTo>
+                  <a:pt x="1144144" y="140667"/>
+                </a:lnTo>
+                <a:lnTo>
+                  <a:pt x="1326965" y="156506"/>
+                </a:lnTo>
+                <a:lnTo>
+                  <a:pt x="1518261" y="171717"/>
+                </a:lnTo>
+                <a:lnTo>
+                  <a:pt x="1720453" y="185518"/>
+                </a:lnTo>
+                <a:lnTo>
+                  <a:pt x="1931121" y="198690"/>
+                </a:lnTo>
+                <a:lnTo>
+                  <a:pt x="2150869" y="211079"/>
+                </a:lnTo>
+                <a:lnTo>
+                  <a:pt x="2263467" y="215470"/>
+                </a:lnTo>
+                <a:lnTo>
+                  <a:pt x="2378487" y="220332"/>
+                </a:lnTo>
+                <a:lnTo>
+                  <a:pt x="2495323" y="224879"/>
+                </a:lnTo>
+                <a:lnTo>
+                  <a:pt x="2612764" y="227859"/>
+                </a:lnTo>
+                <a:lnTo>
+                  <a:pt x="2732627" y="230525"/>
+                </a:lnTo>
+                <a:lnTo>
+                  <a:pt x="2853700" y="233348"/>
+                </a:lnTo>
+                <a:lnTo>
+                  <a:pt x="2977195" y="235229"/>
+                </a:lnTo>
+                <a:lnTo>
+                  <a:pt x="3101901" y="235229"/>
+                </a:lnTo>
+                <a:lnTo>
+                  <a:pt x="3227817" y="236170"/>
+                </a:lnTo>
+                <a:lnTo>
+                  <a:pt x="3354944" y="235229"/>
+                </a:lnTo>
+                <a:lnTo>
+                  <a:pt x="3483887" y="233348"/>
+                </a:lnTo>
+                <a:lnTo>
+                  <a:pt x="3612830" y="231623"/>
+                </a:lnTo>
+                <a:lnTo>
+                  <a:pt x="3743590" y="227859"/>
+                </a:lnTo>
+                <a:lnTo>
+                  <a:pt x="3875560" y="223938"/>
+                </a:lnTo>
+                <a:lnTo>
+                  <a:pt x="4007530" y="219391"/>
+                </a:lnTo>
+                <a:lnTo>
+                  <a:pt x="4140710" y="212961"/>
+                </a:lnTo>
+                <a:lnTo>
+                  <a:pt x="4275102" y="205277"/>
+                </a:lnTo>
+                <a:lnTo>
+                  <a:pt x="4410098" y="197907"/>
+                </a:lnTo>
+                <a:lnTo>
+                  <a:pt x="4545096" y="188498"/>
+                </a:lnTo>
+                <a:lnTo>
+                  <a:pt x="4681909" y="177207"/>
+                </a:lnTo>
+                <a:lnTo>
+                  <a:pt x="4816905" y="165916"/>
+                </a:lnTo>
+                <a:lnTo>
+                  <a:pt x="4954323" y="152899"/>
+                </a:lnTo>
+                <a:lnTo>
+                  <a:pt x="5092347" y="138629"/>
+                </a:lnTo>
+                <a:lnTo>
+                  <a:pt x="5228555" y="123574"/>
+                </a:lnTo>
+                <a:lnTo>
+                  <a:pt x="5366578" y="106010"/>
+                </a:lnTo>
+                <a:lnTo>
+                  <a:pt x="5503997" y="87192"/>
+                </a:lnTo>
+                <a:lnTo>
+                  <a:pt x="5642020" y="68530"/>
+                </a:lnTo>
+                <a:lnTo>
+                  <a:pt x="5779438" y="46733"/>
+                </a:lnTo>
+                <a:lnTo>
+                  <a:pt x="5916251" y="24464"/>
+                </a:lnTo>
+                <a:close/>
+              </a:path>
+            </a:pathLst>
+          </a:custGeom>
+          <a:solidFill>
+            <a:schemeClr val="tx1"/>
+          </a:solidFill>
+          <a:ln>
+            <a:noFill/>
+          </a:ln>
+        </p:spPr>
+      </p:sp>
+      <p:sp>
+        <p:nvSpPr>
+          <p:cNvPr id="51" name="Freeform 5">
+            <a:extLst>
+              <a:ext uri="{FF2B5EF4-FFF2-40B4-BE49-F238E27FC236}">
+                <a16:creationId xmlns:a16="http://schemas.microsoft.com/office/drawing/2014/main" id="{C89ED458-2326-40DC-9C7B-1A717B6551AD}"/>
+              </a:ext>
+              <a:ext uri="{C183D7F6-B498-43B3-948B-1728B52AA6E4}">
+                <adec:decorative xmlns:adec="http://schemas.microsoft.com/office/drawing/2017/decorative" val="1"/>
+              </a:ext>
+            </a:extLst>
+          </p:cNvPr>
+          <p:cNvSpPr>
+            <a:spLocks noGrp="1" noRot="1" noChangeAspect="1" noMove="1" noResize="1" noEditPoints="1" noAdjustHandles="1" noChangeArrowheads="1" noChangeShapeType="1" noTextEdit="1"/>
+          </p:cNvSpPr>
+          <p:nvPr>
+            <p:extLst>
+              <p:ext uri="{386F3935-93C4-4BCD-93E2-E3B085C9AB24}">
+                <p16:designElem xmlns:p16="http://schemas.microsoft.com/office/powerpoint/2015/main" val="1"/>
+              </p:ext>
+            </p:extLst>
+          </p:nvPr>
+        </p:nvSpPr>
+        <p:spPr bwMode="gray">
+          <a:xfrm>
+            <a:off x="0" y="1587"/>
+            <a:ext cx="12192000" cy="6856413"/>
+          </a:xfrm>
+          <a:custGeom>
+            <a:avLst/>
+            <a:gdLst/>
+            <a:ahLst/>
+            <a:cxnLst/>
+            <a:rect l="0" t="0" r="r" b="b"/>
+            <a:pathLst>
+              <a:path w="15356" h="8638">
+                <a:moveTo>
+                  <a:pt x="0" y="0"/>
+                </a:moveTo>
+                <a:lnTo>
+                  <a:pt x="0" y="8638"/>
+                </a:lnTo>
+                <a:lnTo>
+                  <a:pt x="15356" y="8638"/>
+                </a:lnTo>
+                <a:lnTo>
+                  <a:pt x="15356" y="0"/>
+                </a:lnTo>
+                <a:lnTo>
+                  <a:pt x="0" y="0"/>
+                </a:lnTo>
+                <a:close/>
+                <a:moveTo>
+                  <a:pt x="14748" y="8038"/>
+                </a:moveTo>
+                <a:lnTo>
+                  <a:pt x="600" y="8038"/>
+                </a:lnTo>
+                <a:lnTo>
+                  <a:pt x="600" y="592"/>
+                </a:lnTo>
+                <a:lnTo>
+                  <a:pt x="14748" y="592"/>
+                </a:lnTo>
+                <a:lnTo>
+                  <a:pt x="14748" y="8038"/>
+                </a:lnTo>
+                <a:close/>
+              </a:path>
+            </a:pathLst>
+          </a:custGeom>
+          <a:solidFill>
+            <a:schemeClr val="tx1"/>
+          </a:solidFill>
+          <a:ln>
+            <a:noFill/>
+          </a:ln>
+        </p:spPr>
+      </p:sp>
+      <p:sp>
+        <p:nvSpPr>
+          <p:cNvPr id="2" name="Title 1">
+            <a:extLst>
+              <a:ext uri="{FF2B5EF4-FFF2-40B4-BE49-F238E27FC236}">
+                <a16:creationId xmlns:a16="http://schemas.microsoft.com/office/drawing/2014/main" id="{AC912D7D-CE8B-0A45-92F1-EE59298B5AF4}"/>
+              </a:ext>
+            </a:extLst>
+          </p:cNvPr>
+          <p:cNvSpPr>
+            <a:spLocks noGrp="1"/>
+          </p:cNvSpPr>
+          <p:nvPr>
+            <p:ph type="title"/>
+          </p:nvPr>
+        </p:nvSpPr>
+        <p:spPr>
+          <a:xfrm>
+            <a:off x="498454" y="498814"/>
+            <a:ext cx="3947953" cy="1177586"/>
+          </a:xfrm>
+        </p:spPr>
+        <p:txBody>
+          <a:bodyPr vert="horz" lIns="91440" tIns="45720" rIns="91440" bIns="45720" rtlCol="0" anchor="ctr">
+            <a:noAutofit/>
+          </a:bodyPr>
+          <a:lstStyle/>
+          <a:p>
+            <a:pPr>
+              <a:lnSpc>
+                <a:spcPct val="90000"/>
+              </a:lnSpc>
+            </a:pPr>
+            <a:r>
+              <a:rPr lang="en-US" sz="2800" dirty="0">
+                <a:solidFill>
+                  <a:schemeClr val="tx1"/>
+                </a:solidFill>
+                <a:latin typeface="Candara" panose="020E0502030303020204" pitchFamily="34" charset="0"/>
+              </a:rPr>
+              <a:t>pip install pycountry &amp; pip install plotly</a:t>
+            </a:r>
+          </a:p>
+        </p:txBody>
+      </p:sp>
+      <p:pic>
+        <p:nvPicPr>
+          <p:cNvPr id="22" name="Picture 21">
+            <a:extLst>
+              <a:ext uri="{FF2B5EF4-FFF2-40B4-BE49-F238E27FC236}">
+                <a16:creationId xmlns:a16="http://schemas.microsoft.com/office/drawing/2014/main" id="{E97C6B0B-C42A-7C49-B4D8-0F3A0AC18EA4}"/>
+              </a:ext>
+            </a:extLst>
+          </p:cNvPr>
+          <p:cNvPicPr>
+            <a:picLocks noChangeAspect="1"/>
+          </p:cNvPicPr>
+          <p:nvPr/>
+        </p:nvPicPr>
+        <p:blipFill rotWithShape="1">
+          <a:blip r:embed="rId3"/>
+          <a:srcRect r="40351" b="-1"/>
+          <a:stretch/>
+        </p:blipFill>
+        <p:spPr>
+          <a:xfrm>
+            <a:off x="5194607" y="803751"/>
+            <a:ext cx="6391533" cy="5250498"/>
+          </a:xfrm>
+          <a:prstGeom prst="rect">
+            <a:avLst/>
+          </a:prstGeom>
+        </p:spPr>
+      </p:pic>
+      <p:sp>
+        <p:nvSpPr>
+          <p:cNvPr id="53" name="Rectangle 52">
+            <a:extLst>
+              <a:ext uri="{FF2B5EF4-FFF2-40B4-BE49-F238E27FC236}">
+                <a16:creationId xmlns:a16="http://schemas.microsoft.com/office/drawing/2014/main" id="{6F9D1DE6-E368-4F07-85F9-D5B767477DDF}"/>
+              </a:ext>
+              <a:ext uri="{C183D7F6-B498-43B3-948B-1728B52AA6E4}">
+                <adec:decorative xmlns:adec="http://schemas.microsoft.com/office/drawing/2017/decorative" val="1"/>
+              </a:ext>
+            </a:extLst>
+          </p:cNvPr>
+          <p:cNvSpPr>
+            <a:spLocks noGrp="1" noRot="1" noChangeAspect="1" noMove="1" noResize="1" noEditPoints="1" noAdjustHandles="1" noChangeArrowheads="1" noChangeShapeType="1" noTextEdit="1"/>
+          </p:cNvSpPr>
+          <p:nvPr>
+            <p:extLst>
+              <p:ext uri="{386F3935-93C4-4BCD-93E2-E3B085C9AB24}">
+                <p16:designElem xmlns:p16="http://schemas.microsoft.com/office/powerpoint/2015/main" val="1"/>
+              </p:ext>
+            </p:extLst>
+          </p:nvPr>
+        </p:nvSpPr>
+        <p:spPr>
+          <a:xfrm>
+            <a:off x="10437812" y="0"/>
+            <a:ext cx="685800" cy="1143000"/>
+          </a:xfrm>
+          <a:prstGeom prst="rect">
+            <a:avLst/>
+          </a:prstGeom>
+          <a:solidFill>
+            <a:schemeClr val="accent1"/>
+          </a:solidFill>
+          <a:ln>
+            <a:noFill/>
+          </a:ln>
+        </p:spPr>
+        <p:style>
+          <a:lnRef idx="1">
+            <a:schemeClr val="accent1"/>
+          </a:lnRef>
+          <a:fillRef idx="3">
+            <a:schemeClr val="accent1"/>
+          </a:fillRef>
+          <a:effectRef idx="2">
+            <a:schemeClr val="accent1"/>
+          </a:effectRef>
+          <a:fontRef idx="minor">
+            <a:schemeClr val="lt1"/>
+          </a:fontRef>
+        </p:style>
+      </p:sp>
+      <p:sp>
+        <p:nvSpPr>
+          <p:cNvPr id="55" name="Oval 54">
+            <a:extLst>
+              <a:ext uri="{FF2B5EF4-FFF2-40B4-BE49-F238E27FC236}">
+                <a16:creationId xmlns:a16="http://schemas.microsoft.com/office/drawing/2014/main" id="{F63B1F66-4ACE-4A01-8ADF-F175A9C358B2}"/>
+              </a:ext>
+              <a:ext uri="{C183D7F6-B498-43B3-948B-1728B52AA6E4}">
+                <adec:decorative xmlns:adec="http://schemas.microsoft.com/office/drawing/2017/decorative" val="1"/>
+              </a:ext>
+            </a:extLst>
+          </p:cNvPr>
+          <p:cNvSpPr>
+            <a:spLocks noGrp="1" noRot="1" noChangeAspect="1" noMove="1" noResize="1" noEditPoints="1" noAdjustHandles="1" noChangeArrowheads="1" noChangeShapeType="1" noTextEdit="1"/>
+          </p:cNvSpPr>
+          <p:nvPr>
+            <p:extLst>
+              <p:ext uri="{386F3935-93C4-4BCD-93E2-E3B085C9AB24}">
+                <p16:designElem xmlns:p16="http://schemas.microsoft.com/office/powerpoint/2015/main" val="1"/>
+              </p:ext>
+            </p:extLst>
+          </p:nvPr>
+        </p:nvSpPr>
+        <p:spPr>
+          <a:xfrm>
+            <a:off x="0" y="2667000"/>
+            <a:ext cx="4191000" cy="4191000"/>
+          </a:xfrm>
+          <a:prstGeom prst="ellipse">
+            <a:avLst/>
+          </a:prstGeom>
+          <a:gradFill flip="none" rotWithShape="1">
+            <a:gsLst>
+              <a:gs pos="0">
+                <a:schemeClr val="accent5">
+                  <a:alpha val="11000"/>
+                </a:schemeClr>
+              </a:gs>
+              <a:gs pos="75000">
+                <a:schemeClr val="accent5">
+                  <a:alpha val="0"/>
+                </a:schemeClr>
+              </a:gs>
+              <a:gs pos="36000">
+                <a:schemeClr val="accent5">
+                  <a:alpha val="10000"/>
+                </a:schemeClr>
+              </a:gs>
+            </a:gsLst>
+            <a:path path="circle">
+              <a:fillToRect l="50000" t="50000" r="50000" b="50000"/>
+            </a:path>
+            <a:tileRect/>
+          </a:gradFill>
+          <a:ln>
+            <a:noFill/>
+          </a:ln>
+          <a:effectLst/>
+        </p:spPr>
+        <p:style>
+          <a:lnRef idx="1">
+            <a:schemeClr val="accent1"/>
+          </a:lnRef>
+          <a:fillRef idx="3">
+            <a:schemeClr val="accent1"/>
+          </a:fillRef>
+          <a:effectRef idx="2">
+            <a:schemeClr val="accent1"/>
+          </a:effectRef>
+          <a:fontRef idx="minor">
+            <a:schemeClr val="lt1"/>
+          </a:fontRef>
+        </p:style>
+      </p:sp>
+      <p:sp>
+        <p:nvSpPr>
+          <p:cNvPr id="57" name="Oval 56">
+            <a:extLst>
+              <a:ext uri="{FF2B5EF4-FFF2-40B4-BE49-F238E27FC236}">
+                <a16:creationId xmlns:a16="http://schemas.microsoft.com/office/drawing/2014/main" id="{CF8448ED-9332-4A9B-8CAB-B1985E596E20}"/>
+              </a:ext>
+              <a:ext uri="{C183D7F6-B498-43B3-948B-1728B52AA6E4}">
+                <adec:decorative xmlns:adec="http://schemas.microsoft.com/office/drawing/2017/decorative" val="1"/>
+              </a:ext>
+            </a:extLst>
+          </p:cNvPr>
+          <p:cNvSpPr>
+            <a:spLocks noGrp="1" noRot="1" noChangeAspect="1" noMove="1" noResize="1" noEditPoints="1" noAdjustHandles="1" noChangeArrowheads="1" noChangeShapeType="1" noTextEdit="1"/>
+          </p:cNvSpPr>
+          <p:nvPr>
+            <p:extLst>
+              <p:ext uri="{386F3935-93C4-4BCD-93E2-E3B085C9AB24}">
+                <p16:designElem xmlns:p16="http://schemas.microsoft.com/office/powerpoint/2015/main" val="1"/>
+              </p:ext>
+            </p:extLst>
+          </p:nvPr>
+        </p:nvSpPr>
+        <p:spPr>
+          <a:xfrm>
+            <a:off x="0" y="2895600"/>
+            <a:ext cx="2362200" cy="2362200"/>
+          </a:xfrm>
+          <a:prstGeom prst="ellipse">
+            <a:avLst/>
+          </a:prstGeom>
+          <a:gradFill flip="none" rotWithShape="1">
+            <a:gsLst>
+              <a:gs pos="0">
+                <a:schemeClr val="accent5">
+                  <a:alpha val="8000"/>
+                </a:schemeClr>
+              </a:gs>
+              <a:gs pos="72000">
+                <a:schemeClr val="accent5">
+                  <a:alpha val="0"/>
+                </a:schemeClr>
+              </a:gs>
+              <a:gs pos="36000">
+                <a:schemeClr val="accent5">
+                  <a:alpha val="8000"/>
+                </a:schemeClr>
+              </a:gs>
+            </a:gsLst>
+            <a:path path="circle">
+              <a:fillToRect l="50000" t="50000" r="50000" b="50000"/>
+            </a:path>
+            <a:tileRect/>
+          </a:gradFill>
+          <a:ln>
+            <a:noFill/>
+          </a:ln>
+          <a:effectLst/>
+        </p:spPr>
+        <p:style>
+          <a:lnRef idx="1">
+            <a:schemeClr val="accent1"/>
+          </a:lnRef>
+          <a:fillRef idx="3">
+            <a:schemeClr val="accent1"/>
+          </a:fillRef>
+          <a:effectRef idx="2">
+            <a:schemeClr val="accent1"/>
+          </a:effectRef>
+          <a:fontRef idx="minor">
+            <a:schemeClr val="lt1"/>
+          </a:fontRef>
+        </p:style>
+      </p:sp>
+      <p:sp>
+        <p:nvSpPr>
+          <p:cNvPr id="3" name="Text Placeholder 2">
+            <a:extLst>
+              <a:ext uri="{FF2B5EF4-FFF2-40B4-BE49-F238E27FC236}">
+                <a16:creationId xmlns:a16="http://schemas.microsoft.com/office/drawing/2014/main" id="{537137D1-20A7-B04E-BCAD-956420761514}"/>
+              </a:ext>
+            </a:extLst>
+          </p:cNvPr>
+          <p:cNvSpPr>
+            <a:spLocks noGrp="1"/>
+          </p:cNvSpPr>
+          <p:nvPr>
+            <p:ph type="body" sz="half" idx="2"/>
+          </p:nvPr>
+        </p:nvSpPr>
+        <p:spPr>
+          <a:xfrm>
+            <a:off x="498454" y="1810874"/>
+            <a:ext cx="4152052" cy="4548312"/>
+          </a:xfrm>
+        </p:spPr>
+        <p:txBody>
+          <a:bodyPr vert="horz" lIns="91440" tIns="45720" rIns="91440" bIns="45720" rtlCol="0">
+            <a:noAutofit/>
+          </a:bodyPr>
+          <a:lstStyle/>
+          <a:p>
+            <a:pPr marL="342900" indent="-342900">
+              <a:lnSpc>
+                <a:spcPct val="90000"/>
+              </a:lnSpc>
+              <a:buFont typeface="Wingdings" pitchFamily="2" charset="2"/>
+              <a:buChar char="Ø"/>
+            </a:pPr>
+            <a:endParaRPr lang="en-US" sz="2400" u="sng" dirty="0">
+              <a:solidFill>
+                <a:schemeClr val="tx1"/>
+              </a:solidFill>
+              <a:latin typeface="Candara" panose="020E0502030303020204" pitchFamily="34" charset="0"/>
+            </a:endParaRPr>
+          </a:p>
+          <a:p>
+            <a:pPr marL="342900" indent="-342900">
+              <a:lnSpc>
+                <a:spcPct val="90000"/>
+              </a:lnSpc>
+              <a:buFont typeface="Wingdings" pitchFamily="2" charset="2"/>
+              <a:buChar char="Ø"/>
+            </a:pPr>
+            <a:r>
+              <a:rPr lang="en-US" sz="2400" u="sng" dirty="0">
+                <a:solidFill>
+                  <a:schemeClr val="tx1"/>
+                </a:solidFill>
+                <a:latin typeface="Candara" panose="020E0502030303020204" pitchFamily="34" charset="0"/>
+              </a:rPr>
+              <a:t>Ploty</a:t>
+            </a:r>
+            <a:r>
+              <a:rPr lang="en-US" sz="2400" dirty="0">
+                <a:solidFill>
+                  <a:schemeClr val="tx1"/>
+                </a:solidFill>
+                <a:latin typeface="Candara" panose="020E0502030303020204" pitchFamily="34" charset="0"/>
+              </a:rPr>
+              <a:t>  - An open-source, interactive graphing library for Python</a:t>
+            </a:r>
+          </a:p>
+          <a:p>
+            <a:pPr marL="342900" indent="-342900">
+              <a:lnSpc>
+                <a:spcPct val="90000"/>
+              </a:lnSpc>
+              <a:buFont typeface="Wingdings" pitchFamily="2" charset="2"/>
+              <a:buChar char="Ø"/>
+            </a:pPr>
+            <a:r>
+              <a:rPr lang="en-US" sz="2400" u="sng" dirty="0">
+                <a:solidFill>
+                  <a:schemeClr val="tx1"/>
+                </a:solidFill>
+                <a:latin typeface="Candara" panose="020E0502030303020204" pitchFamily="34" charset="0"/>
+              </a:rPr>
+              <a:t>Pycountry </a:t>
+            </a:r>
+            <a:r>
+              <a:rPr lang="en-US" sz="2400" dirty="0">
+                <a:solidFill>
+                  <a:schemeClr val="tx1"/>
+                </a:solidFill>
+                <a:latin typeface="Candara" panose="020E0502030303020204" pitchFamily="34" charset="0"/>
+              </a:rPr>
+              <a:t>-  provides the ISO databases for the standards</a:t>
+            </a:r>
+          </a:p>
+          <a:p>
+            <a:pPr marL="342900" indent="-342900">
+              <a:lnSpc>
+                <a:spcPct val="90000"/>
+              </a:lnSpc>
+              <a:buFont typeface="Wingdings" pitchFamily="2" charset="2"/>
+              <a:buChar char="Ø"/>
+            </a:pPr>
+            <a:r>
+              <a:rPr lang="en-US" sz="2400" dirty="0">
+                <a:solidFill>
+                  <a:schemeClr val="tx1"/>
+                </a:solidFill>
+                <a:latin typeface="Candara" panose="020E0502030303020204" pitchFamily="34" charset="0"/>
+              </a:rPr>
+              <a:t>Countries are accessible through a database object that is already configured upon import of pycountry </a:t>
+            </a:r>
+          </a:p>
+        </p:txBody>
+      </p:sp>
+      <p:sp>
+        <p:nvSpPr>
+          <p:cNvPr id="59" name="Freeform 5">
+            <a:extLst>
+              <a:ext uri="{FF2B5EF4-FFF2-40B4-BE49-F238E27FC236}">
+                <a16:creationId xmlns:a16="http://schemas.microsoft.com/office/drawing/2014/main" id="{ED3A2261-1C75-40FF-8CD6-18C5900C1C8D}"/>
+              </a:ext>
+              <a:ext uri="{C183D7F6-B498-43B3-948B-1728B52AA6E4}">
+                <adec:decorative xmlns:adec="http://schemas.microsoft.com/office/drawing/2017/decorative" val="1"/>
+              </a:ext>
+            </a:extLst>
+          </p:cNvPr>
+          <p:cNvSpPr>
+            <a:spLocks noGrp="1" noRot="1" noChangeAspect="1" noMove="1" noResize="1" noEditPoints="1" noAdjustHandles="1" noChangeArrowheads="1" noChangeShapeType="1" noTextEdit="1"/>
+          </p:cNvSpPr>
+          <p:nvPr>
+            <p:extLst>
+              <p:ext uri="{386F3935-93C4-4BCD-93E2-E3B085C9AB24}">
+                <p16:designElem xmlns:p16="http://schemas.microsoft.com/office/powerpoint/2015/main" val="1"/>
+              </p:ext>
+            </p:extLst>
+          </p:nvPr>
+        </p:nvSpPr>
+        <p:spPr bwMode="gray">
+          <a:xfrm rot="15922489">
+            <a:off x="3140485" y="1826078"/>
+            <a:ext cx="3299407" cy="440924"/>
+          </a:xfrm>
+          <a:custGeom>
+            <a:avLst/>
+            <a:gdLst/>
+            <a:ahLst/>
+            <a:cxnLst/>
+            <a:rect l="l" t="t" r="r" b="b"/>
+            <a:pathLst>
+              <a:path w="10000" h="5291">
+                <a:moveTo>
+                  <a:pt x="85" y="2532"/>
+                </a:moveTo>
+                <a:cubicBezTo>
+                  <a:pt x="1736" y="3911"/>
+                  <a:pt x="7524" y="5298"/>
+                  <a:pt x="9958" y="5291"/>
+                </a:cubicBezTo>
+                <a:cubicBezTo>
+                  <a:pt x="9989" y="1958"/>
+                  <a:pt x="9969" y="3333"/>
+                  <a:pt x="10000" y="0"/>
+                </a:cubicBezTo>
+                <a:lnTo>
+                  <a:pt x="10000" y="0"/>
+                </a:lnTo>
+                <a:lnTo>
+                  <a:pt x="9667" y="204"/>
+                </a:lnTo>
+                <a:lnTo>
+                  <a:pt x="9334" y="400"/>
+                </a:lnTo>
+                <a:lnTo>
+                  <a:pt x="9001" y="590"/>
+                </a:lnTo>
+                <a:lnTo>
+                  <a:pt x="8667" y="753"/>
+                </a:lnTo>
+                <a:lnTo>
+                  <a:pt x="8333" y="917"/>
+                </a:lnTo>
+                <a:lnTo>
+                  <a:pt x="7999" y="1071"/>
+                </a:lnTo>
+                <a:lnTo>
+                  <a:pt x="7669" y="1202"/>
+                </a:lnTo>
+                <a:lnTo>
+                  <a:pt x="7333" y="1325"/>
+                </a:lnTo>
+                <a:lnTo>
+                  <a:pt x="7000" y="1440"/>
+                </a:lnTo>
+                <a:lnTo>
+                  <a:pt x="6673" y="1538"/>
+                </a:lnTo>
+                <a:lnTo>
+                  <a:pt x="6340" y="1636"/>
+                </a:lnTo>
+                <a:lnTo>
+                  <a:pt x="6013" y="1719"/>
+                </a:lnTo>
+                <a:lnTo>
+                  <a:pt x="5686" y="1784"/>
+                </a:lnTo>
+                <a:lnTo>
+                  <a:pt x="5359" y="1850"/>
+                </a:lnTo>
+                <a:lnTo>
+                  <a:pt x="5036" y="1906"/>
+                </a:lnTo>
+                <a:lnTo>
+                  <a:pt x="4717" y="1948"/>
+                </a:lnTo>
+                <a:lnTo>
+                  <a:pt x="4396" y="1980"/>
+                </a:lnTo>
+                <a:lnTo>
+                  <a:pt x="4079" y="2013"/>
+                </a:lnTo>
+                <a:lnTo>
+                  <a:pt x="3766" y="2029"/>
+                </a:lnTo>
+                <a:lnTo>
+                  <a:pt x="3454" y="2046"/>
+                </a:lnTo>
+                <a:lnTo>
+                  <a:pt x="3145" y="2053"/>
+                </a:lnTo>
+                <a:lnTo>
+                  <a:pt x="2839" y="2046"/>
+                </a:lnTo>
+                <a:lnTo>
+                  <a:pt x="2537" y="2046"/>
+                </a:lnTo>
+                <a:lnTo>
+                  <a:pt x="2238" y="2029"/>
+                </a:lnTo>
+                <a:lnTo>
+                  <a:pt x="1943" y="2004"/>
+                </a:lnTo>
+                <a:lnTo>
+                  <a:pt x="1653" y="1980"/>
+                </a:lnTo>
+                <a:lnTo>
+                  <a:pt x="1368" y="1955"/>
+                </a:lnTo>
+                <a:lnTo>
+                  <a:pt x="1085" y="1915"/>
+                </a:lnTo>
+                <a:lnTo>
+                  <a:pt x="806" y="1873"/>
+                </a:lnTo>
+                <a:lnTo>
+                  <a:pt x="533" y="1833"/>
+                </a:lnTo>
+                <a:lnTo>
+                  <a:pt x="0" y="1726"/>
+                </a:lnTo>
+                <a:cubicBezTo>
+                  <a:pt x="28" y="1995"/>
+                  <a:pt x="57" y="2263"/>
+                  <a:pt x="85" y="2532"/>
+                </a:cubicBezTo>
+                <a:close/>
+              </a:path>
+            </a:pathLst>
+          </a:custGeom>
+          <a:solidFill>
+            <a:schemeClr val="tx1">
+              <a:alpha val="20000"/>
+            </a:schemeClr>
+          </a:solidFill>
+          <a:ln>
+            <a:noFill/>
+          </a:ln>
+        </p:spPr>
+      </p:sp>
+    </p:spTree>
+    <p:extLst>
+      <p:ext uri="{BB962C8B-B14F-4D97-AF65-F5344CB8AC3E}">
+        <p14:creationId xmlns:p14="http://schemas.microsoft.com/office/powerpoint/2010/main" val="3819606851"/>
+      </p:ext>
+    </p:extLst>
+  </p:cSld>
+  <p:clrMapOvr>
+    <a:overrideClrMapping bg1="dk1" tx1="lt1" bg2="dk2" tx2="lt2" accent1="accent1" accent2="accent2" accent3="accent3" accent4="accent4" accent5="accent5" accent6="accent6" hlink="hlink" folHlink="folHlink"/>
+  </p:clrMapOvr>
+</p:sld>
+</file>
+
+<file path=ppt/slides/slide19.xml><?xml version="1.0" encoding="utf-8"?>
+<p:sld xmlns:a="http://schemas.openxmlformats.org/drawingml/2006/main" xmlns:r="http://schemas.openxmlformats.org/officeDocument/2006/relationships" xmlns:p="http://schemas.openxmlformats.org/presentationml/2006/main">
+  <p:cSld>
+    <p:bg>
+      <p:bgPr>
+        <a:solidFill>
+          <a:schemeClr val="bg1"/>
+        </a:solidFill>
+        <a:effectLst/>
+      </p:bgPr>
+    </p:bg>
+    <p:spTree>
+      <p:nvGrpSpPr>
+        <p:cNvPr id="1" name=""/>
+        <p:cNvGrpSpPr/>
+        <p:nvPr/>
+      </p:nvGrpSpPr>
+      <p:grpSpPr>
+        <a:xfrm>
+          <a:off x="0" y="0"/>
+          <a:ext cx="0" cy="0"/>
+          <a:chOff x="0" y="0"/>
+          <a:chExt cx="0" cy="0"/>
+        </a:xfrm>
+      </p:grpSpPr>
+      <p:grpSp>
+        <p:nvGrpSpPr>
+          <p:cNvPr id="90" name="Group 89">
+            <a:extLst>
+              <a:ext uri="{FF2B5EF4-FFF2-40B4-BE49-F238E27FC236}">
+                <a16:creationId xmlns:a16="http://schemas.microsoft.com/office/drawing/2014/main" id="{DDA34B8A-FA8D-4E16-AD72-7B60B1C2582A}"/>
+              </a:ext>
+              <a:ext uri="{C183D7F6-B498-43B3-948B-1728B52AA6E4}">
+                <adec:decorative xmlns:adec="http://schemas.microsoft.com/office/drawing/2017/decorative" val="1"/>
+              </a:ext>
+            </a:extLst>
+          </p:cNvPr>
+          <p:cNvGrpSpPr>
+            <a:grpSpLocks noGrp="1" noUngrp="1" noRot="1" noChangeAspect="1" noMove="1" noResize="1"/>
+          </p:cNvGrpSpPr>
+          <p:nvPr>
+            <p:extLst>
+              <p:ext uri="{386F3935-93C4-4BCD-93E2-E3B085C9AB24}">
+                <p16:designElem xmlns:p16="http://schemas.microsoft.com/office/powerpoint/2015/main" val="1"/>
+              </p:ext>
+            </p:extLst>
+          </p:nvPr>
+        </p:nvGrpSpPr>
+        <p:grpSpPr>
+          <a:xfrm>
+            <a:off x="0" y="0"/>
+            <a:ext cx="12192000" cy="6858000"/>
+            <a:chOff x="0" y="0"/>
+            <a:chExt cx="12192000" cy="6858000"/>
+          </a:xfrm>
+        </p:grpSpPr>
+        <p:sp>
+          <p:nvSpPr>
+            <p:cNvPr id="91" name="Rectangle 90">
+              <a:extLst>
+                <a:ext uri="{FF2B5EF4-FFF2-40B4-BE49-F238E27FC236}">
+                  <a16:creationId xmlns:a16="http://schemas.microsoft.com/office/drawing/2014/main" id="{6885D229-60DD-4D71-8181-10E781C14917}"/>
+                </a:ext>
+                <a:ext uri="{C183D7F6-B498-43B3-948B-1728B52AA6E4}">
+                  <adec:decorative xmlns:adec="http://schemas.microsoft.com/office/drawing/2017/decorative" val="1"/>
+                </a:ext>
+              </a:extLst>
+            </p:cNvPr>
+            <p:cNvSpPr/>
+            <p:nvPr>
+              <p:extLst>
+                <p:ext uri="{386F3935-93C4-4BCD-93E2-E3B085C9AB24}">
+                  <p16:designElem xmlns:p16="http://schemas.microsoft.com/office/powerpoint/2015/main" val="1"/>
+                </p:ext>
+              </p:extLst>
+            </p:nvPr>
+          </p:nvSpPr>
+          <p:spPr>
+            <a:xfrm>
+              <a:off x="0" y="0"/>
+              <a:ext cx="12192000" cy="6858000"/>
+            </a:xfrm>
+            <a:prstGeom prst="rect">
+              <a:avLst/>
+            </a:prstGeom>
+            <a:blipFill>
+              <a:blip r:embed="rId2">
+                <a:duotone>
+                  <a:schemeClr val="dk2">
+                    <a:shade val="69000"/>
+                    <a:hueMod val="91000"/>
+                    <a:satMod val="164000"/>
+                    <a:lumMod val="74000"/>
+                  </a:schemeClr>
+                  <a:schemeClr val="dk2">
+                    <a:hueMod val="124000"/>
+                    <a:satMod val="140000"/>
+                    <a:lumMod val="142000"/>
+                  </a:schemeClr>
+                </a:duotone>
+              </a:blip>
+              <a:stretch>
+                <a:fillRect/>
+              </a:stretch>
+            </a:blipFill>
+            <a:ln>
+              <a:noFill/>
+            </a:ln>
+          </p:spPr>
+          <p:style>
+            <a:lnRef idx="2">
+              <a:schemeClr val="accent1">
+                <a:shade val="50000"/>
+              </a:schemeClr>
+            </a:lnRef>
+            <a:fillRef idx="1">
+              <a:schemeClr val="accent1"/>
+            </a:fillRef>
+            <a:effectRef idx="0">
+              <a:schemeClr val="accent1"/>
+            </a:effectRef>
+            <a:fontRef idx="minor">
+              <a:schemeClr val="lt1"/>
+            </a:fontRef>
+          </p:style>
+        </p:sp>
+        <p:sp>
+          <p:nvSpPr>
+            <p:cNvPr id="92" name="Oval 91">
+              <a:extLst>
+                <a:ext uri="{FF2B5EF4-FFF2-40B4-BE49-F238E27FC236}">
+                  <a16:creationId xmlns:a16="http://schemas.microsoft.com/office/drawing/2014/main" id="{0B0DAA45-BE66-4F0C-93A6-519D941071F9}"/>
+                </a:ext>
+                <a:ext uri="{C183D7F6-B498-43B3-948B-1728B52AA6E4}">
+                  <adec:decorative xmlns:adec="http://schemas.microsoft.com/office/drawing/2017/decorative" val="1"/>
+                </a:ext>
+              </a:extLst>
+            </p:cNvPr>
+            <p:cNvSpPr/>
+            <p:nvPr>
+              <p:extLst>
+                <p:ext uri="{386F3935-93C4-4BCD-93E2-E3B085C9AB24}">
+                  <p16:designElem xmlns:p16="http://schemas.microsoft.com/office/powerpoint/2015/main" val="1"/>
+                </p:ext>
+              </p:extLst>
+            </p:nvPr>
+          </p:nvSpPr>
+          <p:spPr>
+            <a:xfrm>
+              <a:off x="0" y="2667000"/>
+              <a:ext cx="4191000" cy="4191000"/>
+            </a:xfrm>
+            <a:prstGeom prst="ellipse">
+              <a:avLst/>
+            </a:prstGeom>
+            <a:gradFill flip="none" rotWithShape="1">
+              <a:gsLst>
+                <a:gs pos="0">
+                  <a:schemeClr val="accent5">
+                    <a:alpha val="11000"/>
+                  </a:schemeClr>
+                </a:gs>
+                <a:gs pos="75000">
+                  <a:schemeClr val="accent5">
+                    <a:alpha val="0"/>
+                  </a:schemeClr>
+                </a:gs>
+                <a:gs pos="36000">
+                  <a:schemeClr val="accent5">
+                    <a:alpha val="10000"/>
+                  </a:schemeClr>
+                </a:gs>
+              </a:gsLst>
+              <a:path path="circle">
+                <a:fillToRect l="50000" t="50000" r="50000" b="50000"/>
+              </a:path>
+              <a:tileRect/>
+            </a:gradFill>
+            <a:ln>
+              <a:noFill/>
+            </a:ln>
+            <a:effectLst/>
+          </p:spPr>
+          <p:style>
+            <a:lnRef idx="1">
+              <a:schemeClr val="accent1"/>
+            </a:lnRef>
+            <a:fillRef idx="3">
+              <a:schemeClr val="accent1"/>
+            </a:fillRef>
+            <a:effectRef idx="2">
+              <a:schemeClr val="accent1"/>
+            </a:effectRef>
+            <a:fontRef idx="minor">
+              <a:schemeClr val="lt1"/>
+            </a:fontRef>
+          </p:style>
+        </p:sp>
+        <p:sp>
+          <p:nvSpPr>
+            <p:cNvPr id="93" name="Oval 92">
+              <a:extLst>
+                <a:ext uri="{FF2B5EF4-FFF2-40B4-BE49-F238E27FC236}">
+                  <a16:creationId xmlns:a16="http://schemas.microsoft.com/office/drawing/2014/main" id="{EF449A3D-A43B-4688-BD89-35734D00725B}"/>
+                </a:ext>
+                <a:ext uri="{C183D7F6-B498-43B3-948B-1728B52AA6E4}">
+                  <adec:decorative xmlns:adec="http://schemas.microsoft.com/office/drawing/2017/decorative" val="1"/>
+                </a:ext>
+              </a:extLst>
+            </p:cNvPr>
+            <p:cNvSpPr/>
+            <p:nvPr>
+              <p:extLst>
+                <p:ext uri="{386F3935-93C4-4BCD-93E2-E3B085C9AB24}">
+                  <p16:designElem xmlns:p16="http://schemas.microsoft.com/office/powerpoint/2015/main" val="1"/>
+                </p:ext>
+              </p:extLst>
+            </p:nvPr>
+          </p:nvSpPr>
+          <p:spPr>
+            <a:xfrm>
+              <a:off x="0" y="2895600"/>
+              <a:ext cx="2362200" cy="2362200"/>
+            </a:xfrm>
+            <a:prstGeom prst="ellipse">
+              <a:avLst/>
+            </a:prstGeom>
+            <a:gradFill flip="none" rotWithShape="1">
+              <a:gsLst>
+                <a:gs pos="0">
+                  <a:schemeClr val="accent5">
+                    <a:alpha val="8000"/>
+                  </a:schemeClr>
+                </a:gs>
+                <a:gs pos="72000">
+                  <a:schemeClr val="accent5">
+                    <a:alpha val="0"/>
+                  </a:schemeClr>
+                </a:gs>
+                <a:gs pos="36000">
+                  <a:schemeClr val="accent5">
+                    <a:alpha val="8000"/>
+                  </a:schemeClr>
+                </a:gs>
+              </a:gsLst>
+              <a:path path="circle">
+                <a:fillToRect l="50000" t="50000" r="50000" b="50000"/>
+              </a:path>
+              <a:tileRect/>
+            </a:gradFill>
+            <a:ln>
+              <a:noFill/>
+            </a:ln>
+            <a:effectLst/>
+          </p:spPr>
+          <p:style>
+            <a:lnRef idx="1">
+              <a:schemeClr val="accent1"/>
+            </a:lnRef>
+            <a:fillRef idx="3">
+              <a:schemeClr val="accent1"/>
+            </a:fillRef>
+            <a:effectRef idx="2">
+              <a:schemeClr val="accent1"/>
+            </a:effectRef>
+            <a:fontRef idx="minor">
+              <a:schemeClr val="lt1"/>
+            </a:fontRef>
+          </p:style>
+        </p:sp>
+        <p:sp>
+          <p:nvSpPr>
+            <p:cNvPr id="94" name="Oval 93">
+              <a:extLst>
+                <a:ext uri="{FF2B5EF4-FFF2-40B4-BE49-F238E27FC236}">
+                  <a16:creationId xmlns:a16="http://schemas.microsoft.com/office/drawing/2014/main" id="{74E9975C-AF3D-48EF-B3F0-112A01A3820B}"/>
+                </a:ext>
+                <a:ext uri="{C183D7F6-B498-43B3-948B-1728B52AA6E4}">
+                  <adec:decorative xmlns:adec="http://schemas.microsoft.com/office/drawing/2017/decorative" val="1"/>
+                </a:ext>
+              </a:extLst>
+            </p:cNvPr>
+            <p:cNvSpPr/>
+            <p:nvPr>
+              <p:extLst>
+                <p:ext uri="{386F3935-93C4-4BCD-93E2-E3B085C9AB24}">
+                  <p16:designElem xmlns:p16="http://schemas.microsoft.com/office/powerpoint/2015/main" val="1"/>
+                </p:ext>
+              </p:extLst>
+            </p:nvPr>
+          </p:nvSpPr>
+          <p:spPr>
+            <a:xfrm>
+              <a:off x="8609012" y="5867400"/>
+              <a:ext cx="990600" cy="990600"/>
+            </a:xfrm>
+            <a:prstGeom prst="ellipse">
+              <a:avLst/>
+            </a:prstGeom>
+            <a:gradFill flip="none" rotWithShape="1">
+              <a:gsLst>
+                <a:gs pos="0">
+                  <a:schemeClr val="accent5">
+                    <a:alpha val="14000"/>
+                  </a:schemeClr>
+                </a:gs>
+                <a:gs pos="66000">
+                  <a:schemeClr val="accent5">
+                    <a:alpha val="0"/>
+                  </a:schemeClr>
+                </a:gs>
+                <a:gs pos="36000">
+                  <a:schemeClr val="accent5">
+                    <a:alpha val="7000"/>
+                  </a:schemeClr>
+                </a:gs>
+              </a:gsLst>
+              <a:path path="circle">
+                <a:fillToRect l="50000" t="50000" r="50000" b="50000"/>
+              </a:path>
+              <a:tileRect/>
+            </a:gradFill>
+            <a:ln>
+              <a:noFill/>
+            </a:ln>
+            <a:effectLst/>
+          </p:spPr>
+          <p:style>
+            <a:lnRef idx="1">
+              <a:schemeClr val="accent1"/>
+            </a:lnRef>
+            <a:fillRef idx="3">
+              <a:schemeClr val="accent1"/>
+            </a:fillRef>
+            <a:effectRef idx="2">
+              <a:schemeClr val="accent1"/>
+            </a:effectRef>
+            <a:fontRef idx="minor">
+              <a:schemeClr val="lt1"/>
+            </a:fontRef>
+          </p:style>
+        </p:sp>
+        <p:sp>
+          <p:nvSpPr>
+            <p:cNvPr id="95" name="Oval 94">
+              <a:extLst>
+                <a:ext uri="{FF2B5EF4-FFF2-40B4-BE49-F238E27FC236}">
+                  <a16:creationId xmlns:a16="http://schemas.microsoft.com/office/drawing/2014/main" id="{CF00A076-2FEA-40D1-8F85-84248179796B}"/>
+                </a:ext>
+                <a:ext uri="{C183D7F6-B498-43B3-948B-1728B52AA6E4}">
+                  <adec:decorative xmlns:adec="http://schemas.microsoft.com/office/drawing/2017/decorative" val="1"/>
+                </a:ext>
+              </a:extLst>
+            </p:cNvPr>
+            <p:cNvSpPr/>
+            <p:nvPr>
+              <p:extLst>
+                <p:ext uri="{386F3935-93C4-4BCD-93E2-E3B085C9AB24}">
+                  <p16:designElem xmlns:p16="http://schemas.microsoft.com/office/powerpoint/2015/main" val="1"/>
+                </p:ext>
+              </p:extLst>
+            </p:nvPr>
+          </p:nvSpPr>
+          <p:spPr>
+            <a:xfrm>
+              <a:off x="8609012" y="1676400"/>
+              <a:ext cx="2819400" cy="2819400"/>
+            </a:xfrm>
+            <a:prstGeom prst="ellipse">
+              <a:avLst/>
+            </a:prstGeom>
+            <a:gradFill flip="none" rotWithShape="1">
+              <a:gsLst>
+                <a:gs pos="0">
+                  <a:schemeClr val="accent5">
+                    <a:alpha val="7000"/>
+                  </a:schemeClr>
+                </a:gs>
+                <a:gs pos="69000">
+                  <a:schemeClr val="accent5">
+                    <a:alpha val="0"/>
+                  </a:schemeClr>
+                </a:gs>
+                <a:gs pos="36000">
+                  <a:schemeClr val="accent5">
+                    <a:alpha val="6000"/>
+                  </a:schemeClr>
+                </a:gs>
+              </a:gsLst>
+              <a:path path="circle">
+                <a:fillToRect l="50000" t="50000" r="50000" b="50000"/>
+              </a:path>
+              <a:tileRect/>
+            </a:gradFill>
+            <a:ln>
+              <a:noFill/>
+            </a:ln>
+            <a:effectLst/>
+          </p:spPr>
+          <p:style>
+            <a:lnRef idx="1">
+              <a:schemeClr val="accent1"/>
+            </a:lnRef>
+            <a:fillRef idx="3">
+              <a:schemeClr val="accent1"/>
+            </a:fillRef>
+            <a:effectRef idx="2">
+              <a:schemeClr val="accent1"/>
+            </a:effectRef>
+            <a:fontRef idx="minor">
+              <a:schemeClr val="lt1"/>
+            </a:fontRef>
+          </p:style>
+        </p:sp>
+        <p:sp>
+          <p:nvSpPr>
+            <p:cNvPr id="96" name="Oval 95">
+              <a:extLst>
+                <a:ext uri="{FF2B5EF4-FFF2-40B4-BE49-F238E27FC236}">
+                  <a16:creationId xmlns:a16="http://schemas.microsoft.com/office/drawing/2014/main" id="{A2E68741-6133-4CAA-BF3C-F0E6CF40C5B7}"/>
+                </a:ext>
+                <a:ext uri="{C183D7F6-B498-43B3-948B-1728B52AA6E4}">
+                  <adec:decorative xmlns:adec="http://schemas.microsoft.com/office/drawing/2017/decorative" val="1"/>
+                </a:ext>
+              </a:extLst>
+            </p:cNvPr>
+            <p:cNvSpPr/>
+            <p:nvPr>
+              <p:extLst>
+                <p:ext uri="{386F3935-93C4-4BCD-93E2-E3B085C9AB24}">
+                  <p16:designElem xmlns:p16="http://schemas.microsoft.com/office/powerpoint/2015/main" val="1"/>
+                </p:ext>
+              </p:extLst>
+            </p:nvPr>
+          </p:nvSpPr>
+          <p:spPr>
+            <a:xfrm>
+              <a:off x="7999412" y="8464"/>
+              <a:ext cx="1600200" cy="1600200"/>
+            </a:xfrm>
+            <a:prstGeom prst="ellipse">
+              <a:avLst/>
+            </a:prstGeom>
+            <a:gradFill flip="none" rotWithShape="1">
+              <a:gsLst>
+                <a:gs pos="0">
+                  <a:schemeClr val="accent5">
+                    <a:alpha val="14000"/>
+                  </a:schemeClr>
+                </a:gs>
+                <a:gs pos="73000">
+                  <a:schemeClr val="accent5">
+                    <a:alpha val="0"/>
+                  </a:schemeClr>
+                </a:gs>
+                <a:gs pos="36000">
+                  <a:schemeClr val="accent5">
+                    <a:alpha val="7000"/>
+                  </a:schemeClr>
+                </a:gs>
+              </a:gsLst>
+              <a:path path="circle">
+                <a:fillToRect l="50000" t="50000" r="50000" b="50000"/>
+              </a:path>
+              <a:tileRect/>
+            </a:gradFill>
+            <a:ln>
+              <a:noFill/>
+            </a:ln>
+            <a:effectLst/>
+          </p:spPr>
+          <p:style>
+            <a:lnRef idx="1">
+              <a:schemeClr val="accent1"/>
+            </a:lnRef>
+            <a:fillRef idx="3">
+              <a:schemeClr val="accent1"/>
+            </a:fillRef>
+            <a:effectRef idx="2">
+              <a:schemeClr val="accent1"/>
+            </a:effectRef>
+            <a:fontRef idx="minor">
+              <a:schemeClr val="lt1"/>
+            </a:fontRef>
+          </p:style>
+        </p:sp>
+        <p:sp>
+          <p:nvSpPr>
+            <p:cNvPr id="97" name="Freeform 5">
+              <a:extLst>
+                <a:ext uri="{FF2B5EF4-FFF2-40B4-BE49-F238E27FC236}">
+                  <a16:creationId xmlns:a16="http://schemas.microsoft.com/office/drawing/2014/main" id="{76C01C64-4A8B-42FC-93C5-2D6A3EBAB74B}"/>
+                </a:ext>
+                <a:ext uri="{C183D7F6-B498-43B3-948B-1728B52AA6E4}">
+                  <adec:decorative xmlns:adec="http://schemas.microsoft.com/office/drawing/2017/decorative" val="1"/>
+                </a:ext>
+              </a:extLst>
+            </p:cNvPr>
+            <p:cNvSpPr/>
+            <p:nvPr>
+              <p:extLst>
+                <p:ext uri="{386F3935-93C4-4BCD-93E2-E3B085C9AB24}">
+                  <p16:designElem xmlns:p16="http://schemas.microsoft.com/office/powerpoint/2015/main" val="1"/>
+                </p:ext>
+              </p:extLst>
+            </p:nvPr>
+          </p:nvSpPr>
+          <p:spPr bwMode="gray">
+            <a:xfrm rot="21010068">
+              <a:off x="8490951" y="1797517"/>
+              <a:ext cx="3299407" cy="440924"/>
+            </a:xfrm>
+            <a:custGeom>
+              <a:avLst/>
+              <a:gdLst/>
+              <a:ahLst/>
+              <a:cxnLst/>
+              <a:rect l="l" t="t" r="r" b="b"/>
+              <a:pathLst>
+                <a:path w="10000" h="5291">
+                  <a:moveTo>
+                    <a:pt x="85" y="2532"/>
+                  </a:moveTo>
+                  <a:cubicBezTo>
+                    <a:pt x="1736" y="3911"/>
+                    <a:pt x="7524" y="5298"/>
+                    <a:pt x="9958" y="5291"/>
+                  </a:cubicBezTo>
+                  <a:cubicBezTo>
+                    <a:pt x="9989" y="1958"/>
+                    <a:pt x="9969" y="3333"/>
+                    <a:pt x="10000" y="0"/>
+                  </a:cubicBezTo>
+                  <a:lnTo>
+                    <a:pt x="10000" y="0"/>
+                  </a:lnTo>
+                  <a:lnTo>
+                    <a:pt x="9667" y="204"/>
+                  </a:lnTo>
+                  <a:lnTo>
+                    <a:pt x="9334" y="400"/>
+                  </a:lnTo>
+                  <a:lnTo>
+                    <a:pt x="9001" y="590"/>
+                  </a:lnTo>
+                  <a:lnTo>
+                    <a:pt x="8667" y="753"/>
+                  </a:lnTo>
+                  <a:lnTo>
+                    <a:pt x="8333" y="917"/>
+                  </a:lnTo>
+                  <a:lnTo>
+                    <a:pt x="7999" y="1071"/>
+                  </a:lnTo>
+                  <a:lnTo>
+                    <a:pt x="7669" y="1202"/>
+                  </a:lnTo>
+                  <a:lnTo>
+                    <a:pt x="7333" y="1325"/>
+                  </a:lnTo>
+                  <a:lnTo>
+                    <a:pt x="7000" y="1440"/>
+                  </a:lnTo>
+                  <a:lnTo>
+                    <a:pt x="6673" y="1538"/>
+                  </a:lnTo>
+                  <a:lnTo>
+                    <a:pt x="6340" y="1636"/>
+                  </a:lnTo>
+                  <a:lnTo>
+                    <a:pt x="6013" y="1719"/>
+                  </a:lnTo>
+                  <a:lnTo>
+                    <a:pt x="5686" y="1784"/>
+                  </a:lnTo>
+                  <a:lnTo>
+                    <a:pt x="5359" y="1850"/>
+                  </a:lnTo>
+                  <a:lnTo>
+                    <a:pt x="5036" y="1906"/>
+                  </a:lnTo>
+                  <a:lnTo>
+                    <a:pt x="4717" y="1948"/>
+                  </a:lnTo>
+                  <a:lnTo>
+                    <a:pt x="4396" y="1980"/>
+                  </a:lnTo>
+                  <a:lnTo>
+                    <a:pt x="4079" y="2013"/>
+                  </a:lnTo>
+                  <a:lnTo>
+                    <a:pt x="3766" y="2029"/>
+                  </a:lnTo>
+                  <a:lnTo>
+                    <a:pt x="3454" y="2046"/>
+                  </a:lnTo>
+                  <a:lnTo>
+                    <a:pt x="3145" y="2053"/>
+                  </a:lnTo>
+                  <a:lnTo>
+                    <a:pt x="2839" y="2046"/>
+                  </a:lnTo>
+                  <a:lnTo>
+                    <a:pt x="2537" y="2046"/>
+                  </a:lnTo>
+                  <a:lnTo>
+                    <a:pt x="2238" y="2029"/>
+                  </a:lnTo>
+                  <a:lnTo>
+                    <a:pt x="1943" y="2004"/>
+                  </a:lnTo>
+                  <a:lnTo>
+                    <a:pt x="1653" y="1980"/>
+                  </a:lnTo>
+                  <a:lnTo>
+                    <a:pt x="1368" y="1955"/>
+                  </a:lnTo>
+                  <a:lnTo>
+                    <a:pt x="1085" y="1915"/>
+                  </a:lnTo>
+                  <a:lnTo>
+                    <a:pt x="806" y="1873"/>
+                  </a:lnTo>
+                  <a:lnTo>
+                    <a:pt x="533" y="1833"/>
+                  </a:lnTo>
+                  <a:lnTo>
+                    <a:pt x="0" y="1726"/>
+                  </a:lnTo>
+                  <a:cubicBezTo>
+                    <a:pt x="28" y="1995"/>
+                    <a:pt x="57" y="2263"/>
+                    <a:pt x="85" y="2532"/>
+                  </a:cubicBezTo>
+                  <a:close/>
+                </a:path>
+              </a:pathLst>
+            </a:custGeom>
+            <a:solidFill>
+              <a:schemeClr val="bg1">
+                <a:alpha val="20000"/>
+              </a:schemeClr>
+            </a:solidFill>
+            <a:ln>
+              <a:noFill/>
+            </a:ln>
+          </p:spPr>
+        </p:sp>
+        <p:sp>
+          <p:nvSpPr>
+            <p:cNvPr id="98" name="Freeform 5">
+              <a:extLst>
+                <a:ext uri="{FF2B5EF4-FFF2-40B4-BE49-F238E27FC236}">
+                  <a16:creationId xmlns:a16="http://schemas.microsoft.com/office/drawing/2014/main" id="{D969AEA9-C1EE-45E1-9964-D9705492E128}"/>
+                </a:ext>
+                <a:ext uri="{C183D7F6-B498-43B3-948B-1728B52AA6E4}">
+                  <adec:decorative xmlns:adec="http://schemas.microsoft.com/office/drawing/2017/decorative" val="1"/>
+                </a:ext>
+              </a:extLst>
+            </p:cNvPr>
+            <p:cNvSpPr/>
+            <p:nvPr>
+              <p:extLst>
+                <p:ext uri="{386F3935-93C4-4BCD-93E2-E3B085C9AB24}">
+                  <p16:designElem xmlns:p16="http://schemas.microsoft.com/office/powerpoint/2015/main" val="1"/>
+                </p:ext>
+              </p:extLst>
+            </p:nvPr>
+          </p:nvSpPr>
+          <p:spPr bwMode="gray">
+            <a:xfrm>
+              <a:off x="459506" y="1866405"/>
+              <a:ext cx="11277600" cy="4533900"/>
+            </a:xfrm>
+            <a:custGeom>
+              <a:avLst/>
+              <a:gdLst/>
+              <a:ahLst/>
+              <a:cxnLst/>
+              <a:rect l="0" t="0" r="r" b="b"/>
+              <a:pathLst>
+                <a:path w="7104" h="2856">
+                  <a:moveTo>
+                    <a:pt x="0" y="0"/>
+                  </a:moveTo>
+                  <a:lnTo>
+                    <a:pt x="0" y="2856"/>
+                  </a:lnTo>
+                  <a:lnTo>
+                    <a:pt x="7104" y="2856"/>
+                  </a:lnTo>
+                  <a:lnTo>
+                    <a:pt x="7104" y="1"/>
+                  </a:lnTo>
+                  <a:lnTo>
+                    <a:pt x="7104" y="1"/>
+                  </a:lnTo>
+                  <a:lnTo>
+                    <a:pt x="6943" y="26"/>
+                  </a:lnTo>
+                  <a:lnTo>
+                    <a:pt x="6782" y="50"/>
+                  </a:lnTo>
+                  <a:lnTo>
+                    <a:pt x="6621" y="73"/>
+                  </a:lnTo>
+                  <a:lnTo>
+                    <a:pt x="6459" y="93"/>
+                  </a:lnTo>
+                  <a:lnTo>
+                    <a:pt x="6298" y="113"/>
+                  </a:lnTo>
+                  <a:lnTo>
+                    <a:pt x="6136" y="132"/>
+                  </a:lnTo>
+                  <a:lnTo>
+                    <a:pt x="5976" y="148"/>
+                  </a:lnTo>
+                  <a:lnTo>
+                    <a:pt x="5814" y="163"/>
+                  </a:lnTo>
+                  <a:lnTo>
+                    <a:pt x="5653" y="177"/>
+                  </a:lnTo>
+                  <a:lnTo>
+                    <a:pt x="5494" y="189"/>
+                  </a:lnTo>
+                  <a:lnTo>
+                    <a:pt x="5334" y="201"/>
+                  </a:lnTo>
+                  <a:lnTo>
+                    <a:pt x="5175" y="211"/>
+                  </a:lnTo>
+                  <a:lnTo>
+                    <a:pt x="5017" y="219"/>
+                  </a:lnTo>
+                  <a:lnTo>
+                    <a:pt x="4859" y="227"/>
+                  </a:lnTo>
+                  <a:lnTo>
+                    <a:pt x="4703" y="234"/>
+                  </a:lnTo>
+                  <a:lnTo>
+                    <a:pt x="4548" y="239"/>
+                  </a:lnTo>
+                  <a:lnTo>
+                    <a:pt x="4393" y="243"/>
+                  </a:lnTo>
+                  <a:lnTo>
+                    <a:pt x="4240" y="247"/>
+                  </a:lnTo>
+                  <a:lnTo>
+                    <a:pt x="4088" y="249"/>
+                  </a:lnTo>
+                  <a:lnTo>
+                    <a:pt x="3937" y="251"/>
+                  </a:lnTo>
+                  <a:lnTo>
+                    <a:pt x="3788" y="252"/>
+                  </a:lnTo>
+                  <a:lnTo>
+                    <a:pt x="3640" y="251"/>
+                  </a:lnTo>
+                  <a:lnTo>
+                    <a:pt x="3494" y="251"/>
+                  </a:lnTo>
+                  <a:lnTo>
+                    <a:pt x="3349" y="249"/>
+                  </a:lnTo>
+                  <a:lnTo>
+                    <a:pt x="3207" y="246"/>
+                  </a:lnTo>
+                  <a:lnTo>
+                    <a:pt x="3066" y="243"/>
+                  </a:lnTo>
+                  <a:lnTo>
+                    <a:pt x="2928" y="240"/>
+                  </a:lnTo>
+                  <a:lnTo>
+                    <a:pt x="2791" y="235"/>
+                  </a:lnTo>
+                  <a:lnTo>
+                    <a:pt x="2656" y="230"/>
+                  </a:lnTo>
+                  <a:lnTo>
+                    <a:pt x="2524" y="225"/>
+                  </a:lnTo>
+                  <a:lnTo>
+                    <a:pt x="2266" y="212"/>
+                  </a:lnTo>
+                  <a:lnTo>
+                    <a:pt x="2019" y="198"/>
+                  </a:lnTo>
+                  <a:lnTo>
+                    <a:pt x="1782" y="183"/>
+                  </a:lnTo>
+                  <a:lnTo>
+                    <a:pt x="1557" y="167"/>
+                  </a:lnTo>
+                  <a:lnTo>
+                    <a:pt x="1343" y="150"/>
+                  </a:lnTo>
+                  <a:lnTo>
+                    <a:pt x="1144" y="132"/>
+                  </a:lnTo>
+                  <a:lnTo>
+                    <a:pt x="957" y="114"/>
+                  </a:lnTo>
+                  <a:lnTo>
+                    <a:pt x="785" y="96"/>
+                  </a:lnTo>
+                  <a:lnTo>
+                    <a:pt x="627" y="79"/>
+                  </a:lnTo>
+                  <a:lnTo>
+                    <a:pt x="487" y="63"/>
+                  </a:lnTo>
+                  <a:lnTo>
+                    <a:pt x="361" y="48"/>
+                  </a:lnTo>
+                  <a:lnTo>
+                    <a:pt x="254" y="35"/>
+                  </a:lnTo>
+                  <a:lnTo>
+                    <a:pt x="165" y="23"/>
+                  </a:lnTo>
+                  <a:lnTo>
+                    <a:pt x="42" y="6"/>
+                  </a:lnTo>
+                  <a:lnTo>
+                    <a:pt x="0" y="0"/>
+                  </a:lnTo>
+                  <a:lnTo>
+                    <a:pt x="0" y="0"/>
+                  </a:lnTo>
+                  <a:close/>
+                </a:path>
+              </a:pathLst>
+            </a:custGeom>
+            <a:solidFill>
+              <a:schemeClr val="bg1"/>
+            </a:solidFill>
+            <a:ln>
+              <a:noFill/>
+            </a:ln>
+          </p:spPr>
+        </p:sp>
+        <p:sp>
+          <p:nvSpPr>
+            <p:cNvPr id="99" name="Freeform 5">
+              <a:extLst>
+                <a:ext uri="{FF2B5EF4-FFF2-40B4-BE49-F238E27FC236}">
+                  <a16:creationId xmlns:a16="http://schemas.microsoft.com/office/drawing/2014/main" id="{4845E67D-4E5B-44B3-AB74-5E95C839E7A5}"/>
+                </a:ext>
+                <a:ext uri="{C183D7F6-B498-43B3-948B-1728B52AA6E4}">
+                  <adec:decorative xmlns:adec="http://schemas.microsoft.com/office/drawing/2017/decorative" val="1"/>
+                </a:ext>
+              </a:extLst>
+            </p:cNvPr>
+            <p:cNvSpPr>
+              <a:spLocks noEditPoints="1"/>
+            </p:cNvSpPr>
+            <p:nvPr>
+              <p:extLst>
+                <p:ext uri="{386F3935-93C4-4BCD-93E2-E3B085C9AB24}">
+                  <p16:designElem xmlns:p16="http://schemas.microsoft.com/office/powerpoint/2015/main" val="1"/>
+                </p:ext>
+              </p:extLst>
+            </p:nvPr>
+          </p:nvSpPr>
+          <p:spPr bwMode="gray">
+            <a:xfrm>
+              <a:off x="0" y="1587"/>
+              <a:ext cx="12192000" cy="6856413"/>
+            </a:xfrm>
+            <a:custGeom>
+              <a:avLst/>
+              <a:gdLst/>
+              <a:ahLst/>
+              <a:cxnLst/>
+              <a:rect l="0" t="0" r="r" b="b"/>
+              <a:pathLst>
+                <a:path w="15356" h="8638">
+                  <a:moveTo>
+                    <a:pt x="0" y="0"/>
+                  </a:moveTo>
+                  <a:lnTo>
+                    <a:pt x="0" y="8638"/>
+                  </a:lnTo>
+                  <a:lnTo>
+                    <a:pt x="15356" y="8638"/>
+                  </a:lnTo>
+                  <a:lnTo>
+                    <a:pt x="15356" y="0"/>
+                  </a:lnTo>
+                  <a:lnTo>
+                    <a:pt x="0" y="0"/>
+                  </a:lnTo>
+                  <a:close/>
+                  <a:moveTo>
+                    <a:pt x="14748" y="8038"/>
+                  </a:moveTo>
+                  <a:lnTo>
+                    <a:pt x="600" y="8038"/>
+                  </a:lnTo>
+                  <a:lnTo>
+                    <a:pt x="600" y="592"/>
+                  </a:lnTo>
+                  <a:lnTo>
+                    <a:pt x="14748" y="592"/>
+                  </a:lnTo>
+                  <a:lnTo>
+                    <a:pt x="14748" y="8038"/>
+                  </a:lnTo>
+                  <a:close/>
+                </a:path>
+              </a:pathLst>
+            </a:custGeom>
+            <a:solidFill>
+              <a:schemeClr val="bg1"/>
+            </a:solidFill>
+            <a:ln>
+              <a:noFill/>
+            </a:ln>
+          </p:spPr>
+        </p:sp>
+      </p:grpSp>
+      <p:sp>
+        <p:nvSpPr>
+          <p:cNvPr id="101" name="Rectangle 100">
+            <a:extLst>
+              <a:ext uri="{FF2B5EF4-FFF2-40B4-BE49-F238E27FC236}">
+                <a16:creationId xmlns:a16="http://schemas.microsoft.com/office/drawing/2014/main" id="{079CE317-680B-449C-A423-71C1FE069B4C}"/>
+              </a:ext>
+              <a:ext uri="{C183D7F6-B498-43B3-948B-1728B52AA6E4}">
+                <adec:decorative xmlns:adec="http://schemas.microsoft.com/office/drawing/2017/decorative" val="1"/>
+              </a:ext>
+            </a:extLst>
+          </p:cNvPr>
+          <p:cNvSpPr>
+            <a:spLocks noGrp="1" noRot="1" noChangeAspect="1" noMove="1" noResize="1" noEditPoints="1" noAdjustHandles="1" noChangeArrowheads="1" noChangeShapeType="1" noTextEdit="1"/>
+          </p:cNvSpPr>
+          <p:nvPr>
+            <p:extLst>
+              <p:ext uri="{386F3935-93C4-4BCD-93E2-E3B085C9AB24}">
+                <p16:designElem xmlns:p16="http://schemas.microsoft.com/office/powerpoint/2015/main" val="1"/>
+              </p:ext>
+            </p:extLst>
+          </p:nvPr>
+        </p:nvSpPr>
+        <p:spPr>
+          <a:xfrm>
+            <a:off x="10437812" y="0"/>
+            <a:ext cx="685800" cy="1143000"/>
+          </a:xfrm>
+          <a:prstGeom prst="rect">
+            <a:avLst/>
+          </a:prstGeom>
+          <a:solidFill>
+            <a:schemeClr val="accent1"/>
+          </a:solidFill>
+          <a:ln>
+            <a:noFill/>
+          </a:ln>
+        </p:spPr>
+        <p:style>
+          <a:lnRef idx="1">
+            <a:schemeClr val="accent1"/>
+          </a:lnRef>
+          <a:fillRef idx="3">
+            <a:schemeClr val="accent1"/>
+          </a:fillRef>
+          <a:effectRef idx="2">
+            <a:schemeClr val="accent1"/>
+          </a:effectRef>
+          <a:fontRef idx="minor">
+            <a:schemeClr val="lt1"/>
+          </a:fontRef>
+        </p:style>
+      </p:sp>
+      <p:sp>
+        <p:nvSpPr>
+          <p:cNvPr id="2" name="Title 1">
+            <a:extLst>
+              <a:ext uri="{FF2B5EF4-FFF2-40B4-BE49-F238E27FC236}">
+                <a16:creationId xmlns:a16="http://schemas.microsoft.com/office/drawing/2014/main" id="{90081477-D6FE-8841-8E90-A80564147908}"/>
+              </a:ext>
+            </a:extLst>
+          </p:cNvPr>
+          <p:cNvSpPr>
+            <a:spLocks noGrp="1"/>
+          </p:cNvSpPr>
+          <p:nvPr>
+            <p:ph type="title"/>
+          </p:nvPr>
+        </p:nvSpPr>
+        <p:spPr>
+          <a:xfrm>
+            <a:off x="1154954" y="973668"/>
+            <a:ext cx="8761413" cy="706964"/>
+          </a:xfrm>
+        </p:spPr>
+        <p:txBody>
+          <a:bodyPr vert="horz" lIns="91440" tIns="45720" rIns="91440" bIns="45720" rtlCol="0" anchor="ctr">
+            <a:normAutofit/>
+          </a:bodyPr>
+          <a:lstStyle/>
+          <a:p>
+            <a:pPr>
+              <a:buClr>
+                <a:schemeClr val="accent1"/>
+              </a:buClr>
+              <a:buSzPct val="80000"/>
+            </a:pPr>
+            <a:r>
+              <a:rPr lang="en-US" sz="3600" kern="1200" dirty="0" err="1">
+                <a:solidFill>
+                  <a:srgbClr val="EBEBEB"/>
+                </a:solidFill>
+                <a:latin typeface="Candara" panose="020E0502030303020204" pitchFamily="34" charset="0"/>
+              </a:rPr>
+              <a:t>plotly.graph_objs</a:t>
+            </a:r>
+            <a:endParaRPr lang="en-US" sz="3600" kern="1200" dirty="0">
+              <a:solidFill>
+                <a:srgbClr val="EBEBEB"/>
+              </a:solidFill>
+              <a:latin typeface="Candara" panose="020E0502030303020204" pitchFamily="34" charset="0"/>
+            </a:endParaRPr>
+          </a:p>
+        </p:txBody>
+      </p:sp>
+      <p:sp>
+        <p:nvSpPr>
+          <p:cNvPr id="3" name="Text Placeholder 2">
+            <a:extLst>
+              <a:ext uri="{FF2B5EF4-FFF2-40B4-BE49-F238E27FC236}">
+                <a16:creationId xmlns:a16="http://schemas.microsoft.com/office/drawing/2014/main" id="{7FAA0F1B-0FF1-3C45-A558-15EB6541E160}"/>
+              </a:ext>
+            </a:extLst>
+          </p:cNvPr>
+          <p:cNvSpPr>
+            <a:spLocks noGrp="1"/>
+          </p:cNvSpPr>
+          <p:nvPr>
+            <p:ph type="body" sz="half" idx="2"/>
+          </p:nvPr>
+        </p:nvSpPr>
+        <p:spPr>
+          <a:xfrm>
+            <a:off x="0" y="2259550"/>
+            <a:ext cx="8796377" cy="4533900"/>
+          </a:xfrm>
+        </p:spPr>
+        <p:txBody>
+          <a:bodyPr vert="horz" lIns="91440" tIns="45720" rIns="91440" bIns="45720" rtlCol="0" anchor="ctr">
+            <a:normAutofit/>
+          </a:bodyPr>
+          <a:lstStyle/>
+          <a:p>
+            <a:pPr marL="285750" indent="-285750">
+              <a:buFont typeface="Wingdings" pitchFamily="2" charset="2"/>
+              <a:buChar char="Ø"/>
+            </a:pPr>
+            <a:r>
+              <a:rPr lang="en-US" sz="2400" u="sng" dirty="0">
+                <a:hlinkClick r:id="rId3">
+                  <a:extLst>
+                    <a:ext uri="{A12FA001-AC4F-418D-AE19-62706E023703}">
+                      <ahyp:hlinkClr xmlns:ahyp="http://schemas.microsoft.com/office/drawing/2018/hyperlinkcolor" val="tx"/>
+                    </a:ext>
+                  </a:extLst>
+                </a:hlinkClick>
+              </a:rPr>
+              <a:t>htt</a:t>
+            </a:r>
+            <a:r>
+              <a:rPr lang="en-US" sz="2400" u="sng" dirty="0">
+                <a:latin typeface="Candara" panose="020E0502030303020204" pitchFamily="34" charset="0"/>
+                <a:hlinkClick r:id="rId3">
+                  <a:extLst>
+                    <a:ext uri="{A12FA001-AC4F-418D-AE19-62706E023703}">
+                      <ahyp:hlinkClr xmlns:ahyp="http://schemas.microsoft.com/office/drawing/2018/hyperlinkcolor" val="tx"/>
+                    </a:ext>
+                  </a:extLst>
+                </a:hlinkClick>
+              </a:rPr>
+              <a:t>ps://plot.ly/python/bar-charts/</a:t>
+            </a:r>
+            <a:r>
+              <a:rPr lang="en-US" sz="2400" u="sng" dirty="0">
+                <a:latin typeface="Candara" panose="020E0502030303020204" pitchFamily="34" charset="0"/>
+              </a:rPr>
+              <a:t> - </a:t>
+            </a:r>
+          </a:p>
+          <a:p>
+            <a:pPr marL="285750" indent="-285750">
+              <a:buFont typeface="Wingdings" pitchFamily="2" charset="2"/>
+              <a:buChar char="Ø"/>
+            </a:pPr>
+            <a:endParaRPr lang="en-US" sz="2400" u="sng" dirty="0">
+              <a:latin typeface="Candara" panose="020E0502030303020204" pitchFamily="34" charset="0"/>
+            </a:endParaRPr>
+          </a:p>
+          <a:p>
+            <a:pPr marL="742950" lvl="1" indent="-285750">
+              <a:buFont typeface="Wingdings" pitchFamily="2" charset="2"/>
+              <a:buChar char="Ø"/>
+            </a:pPr>
+            <a:r>
+              <a:rPr lang="en-US" sz="2400" dirty="0">
+                <a:latin typeface="Candara" panose="020E0502030303020204" pitchFamily="34" charset="0"/>
+              </a:rPr>
+              <a:t>With </a:t>
+            </a:r>
+            <a:r>
+              <a:rPr lang="en-US" sz="2400" dirty="0" err="1">
+                <a:latin typeface="Candara" panose="020E0502030303020204" pitchFamily="34" charset="0"/>
+              </a:rPr>
+              <a:t>px.bar</a:t>
+            </a:r>
+            <a:r>
+              <a:rPr lang="en-US" sz="2400" dirty="0">
+                <a:latin typeface="Candara" panose="020E0502030303020204" pitchFamily="34" charset="0"/>
+              </a:rPr>
+              <a:t>, each row of the DataFrame is represented as a rectangular mark.</a:t>
+            </a:r>
+          </a:p>
+          <a:p>
+            <a:pPr marL="285750" indent="-285750">
+              <a:buFont typeface="Wingdings" pitchFamily="2" charset="2"/>
+              <a:buChar char="Ø"/>
+            </a:pPr>
+            <a:r>
+              <a:rPr lang="en-US" sz="2400" u="sng" dirty="0">
+                <a:latin typeface="Candara" panose="020E0502030303020204" pitchFamily="34" charset="0"/>
+                <a:hlinkClick r:id="rId4">
+                  <a:extLst>
+                    <a:ext uri="{A12FA001-AC4F-418D-AE19-62706E023703}">
+                      <ahyp:hlinkClr xmlns:ahyp="http://schemas.microsoft.com/office/drawing/2018/hyperlinkcolor" val="tx"/>
+                    </a:ext>
+                  </a:extLst>
+                </a:hlinkClick>
+              </a:rPr>
+              <a:t>https://plot.ly/python/line-charts/</a:t>
+            </a:r>
+            <a:r>
+              <a:rPr lang="en-US" sz="2400" u="sng" dirty="0">
+                <a:latin typeface="Candara" panose="020E0502030303020204" pitchFamily="34" charset="0"/>
+              </a:rPr>
+              <a:t> - </a:t>
+            </a:r>
+          </a:p>
+          <a:p>
+            <a:pPr marL="285750" indent="-285750">
+              <a:buFont typeface="Wingdings" pitchFamily="2" charset="2"/>
+              <a:buChar char="Ø"/>
+            </a:pPr>
+            <a:endParaRPr lang="en-US" sz="2400" u="sng" dirty="0">
+              <a:latin typeface="Candara" panose="020E0502030303020204" pitchFamily="34" charset="0"/>
+            </a:endParaRPr>
+          </a:p>
+          <a:p>
+            <a:pPr marL="742950" lvl="1" indent="-285750">
+              <a:buFont typeface="Wingdings" pitchFamily="2" charset="2"/>
+              <a:buChar char="Ø"/>
+            </a:pPr>
+            <a:r>
+              <a:rPr lang="en-US" sz="2400" dirty="0">
+                <a:latin typeface="Candara" panose="020E0502030303020204" pitchFamily="34" charset="0"/>
+              </a:rPr>
+              <a:t>How to make line charts in Python with Plotly. Examples on creating and styling line charts in Python with Plotly</a:t>
+            </a:r>
+            <a:r>
+              <a:rPr lang="en-US" dirty="0">
+                <a:latin typeface="Candara" panose="020E0502030303020204" pitchFamily="34" charset="0"/>
+              </a:rPr>
+              <a:t>.</a:t>
+            </a:r>
+          </a:p>
+          <a:p>
+            <a:pPr>
+              <a:buFont typeface="Wingdings 3" charset="2"/>
+              <a:buChar char=""/>
+            </a:pPr>
+            <a:endParaRPr lang="en-US" dirty="0"/>
+          </a:p>
+        </p:txBody>
+      </p:sp>
+      <p:pic>
+        <p:nvPicPr>
+          <p:cNvPr id="57" name="Graphic 56" descr="Skeleton">
+            <a:extLst>
+              <a:ext uri="{FF2B5EF4-FFF2-40B4-BE49-F238E27FC236}">
+                <a16:creationId xmlns:a16="http://schemas.microsoft.com/office/drawing/2014/main" id="{0641F23C-60CD-4D09-9DD1-AA728B282710}"/>
+              </a:ext>
+            </a:extLst>
+          </p:cNvPr>
+          <p:cNvPicPr>
+            <a:picLocks noChangeAspect="1"/>
+          </p:cNvPicPr>
+          <p:nvPr/>
+        </p:nvPicPr>
+        <p:blipFill>
+          <a:blip r:embed="rId5">
+            <a:extLst>
+              <a:ext uri="{28A0092B-C50C-407E-A947-70E740481C1C}">
+                <a14:useLocalDpi xmlns:a14="http://schemas.microsoft.com/office/drawing/2010/main" val="0"/>
+              </a:ext>
+              <a:ext uri="{96DAC541-7B7A-43D3-8B79-37D633B846F1}">
+                <asvg:svgBlip xmlns:asvg="http://schemas.microsoft.com/office/drawing/2016/SVG/main" r:embed="rId6"/>
+              </a:ext>
+            </a:extLst>
+          </a:blip>
+          <a:stretch>
+            <a:fillRect/>
+          </a:stretch>
+        </p:blipFill>
+        <p:spPr>
+          <a:xfrm>
+            <a:off x="8027013" y="2775951"/>
+            <a:ext cx="3067163" cy="3067163"/>
+          </a:xfrm>
+          <a:prstGeom prst="roundRect">
+            <a:avLst>
+              <a:gd name="adj" fmla="val 1858"/>
+            </a:avLst>
+          </a:prstGeom>
+          <a:effectLst>
+            <a:outerShdw blurRad="50800" dist="50800" dir="5400000" algn="tl" rotWithShape="0">
+              <a:srgbClr val="000000">
+                <a:alpha val="43000"/>
+              </a:srgbClr>
+            </a:outerShdw>
+          </a:effectLst>
+        </p:spPr>
+      </p:pic>
+    </p:spTree>
+    <p:extLst>
+      <p:ext uri="{BB962C8B-B14F-4D97-AF65-F5344CB8AC3E}">
+        <p14:creationId xmlns:p14="http://schemas.microsoft.com/office/powerpoint/2010/main" val="2359728492"/>
+      </p:ext>
+    </p:extLst>
+  </p:cSld>
+  <p:clrMapOvr>
+    <a:masterClrMapping/>
+  </p:clrMapOvr>
+</p:sld>
+</file>
+
+<file path=ppt/slides/slide2.xml><?xml version="1.0" encoding="utf-8"?>
+<p:sld xmlns:a="http://schemas.openxmlformats.org/drawingml/2006/main" xmlns:r="http://schemas.openxmlformats.org/officeDocument/2006/relationships" xmlns:p="http://schemas.openxmlformats.org/presentationml/2006/main">
+  <p:cSld>
+    <p:bg>
+      <p:bgPr>
+        <a:solidFill>
+          <a:schemeClr val="bg1"/>
+        </a:solidFill>
+        <a:effectLst/>
+      </p:bgPr>
+    </p:bg>
+    <p:spTree>
+      <p:nvGrpSpPr>
+        <p:cNvPr id="1" name=""/>
+        <p:cNvGrpSpPr/>
+        <p:nvPr/>
+      </p:nvGrpSpPr>
+      <p:grpSpPr>
+        <a:xfrm>
+          <a:off x="0" y="0"/>
+          <a:ext cx="0" cy="0"/>
+          <a:chOff x="0" y="0"/>
+          <a:chExt cx="0" cy="0"/>
+        </a:xfrm>
+      </p:grpSpPr>
+      <p:sp>
+        <p:nvSpPr>
+          <p:cNvPr id="23" name="Rectangle 22">
+            <a:extLst>
+              <a:ext uri="{FF2B5EF4-FFF2-40B4-BE49-F238E27FC236}">
+                <a16:creationId xmlns:a16="http://schemas.microsoft.com/office/drawing/2014/main" id="{0D105174-071A-4257-860A-5EE2D11DD5E6}"/>
+              </a:ext>
+              <a:ext uri="{C183D7F6-B498-43B3-948B-1728B52AA6E4}">
+                <adec:decorative xmlns:adec="http://schemas.microsoft.com/office/drawing/2017/decorative" val="1"/>
+              </a:ext>
+            </a:extLst>
+          </p:cNvPr>
+          <p:cNvSpPr>
+            <a:spLocks noGrp="1" noRot="1" noChangeAspect="1" noMove="1" noResize="1" noEditPoints="1" noAdjustHandles="1" noChangeArrowheads="1" noChangeShapeType="1" noTextEdit="1"/>
+          </p:cNvSpPr>
+          <p:nvPr>
+            <p:extLst>
+              <p:ext uri="{386F3935-93C4-4BCD-93E2-E3B085C9AB24}">
+                <p16:designElem xmlns:p16="http://schemas.microsoft.com/office/powerpoint/2015/main" val="1"/>
+              </p:ext>
+            </p:extLst>
+          </p:nvPr>
+        </p:nvSpPr>
+        <p:spPr>
+          <a:xfrm>
+            <a:off x="0" y="0"/>
+            <a:ext cx="12192000" cy="6858000"/>
+          </a:xfrm>
+          <a:prstGeom prst="rect">
+            <a:avLst/>
+          </a:prstGeom>
+          <a:ln>
+            <a:noFill/>
+          </a:ln>
+        </p:spPr>
+        <p:style>
+          <a:lnRef idx="2">
+            <a:schemeClr val="accent1">
+              <a:shade val="50000"/>
+            </a:schemeClr>
+          </a:lnRef>
+          <a:fillRef idx="1003">
+            <a:schemeClr val="dk2"/>
+          </a:fillRef>
+          <a:effectRef idx="0">
+            <a:schemeClr val="accent1"/>
+          </a:effectRef>
+          <a:fontRef idx="minor">
+            <a:schemeClr val="lt1"/>
+          </a:fontRef>
+        </p:style>
+      </p:sp>
+      <p:sp>
+        <p:nvSpPr>
+          <p:cNvPr id="25" name="Freeform 5">
+            <a:extLst>
+              <a:ext uri="{FF2B5EF4-FFF2-40B4-BE49-F238E27FC236}">
+                <a16:creationId xmlns:a16="http://schemas.microsoft.com/office/drawing/2014/main" id="{E17B217C-3C66-46B3-9E9D-2771AA2A23E2}"/>
+              </a:ext>
+              <a:ext uri="{C183D7F6-B498-43B3-948B-1728B52AA6E4}">
+                <adec:decorative xmlns:adec="http://schemas.microsoft.com/office/drawing/2017/decorative" val="1"/>
+              </a:ext>
+            </a:extLst>
+          </p:cNvPr>
+          <p:cNvSpPr>
+            <a:spLocks noGrp="1" noRot="1" noChangeAspect="1" noMove="1" noResize="1" noEditPoints="1" noAdjustHandles="1" noChangeArrowheads="1" noChangeShapeType="1" noTextEdit="1"/>
+          </p:cNvSpPr>
+          <p:nvPr>
+            <p:extLst>
+              <p:ext uri="{386F3935-93C4-4BCD-93E2-E3B085C9AB24}">
+                <p16:designElem xmlns:p16="http://schemas.microsoft.com/office/powerpoint/2015/main" val="1"/>
+              </p:ext>
+            </p:extLst>
+          </p:nvPr>
+        </p:nvSpPr>
+        <p:spPr bwMode="gray">
+          <a:xfrm>
+            <a:off x="0" y="1587"/>
+            <a:ext cx="12192000" cy="6856413"/>
+          </a:xfrm>
+          <a:custGeom>
+            <a:avLst/>
+            <a:gdLst/>
+            <a:ahLst/>
+            <a:cxnLst/>
+            <a:rect l="0" t="0" r="r" b="b"/>
+            <a:pathLst>
+              <a:path w="15356" h="8638">
+                <a:moveTo>
+                  <a:pt x="0" y="0"/>
+                </a:moveTo>
+                <a:lnTo>
+                  <a:pt x="0" y="8638"/>
+                </a:lnTo>
+                <a:lnTo>
+                  <a:pt x="15356" y="8638"/>
+                </a:lnTo>
+                <a:lnTo>
+                  <a:pt x="15356" y="0"/>
+                </a:lnTo>
+                <a:lnTo>
+                  <a:pt x="0" y="0"/>
+                </a:lnTo>
+                <a:close/>
+                <a:moveTo>
+                  <a:pt x="14748" y="8038"/>
+                </a:moveTo>
+                <a:lnTo>
+                  <a:pt x="600" y="8038"/>
+                </a:lnTo>
+                <a:lnTo>
+                  <a:pt x="600" y="592"/>
+                </a:lnTo>
+                <a:lnTo>
+                  <a:pt x="14748" y="592"/>
+                </a:lnTo>
+                <a:lnTo>
+                  <a:pt x="14748" y="8038"/>
+                </a:lnTo>
+                <a:close/>
+              </a:path>
+            </a:pathLst>
+          </a:custGeom>
+          <a:solidFill>
+            <a:schemeClr val="tx1"/>
+          </a:solidFill>
+          <a:ln>
+            <a:noFill/>
+          </a:ln>
+        </p:spPr>
+      </p:sp>
+      <p:sp>
+        <p:nvSpPr>
+          <p:cNvPr id="2" name="Title 1">
+            <a:extLst>
+              <a:ext uri="{FF2B5EF4-FFF2-40B4-BE49-F238E27FC236}">
+                <a16:creationId xmlns:a16="http://schemas.microsoft.com/office/drawing/2014/main" id="{D8291622-54B4-B044-B407-607E4EE70313}"/>
+              </a:ext>
+            </a:extLst>
+          </p:cNvPr>
+          <p:cNvSpPr>
+            <a:spLocks noGrp="1"/>
+          </p:cNvSpPr>
+          <p:nvPr>
+            <p:ph type="title"/>
+          </p:nvPr>
+        </p:nvSpPr>
+        <p:spPr>
+          <a:xfrm>
+            <a:off x="639098" y="629265"/>
+            <a:ext cx="3421623" cy="5601210"/>
+          </a:xfrm>
+        </p:spPr>
+        <p:txBody>
+          <a:bodyPr>
+            <a:normAutofit/>
+          </a:bodyPr>
+          <a:lstStyle/>
+          <a:p>
+            <a:r>
+              <a:rPr lang="en-US" sz="4000" dirty="0">
+                <a:solidFill>
+                  <a:srgbClr val="EBEBEB"/>
+                </a:solidFill>
+                <a:latin typeface="Candara" panose="020E0502030303020204" pitchFamily="34" charset="0"/>
+              </a:rPr>
+              <a:t>Our Business Approach</a:t>
+            </a:r>
+          </a:p>
+        </p:txBody>
+      </p:sp>
+      <p:sp>
+        <p:nvSpPr>
+          <p:cNvPr id="27" name="Rectangle 26">
+            <a:extLst>
+              <a:ext uri="{FF2B5EF4-FFF2-40B4-BE49-F238E27FC236}">
+                <a16:creationId xmlns:a16="http://schemas.microsoft.com/office/drawing/2014/main" id="{8A848D99-5D8B-49F5-97E9-AA7C3F5F2BE6}"/>
+              </a:ext>
+              <a:ext uri="{C183D7F6-B498-43B3-948B-1728B52AA6E4}">
+                <adec:decorative xmlns:adec="http://schemas.microsoft.com/office/drawing/2017/decorative" val="1"/>
+              </a:ext>
+            </a:extLst>
+          </p:cNvPr>
+          <p:cNvSpPr>
+            <a:spLocks noGrp="1" noRot="1" noChangeAspect="1" noMove="1" noResize="1" noEditPoints="1" noAdjustHandles="1" noChangeArrowheads="1" noChangeShapeType="1" noTextEdit="1"/>
+          </p:cNvSpPr>
+          <p:nvPr>
+            <p:extLst>
+              <p:ext uri="{386F3935-93C4-4BCD-93E2-E3B085C9AB24}">
+                <p16:designElem xmlns:p16="http://schemas.microsoft.com/office/powerpoint/2015/main" val="1"/>
+              </p:ext>
+            </p:extLst>
+          </p:nvPr>
+        </p:nvSpPr>
+        <p:spPr>
+          <a:xfrm>
+            <a:off x="10437812" y="0"/>
+            <a:ext cx="685800" cy="1143000"/>
+          </a:xfrm>
+          <a:prstGeom prst="rect">
+            <a:avLst/>
+          </a:prstGeom>
+          <a:solidFill>
+            <a:schemeClr val="accent1"/>
+          </a:solidFill>
+          <a:ln>
+            <a:noFill/>
+          </a:ln>
+        </p:spPr>
+        <p:style>
+          <a:lnRef idx="1">
+            <a:schemeClr val="accent1"/>
+          </a:lnRef>
+          <a:fillRef idx="3">
+            <a:schemeClr val="accent1"/>
+          </a:fillRef>
+          <a:effectRef idx="2">
+            <a:schemeClr val="accent1"/>
+          </a:effectRef>
+          <a:fontRef idx="minor">
+            <a:schemeClr val="lt1"/>
+          </a:fontRef>
+        </p:style>
+      </p:sp>
+      <p:sp>
+        <p:nvSpPr>
+          <p:cNvPr id="3" name="Content Placeholder 2">
+            <a:extLst>
+              <a:ext uri="{FF2B5EF4-FFF2-40B4-BE49-F238E27FC236}">
+                <a16:creationId xmlns:a16="http://schemas.microsoft.com/office/drawing/2014/main" id="{F4798672-83E6-CE4B-BF5C-6D7EB42E96E3}"/>
+              </a:ext>
+            </a:extLst>
+          </p:cNvPr>
+          <p:cNvSpPr>
+            <a:spLocks noGrp="1"/>
+          </p:cNvSpPr>
+          <p:nvPr>
+            <p:ph idx="1"/>
+          </p:nvPr>
+        </p:nvSpPr>
+        <p:spPr>
+          <a:xfrm>
+            <a:off x="4719483" y="629265"/>
+            <a:ext cx="6813755" cy="3811740"/>
+          </a:xfrm>
+        </p:spPr>
+        <p:txBody>
+          <a:bodyPr anchor="ctr">
+            <a:normAutofit fontScale="92500"/>
+          </a:bodyPr>
+          <a:lstStyle/>
+          <a:p>
+            <a:pPr>
+              <a:buFont typeface="Wingdings" pitchFamily="2" charset="2"/>
+              <a:buChar char="Ø"/>
+            </a:pPr>
+            <a:r>
+              <a:rPr lang="en-GB" sz="2400" dirty="0">
+                <a:solidFill>
+                  <a:srgbClr val="FFFFFF"/>
+                </a:solidFill>
+                <a:latin typeface="Candara" panose="020E0502030303020204" pitchFamily="34" charset="0"/>
+              </a:rPr>
+              <a:t>Look at the big picture. </a:t>
+            </a:r>
+          </a:p>
+          <a:p>
+            <a:pPr>
+              <a:buFont typeface="Wingdings" pitchFamily="2" charset="2"/>
+              <a:buChar char="Ø"/>
+            </a:pPr>
+            <a:r>
+              <a:rPr lang="en-GB" sz="2400" dirty="0">
+                <a:solidFill>
+                  <a:srgbClr val="FFFFFF"/>
+                </a:solidFill>
+                <a:latin typeface="Candara" panose="020E0502030303020204" pitchFamily="34" charset="0"/>
+              </a:rPr>
+              <a:t>Get the data. </a:t>
+            </a:r>
+          </a:p>
+          <a:p>
+            <a:pPr>
+              <a:buFont typeface="Wingdings" pitchFamily="2" charset="2"/>
+              <a:buChar char="Ø"/>
+            </a:pPr>
+            <a:r>
+              <a:rPr lang="en-GB" sz="2400" dirty="0">
+                <a:solidFill>
+                  <a:srgbClr val="FFFFFF"/>
+                </a:solidFill>
+                <a:latin typeface="Candara" panose="020E0502030303020204" pitchFamily="34" charset="0"/>
+              </a:rPr>
+              <a:t>Discover and visualize the data to gain insights. </a:t>
+            </a:r>
+          </a:p>
+          <a:p>
+            <a:pPr>
+              <a:buFont typeface="Wingdings" pitchFamily="2" charset="2"/>
+              <a:buChar char="Ø"/>
+            </a:pPr>
+            <a:r>
+              <a:rPr lang="en-GB" sz="2400" dirty="0">
+                <a:solidFill>
+                  <a:srgbClr val="FFFFFF"/>
+                </a:solidFill>
+                <a:latin typeface="Candara" panose="020E0502030303020204" pitchFamily="34" charset="0"/>
+              </a:rPr>
+              <a:t>Prepare the data for Machine Learning algorithms. </a:t>
+            </a:r>
+          </a:p>
+          <a:p>
+            <a:pPr>
+              <a:buFont typeface="Wingdings" pitchFamily="2" charset="2"/>
+              <a:buChar char="Ø"/>
+            </a:pPr>
+            <a:r>
+              <a:rPr lang="en-GB" sz="2400" dirty="0">
+                <a:solidFill>
+                  <a:srgbClr val="FFFFFF"/>
+                </a:solidFill>
+                <a:latin typeface="Candara" panose="020E0502030303020204" pitchFamily="34" charset="0"/>
+              </a:rPr>
+              <a:t>Select a model and train it. </a:t>
+            </a:r>
+          </a:p>
+          <a:p>
+            <a:pPr>
+              <a:buFont typeface="Wingdings" pitchFamily="2" charset="2"/>
+              <a:buChar char="Ø"/>
+            </a:pPr>
+            <a:r>
+              <a:rPr lang="en-GB" sz="2400" dirty="0">
+                <a:solidFill>
+                  <a:srgbClr val="FFFFFF"/>
+                </a:solidFill>
+                <a:latin typeface="Candara" panose="020E0502030303020204" pitchFamily="34" charset="0"/>
+              </a:rPr>
+              <a:t>Fine-tune your model. </a:t>
+            </a:r>
+          </a:p>
+          <a:p>
+            <a:pPr>
+              <a:buFont typeface="Wingdings" pitchFamily="2" charset="2"/>
+              <a:buChar char="Ø"/>
+            </a:pPr>
+            <a:r>
+              <a:rPr lang="en-GB" sz="2400" dirty="0">
+                <a:solidFill>
+                  <a:srgbClr val="FFFFFF"/>
+                </a:solidFill>
+                <a:latin typeface="Candara" panose="020E0502030303020204" pitchFamily="34" charset="0"/>
+              </a:rPr>
+              <a:t>Present your solution. </a:t>
+            </a:r>
+          </a:p>
+          <a:p>
+            <a:pPr>
+              <a:buFont typeface="Wingdings" pitchFamily="2" charset="2"/>
+              <a:buChar char="Ø"/>
+            </a:pPr>
+            <a:r>
+              <a:rPr lang="en-GB" sz="2400" dirty="0">
+                <a:solidFill>
+                  <a:srgbClr val="FFFFFF"/>
+                </a:solidFill>
+                <a:latin typeface="Candara" panose="020E0502030303020204" pitchFamily="34" charset="0"/>
+              </a:rPr>
+              <a:t>Launch, monitor, and maintain your system. </a:t>
+            </a:r>
+          </a:p>
+          <a:p>
+            <a:endParaRPr lang="en-US" dirty="0">
+              <a:solidFill>
+                <a:srgbClr val="FFFFFF"/>
+              </a:solidFill>
+            </a:endParaRPr>
+          </a:p>
+        </p:txBody>
+      </p:sp>
+      <p:pic>
+        <p:nvPicPr>
+          <p:cNvPr id="7" name="Graphic 6" descr="Robot">
+            <a:extLst>
+              <a:ext uri="{FF2B5EF4-FFF2-40B4-BE49-F238E27FC236}">
+                <a16:creationId xmlns:a16="http://schemas.microsoft.com/office/drawing/2014/main" id="{BB8A0AFB-B75E-42EA-8B61-36AC350F667D}"/>
+              </a:ext>
+            </a:extLst>
+          </p:cNvPr>
+          <p:cNvPicPr>
+            <a:picLocks noChangeAspect="1"/>
+          </p:cNvPicPr>
+          <p:nvPr/>
+        </p:nvPicPr>
+        <p:blipFill>
+          <a:blip r:embed="rId2">
+            <a:extLst>
+              <a:ext uri="{28A0092B-C50C-407E-A947-70E740481C1C}">
+                <a14:useLocalDpi xmlns:a14="http://schemas.microsoft.com/office/drawing/2010/main" val="0"/>
+              </a:ext>
+              <a:ext uri="{96DAC541-7B7A-43D3-8B79-37D633B846F1}">
+                <asvg:svgBlip xmlns:asvg="http://schemas.microsoft.com/office/drawing/2016/SVG/main" r:embed="rId3"/>
+              </a:ext>
+            </a:extLst>
+          </a:blip>
+          <a:stretch>
+            <a:fillRect/>
+          </a:stretch>
+        </p:blipFill>
+        <p:spPr>
+          <a:xfrm>
+            <a:off x="4719485" y="4552335"/>
+            <a:ext cx="1678140" cy="1678140"/>
+          </a:xfrm>
+          <a:prstGeom prst="roundRect">
+            <a:avLst>
+              <a:gd name="adj" fmla="val 1858"/>
+            </a:avLst>
+          </a:prstGeom>
+          <a:effectLst>
+            <a:outerShdw blurRad="50800" dist="50800" dir="5400000" algn="tl" rotWithShape="0">
+              <a:srgbClr val="000000">
+                <a:alpha val="43000"/>
+              </a:srgbClr>
+            </a:outerShdw>
+          </a:effectLst>
+        </p:spPr>
+      </p:pic>
+    </p:spTree>
+    <p:extLst>
+      <p:ext uri="{BB962C8B-B14F-4D97-AF65-F5344CB8AC3E}">
+        <p14:creationId xmlns:p14="http://schemas.microsoft.com/office/powerpoint/2010/main" val="3555045177"/>
+      </p:ext>
+    </p:extLst>
+  </p:cSld>
+  <p:clrMapOvr>
+    <a:overrideClrMapping bg1="dk1" tx1="lt1" bg2="dk2" tx2="lt2" accent1="accent1" accent2="accent2" accent3="accent3" accent4="accent4" accent5="accent5" accent6="accent6" hlink="hlink" folHlink="folHlink"/>
+  </p:clrMapOvr>
+</p:sld>
+</file>
+
+<file path=ppt/slides/slide20.xml><?xml version="1.0" encoding="utf-8"?>
+<p:sld xmlns:a="http://schemas.openxmlformats.org/drawingml/2006/main" xmlns:r="http://schemas.openxmlformats.org/officeDocument/2006/relationships" xmlns:p="http://schemas.openxmlformats.org/presentationml/2006/main">
+  <p:cSld>
+    <p:bg>
+      <p:bgPr>
         <a:blipFill rotWithShape="1">
           <a:blip r:embed="rId2">
             <a:duotone>
@@ -28762,7 +32627,7 @@
 </p:sld>
 </file>
 
-<file path=ppt/slides/slide2.xml><?xml version="1.0" encoding="utf-8"?>
+<file path=ppt/slides/slide21.xml><?xml version="1.0" encoding="utf-8"?>
 <p:sld xmlns:a="http://schemas.openxmlformats.org/drawingml/2006/main" xmlns:r="http://schemas.openxmlformats.org/officeDocument/2006/relationships" xmlns:p="http://schemas.openxmlformats.org/presentationml/2006/main">
   <p:cSld>
     <p:bg>
@@ -28787,21 +32652,21 @@
           <a:chExt cx="0" cy="0"/>
         </a:xfrm>
       </p:grpSpPr>
-      <p:sp>
-        <p:nvSpPr>
-          <p:cNvPr id="23" name="Rectangle 22">
+      <p:grpSp>
+        <p:nvGrpSpPr>
+          <p:cNvPr id="88" name="Group 87">
             <a:extLst>
               <a:ext uri="{FF2B5EF4-FFF2-40B4-BE49-F238E27FC236}">
-                <a16:creationId xmlns:a16="http://schemas.microsoft.com/office/drawing/2014/main" id="{0D105174-071A-4257-860A-5EE2D11DD5E6}"/>
+                <a16:creationId xmlns:a16="http://schemas.microsoft.com/office/drawing/2014/main" id="{7084313B-C03D-4981-9786-879159A60395}"/>
               </a:ext>
               <a:ext uri="{C183D7F6-B498-43B3-948B-1728B52AA6E4}">
                 <adec:decorative xmlns:adec="http://schemas.microsoft.com/office/drawing/2017/decorative" val="1"/>
               </a:ext>
             </a:extLst>
           </p:cNvPr>
-          <p:cNvSpPr>
-            <a:spLocks noGrp="1" noRot="1" noChangeAspect="1" noMove="1" noResize="1" noEditPoints="1" noAdjustHandles="1" noChangeArrowheads="1" noChangeShapeType="1" noTextEdit="1"/>
-          </p:cNvSpPr>
+          <p:cNvGrpSpPr>
+            <a:grpSpLocks noGrp="1" noUngrp="1" noRot="1" noChangeAspect="1" noMove="1" noResize="1"/>
+          </p:cNvGrpSpPr>
           <p:nvPr>
             <p:extLst>
               <p:ext uri="{386F3935-93C4-4BCD-93E2-E3B085C9AB24}">
@@ -28809,161 +32674,892 @@
               </p:ext>
             </p:extLst>
           </p:nvPr>
-        </p:nvSpPr>
-        <p:spPr>
+        </p:nvGrpSpPr>
+        <p:grpSpPr>
           <a:xfrm>
             <a:off x="0" y="0"/>
             <a:ext cx="12192000" cy="6858000"/>
+            <a:chOff x="0" y="0"/>
+            <a:chExt cx="12192000" cy="6858000"/>
           </a:xfrm>
-          <a:prstGeom prst="rect">
-            <a:avLst/>
-          </a:prstGeom>
-          <a:ln>
-            <a:noFill/>
-          </a:ln>
-        </p:spPr>
-        <p:style>
-          <a:lnRef idx="2">
-            <a:schemeClr val="accent1">
-              <a:shade val="50000"/>
-            </a:schemeClr>
-          </a:lnRef>
-          <a:fillRef idx="1003">
-            <a:schemeClr val="dk2"/>
-          </a:fillRef>
-          <a:effectRef idx="0">
-            <a:schemeClr val="accent1"/>
-          </a:effectRef>
-          <a:fontRef idx="minor">
-            <a:schemeClr val="lt1"/>
-          </a:fontRef>
-        </p:style>
-      </p:sp>
+        </p:grpSpPr>
+        <p:sp>
+          <p:nvSpPr>
+            <p:cNvPr id="89" name="Rectangle 88">
+              <a:extLst>
+                <a:ext uri="{FF2B5EF4-FFF2-40B4-BE49-F238E27FC236}">
+                  <a16:creationId xmlns:a16="http://schemas.microsoft.com/office/drawing/2014/main" id="{A99190B9-52DD-45DC-BE21-AACE88FEC7FE}"/>
+                </a:ext>
+                <a:ext uri="{C183D7F6-B498-43B3-948B-1728B52AA6E4}">
+                  <adec:decorative xmlns:adec="http://schemas.microsoft.com/office/drawing/2017/decorative" val="1"/>
+                </a:ext>
+              </a:extLst>
+            </p:cNvPr>
+            <p:cNvSpPr/>
+            <p:nvPr>
+              <p:extLst>
+                <p:ext uri="{386F3935-93C4-4BCD-93E2-E3B085C9AB24}">
+                  <p16:designElem xmlns:p16="http://schemas.microsoft.com/office/powerpoint/2015/main" val="1"/>
+                </p:ext>
+              </p:extLst>
+            </p:nvPr>
+          </p:nvSpPr>
+          <p:spPr>
+            <a:xfrm>
+              <a:off x="0" y="0"/>
+              <a:ext cx="12192000" cy="6858000"/>
+            </a:xfrm>
+            <a:prstGeom prst="rect">
+              <a:avLst/>
+            </a:prstGeom>
+            <a:blipFill>
+              <a:blip r:embed="rId2">
+                <a:duotone>
+                  <a:schemeClr val="dk2">
+                    <a:shade val="69000"/>
+                    <a:hueMod val="91000"/>
+                    <a:satMod val="164000"/>
+                    <a:lumMod val="74000"/>
+                  </a:schemeClr>
+                  <a:schemeClr val="dk2">
+                    <a:hueMod val="124000"/>
+                    <a:satMod val="140000"/>
+                    <a:lumMod val="142000"/>
+                  </a:schemeClr>
+                </a:duotone>
+              </a:blip>
+              <a:stretch>
+                <a:fillRect/>
+              </a:stretch>
+            </a:blipFill>
+            <a:ln>
+              <a:noFill/>
+            </a:ln>
+          </p:spPr>
+          <p:style>
+            <a:lnRef idx="2">
+              <a:schemeClr val="accent1">
+                <a:shade val="50000"/>
+              </a:schemeClr>
+            </a:lnRef>
+            <a:fillRef idx="1">
+              <a:schemeClr val="accent1"/>
+            </a:fillRef>
+            <a:effectRef idx="0">
+              <a:schemeClr val="accent1"/>
+            </a:effectRef>
+            <a:fontRef idx="minor">
+              <a:schemeClr val="lt1"/>
+            </a:fontRef>
+          </p:style>
+        </p:sp>
+        <p:sp>
+          <p:nvSpPr>
+            <p:cNvPr id="90" name="Oval 89">
+              <a:extLst>
+                <a:ext uri="{FF2B5EF4-FFF2-40B4-BE49-F238E27FC236}">
+                  <a16:creationId xmlns:a16="http://schemas.microsoft.com/office/drawing/2014/main" id="{D1EE260A-12FB-4D71-A318-71BED7FF314B}"/>
+                </a:ext>
+                <a:ext uri="{C183D7F6-B498-43B3-948B-1728B52AA6E4}">
+                  <adec:decorative xmlns:adec="http://schemas.microsoft.com/office/drawing/2017/decorative" val="1"/>
+                </a:ext>
+              </a:extLst>
+            </p:cNvPr>
+            <p:cNvSpPr/>
+            <p:nvPr>
+              <p:extLst>
+                <p:ext uri="{386F3935-93C4-4BCD-93E2-E3B085C9AB24}">
+                  <p16:designElem xmlns:p16="http://schemas.microsoft.com/office/powerpoint/2015/main" val="1"/>
+                </p:ext>
+              </p:extLst>
+            </p:nvPr>
+          </p:nvSpPr>
+          <p:spPr>
+            <a:xfrm>
+              <a:off x="0" y="2667000"/>
+              <a:ext cx="4191000" cy="4191000"/>
+            </a:xfrm>
+            <a:prstGeom prst="ellipse">
+              <a:avLst/>
+            </a:prstGeom>
+            <a:gradFill flip="none" rotWithShape="1">
+              <a:gsLst>
+                <a:gs pos="0">
+                  <a:schemeClr val="accent5">
+                    <a:alpha val="11000"/>
+                  </a:schemeClr>
+                </a:gs>
+                <a:gs pos="75000">
+                  <a:schemeClr val="accent5">
+                    <a:alpha val="0"/>
+                  </a:schemeClr>
+                </a:gs>
+                <a:gs pos="36000">
+                  <a:schemeClr val="accent5">
+                    <a:alpha val="10000"/>
+                  </a:schemeClr>
+                </a:gs>
+              </a:gsLst>
+              <a:path path="circle">
+                <a:fillToRect l="50000" t="50000" r="50000" b="50000"/>
+              </a:path>
+              <a:tileRect/>
+            </a:gradFill>
+            <a:ln>
+              <a:noFill/>
+            </a:ln>
+            <a:effectLst/>
+          </p:spPr>
+          <p:style>
+            <a:lnRef idx="1">
+              <a:schemeClr val="accent1"/>
+            </a:lnRef>
+            <a:fillRef idx="3">
+              <a:schemeClr val="accent1"/>
+            </a:fillRef>
+            <a:effectRef idx="2">
+              <a:schemeClr val="accent1"/>
+            </a:effectRef>
+            <a:fontRef idx="minor">
+              <a:schemeClr val="lt1"/>
+            </a:fontRef>
+          </p:style>
+        </p:sp>
+        <p:sp>
+          <p:nvSpPr>
+            <p:cNvPr id="91" name="Oval 90">
+              <a:extLst>
+                <a:ext uri="{FF2B5EF4-FFF2-40B4-BE49-F238E27FC236}">
+                  <a16:creationId xmlns:a16="http://schemas.microsoft.com/office/drawing/2014/main" id="{B52EC39A-8D44-4CEF-820F-A442CFA42DE1}"/>
+                </a:ext>
+                <a:ext uri="{C183D7F6-B498-43B3-948B-1728B52AA6E4}">
+                  <adec:decorative xmlns:adec="http://schemas.microsoft.com/office/drawing/2017/decorative" val="1"/>
+                </a:ext>
+              </a:extLst>
+            </p:cNvPr>
+            <p:cNvSpPr/>
+            <p:nvPr>
+              <p:extLst>
+                <p:ext uri="{386F3935-93C4-4BCD-93E2-E3B085C9AB24}">
+                  <p16:designElem xmlns:p16="http://schemas.microsoft.com/office/powerpoint/2015/main" val="1"/>
+                </p:ext>
+              </p:extLst>
+            </p:nvPr>
+          </p:nvSpPr>
+          <p:spPr>
+            <a:xfrm>
+              <a:off x="0" y="2895600"/>
+              <a:ext cx="2362200" cy="2362200"/>
+            </a:xfrm>
+            <a:prstGeom prst="ellipse">
+              <a:avLst/>
+            </a:prstGeom>
+            <a:gradFill flip="none" rotWithShape="1">
+              <a:gsLst>
+                <a:gs pos="0">
+                  <a:schemeClr val="accent5">
+                    <a:alpha val="8000"/>
+                  </a:schemeClr>
+                </a:gs>
+                <a:gs pos="72000">
+                  <a:schemeClr val="accent5">
+                    <a:alpha val="0"/>
+                  </a:schemeClr>
+                </a:gs>
+                <a:gs pos="36000">
+                  <a:schemeClr val="accent5">
+                    <a:alpha val="8000"/>
+                  </a:schemeClr>
+                </a:gs>
+              </a:gsLst>
+              <a:path path="circle">
+                <a:fillToRect l="50000" t="50000" r="50000" b="50000"/>
+              </a:path>
+              <a:tileRect/>
+            </a:gradFill>
+            <a:ln>
+              <a:noFill/>
+            </a:ln>
+            <a:effectLst/>
+          </p:spPr>
+          <p:style>
+            <a:lnRef idx="1">
+              <a:schemeClr val="accent1"/>
+            </a:lnRef>
+            <a:fillRef idx="3">
+              <a:schemeClr val="accent1"/>
+            </a:fillRef>
+            <a:effectRef idx="2">
+              <a:schemeClr val="accent1"/>
+            </a:effectRef>
+            <a:fontRef idx="minor">
+              <a:schemeClr val="lt1"/>
+            </a:fontRef>
+          </p:style>
+        </p:sp>
+        <p:sp>
+          <p:nvSpPr>
+            <p:cNvPr id="92" name="Oval 91">
+              <a:extLst>
+                <a:ext uri="{FF2B5EF4-FFF2-40B4-BE49-F238E27FC236}">
+                  <a16:creationId xmlns:a16="http://schemas.microsoft.com/office/drawing/2014/main" id="{2D010773-529F-4A3D-A0AB-E7CE12DC6173}"/>
+                </a:ext>
+                <a:ext uri="{C183D7F6-B498-43B3-948B-1728B52AA6E4}">
+                  <adec:decorative xmlns:adec="http://schemas.microsoft.com/office/drawing/2017/decorative" val="1"/>
+                </a:ext>
+              </a:extLst>
+            </p:cNvPr>
+            <p:cNvSpPr/>
+            <p:nvPr>
+              <p:extLst>
+                <p:ext uri="{386F3935-93C4-4BCD-93E2-E3B085C9AB24}">
+                  <p16:designElem xmlns:p16="http://schemas.microsoft.com/office/powerpoint/2015/main" val="1"/>
+                </p:ext>
+              </p:extLst>
+            </p:nvPr>
+          </p:nvSpPr>
+          <p:spPr>
+            <a:xfrm>
+              <a:off x="8609012" y="5867400"/>
+              <a:ext cx="990600" cy="990600"/>
+            </a:xfrm>
+            <a:prstGeom prst="ellipse">
+              <a:avLst/>
+            </a:prstGeom>
+            <a:gradFill flip="none" rotWithShape="1">
+              <a:gsLst>
+                <a:gs pos="0">
+                  <a:schemeClr val="accent5">
+                    <a:alpha val="14000"/>
+                  </a:schemeClr>
+                </a:gs>
+                <a:gs pos="66000">
+                  <a:schemeClr val="accent5">
+                    <a:alpha val="0"/>
+                  </a:schemeClr>
+                </a:gs>
+                <a:gs pos="36000">
+                  <a:schemeClr val="accent5">
+                    <a:alpha val="7000"/>
+                  </a:schemeClr>
+                </a:gs>
+              </a:gsLst>
+              <a:path path="circle">
+                <a:fillToRect l="50000" t="50000" r="50000" b="50000"/>
+              </a:path>
+              <a:tileRect/>
+            </a:gradFill>
+            <a:ln>
+              <a:noFill/>
+            </a:ln>
+            <a:effectLst/>
+          </p:spPr>
+          <p:style>
+            <a:lnRef idx="1">
+              <a:schemeClr val="accent1"/>
+            </a:lnRef>
+            <a:fillRef idx="3">
+              <a:schemeClr val="accent1"/>
+            </a:fillRef>
+            <a:effectRef idx="2">
+              <a:schemeClr val="accent1"/>
+            </a:effectRef>
+            <a:fontRef idx="minor">
+              <a:schemeClr val="lt1"/>
+            </a:fontRef>
+          </p:style>
+        </p:sp>
+        <p:sp>
+          <p:nvSpPr>
+            <p:cNvPr id="93" name="Oval 92">
+              <a:extLst>
+                <a:ext uri="{FF2B5EF4-FFF2-40B4-BE49-F238E27FC236}">
+                  <a16:creationId xmlns:a16="http://schemas.microsoft.com/office/drawing/2014/main" id="{D7582733-2D5B-4103-A63C-0D0D81780468}"/>
+                </a:ext>
+                <a:ext uri="{C183D7F6-B498-43B3-948B-1728B52AA6E4}">
+                  <adec:decorative xmlns:adec="http://schemas.microsoft.com/office/drawing/2017/decorative" val="1"/>
+                </a:ext>
+              </a:extLst>
+            </p:cNvPr>
+            <p:cNvSpPr/>
+            <p:nvPr>
+              <p:extLst>
+                <p:ext uri="{386F3935-93C4-4BCD-93E2-E3B085C9AB24}">
+                  <p16:designElem xmlns:p16="http://schemas.microsoft.com/office/powerpoint/2015/main" val="1"/>
+                </p:ext>
+              </p:extLst>
+            </p:nvPr>
+          </p:nvSpPr>
+          <p:spPr>
+            <a:xfrm>
+              <a:off x="8609012" y="1676400"/>
+              <a:ext cx="2819400" cy="2819400"/>
+            </a:xfrm>
+            <a:prstGeom prst="ellipse">
+              <a:avLst/>
+            </a:prstGeom>
+            <a:gradFill flip="none" rotWithShape="1">
+              <a:gsLst>
+                <a:gs pos="0">
+                  <a:schemeClr val="accent5">
+                    <a:alpha val="7000"/>
+                  </a:schemeClr>
+                </a:gs>
+                <a:gs pos="69000">
+                  <a:schemeClr val="accent5">
+                    <a:alpha val="0"/>
+                  </a:schemeClr>
+                </a:gs>
+                <a:gs pos="36000">
+                  <a:schemeClr val="accent5">
+                    <a:alpha val="6000"/>
+                  </a:schemeClr>
+                </a:gs>
+              </a:gsLst>
+              <a:path path="circle">
+                <a:fillToRect l="50000" t="50000" r="50000" b="50000"/>
+              </a:path>
+              <a:tileRect/>
+            </a:gradFill>
+            <a:ln>
+              <a:noFill/>
+            </a:ln>
+            <a:effectLst/>
+          </p:spPr>
+          <p:style>
+            <a:lnRef idx="1">
+              <a:schemeClr val="accent1"/>
+            </a:lnRef>
+            <a:fillRef idx="3">
+              <a:schemeClr val="accent1"/>
+            </a:fillRef>
+            <a:effectRef idx="2">
+              <a:schemeClr val="accent1"/>
+            </a:effectRef>
+            <a:fontRef idx="minor">
+              <a:schemeClr val="lt1"/>
+            </a:fontRef>
+          </p:style>
+        </p:sp>
+        <p:sp>
+          <p:nvSpPr>
+            <p:cNvPr id="94" name="Oval 93">
+              <a:extLst>
+                <a:ext uri="{FF2B5EF4-FFF2-40B4-BE49-F238E27FC236}">
+                  <a16:creationId xmlns:a16="http://schemas.microsoft.com/office/drawing/2014/main" id="{6D073C2A-0E86-458E-88D4-27124FDADCAA}"/>
+                </a:ext>
+                <a:ext uri="{C183D7F6-B498-43B3-948B-1728B52AA6E4}">
+                  <adec:decorative xmlns:adec="http://schemas.microsoft.com/office/drawing/2017/decorative" val="1"/>
+                </a:ext>
+              </a:extLst>
+            </p:cNvPr>
+            <p:cNvSpPr/>
+            <p:nvPr>
+              <p:extLst>
+                <p:ext uri="{386F3935-93C4-4BCD-93E2-E3B085C9AB24}">
+                  <p16:designElem xmlns:p16="http://schemas.microsoft.com/office/powerpoint/2015/main" val="1"/>
+                </p:ext>
+              </p:extLst>
+            </p:nvPr>
+          </p:nvSpPr>
+          <p:spPr>
+            <a:xfrm>
+              <a:off x="7999412" y="8464"/>
+              <a:ext cx="1600200" cy="1600200"/>
+            </a:xfrm>
+            <a:prstGeom prst="ellipse">
+              <a:avLst/>
+            </a:prstGeom>
+            <a:gradFill flip="none" rotWithShape="1">
+              <a:gsLst>
+                <a:gs pos="0">
+                  <a:schemeClr val="accent5">
+                    <a:alpha val="14000"/>
+                  </a:schemeClr>
+                </a:gs>
+                <a:gs pos="73000">
+                  <a:schemeClr val="accent5">
+                    <a:alpha val="0"/>
+                  </a:schemeClr>
+                </a:gs>
+                <a:gs pos="36000">
+                  <a:schemeClr val="accent5">
+                    <a:alpha val="7000"/>
+                  </a:schemeClr>
+                </a:gs>
+              </a:gsLst>
+              <a:path path="circle">
+                <a:fillToRect l="50000" t="50000" r="50000" b="50000"/>
+              </a:path>
+              <a:tileRect/>
+            </a:gradFill>
+            <a:ln>
+              <a:noFill/>
+            </a:ln>
+            <a:effectLst/>
+          </p:spPr>
+          <p:style>
+            <a:lnRef idx="1">
+              <a:schemeClr val="accent1"/>
+            </a:lnRef>
+            <a:fillRef idx="3">
+              <a:schemeClr val="accent1"/>
+            </a:fillRef>
+            <a:effectRef idx="2">
+              <a:schemeClr val="accent1"/>
+            </a:effectRef>
+            <a:fontRef idx="minor">
+              <a:schemeClr val="lt1"/>
+            </a:fontRef>
+          </p:style>
+        </p:sp>
+        <p:sp>
+          <p:nvSpPr>
+            <p:cNvPr id="95" name="Freeform 5">
+              <a:extLst>
+                <a:ext uri="{FF2B5EF4-FFF2-40B4-BE49-F238E27FC236}">
+                  <a16:creationId xmlns:a16="http://schemas.microsoft.com/office/drawing/2014/main" id="{01A64F04-7AF7-48B9-A1B0-956BBCEEFE5A}"/>
+                </a:ext>
+                <a:ext uri="{C183D7F6-B498-43B3-948B-1728B52AA6E4}">
+                  <adec:decorative xmlns:adec="http://schemas.microsoft.com/office/drawing/2017/decorative" val="1"/>
+                </a:ext>
+              </a:extLst>
+            </p:cNvPr>
+            <p:cNvSpPr/>
+            <p:nvPr>
+              <p:extLst>
+                <p:ext uri="{386F3935-93C4-4BCD-93E2-E3B085C9AB24}">
+                  <p16:designElem xmlns:p16="http://schemas.microsoft.com/office/powerpoint/2015/main" val="1"/>
+                </p:ext>
+              </p:extLst>
+            </p:nvPr>
+          </p:nvSpPr>
+          <p:spPr bwMode="gray">
+            <a:xfrm rot="21010068">
+              <a:off x="8490951" y="1797517"/>
+              <a:ext cx="3299407" cy="440924"/>
+            </a:xfrm>
+            <a:custGeom>
+              <a:avLst/>
+              <a:gdLst/>
+              <a:ahLst/>
+              <a:cxnLst/>
+              <a:rect l="l" t="t" r="r" b="b"/>
+              <a:pathLst>
+                <a:path w="10000" h="5291">
+                  <a:moveTo>
+                    <a:pt x="85" y="2532"/>
+                  </a:moveTo>
+                  <a:cubicBezTo>
+                    <a:pt x="1736" y="3911"/>
+                    <a:pt x="7524" y="5298"/>
+                    <a:pt x="9958" y="5291"/>
+                  </a:cubicBezTo>
+                  <a:cubicBezTo>
+                    <a:pt x="9989" y="1958"/>
+                    <a:pt x="9969" y="3333"/>
+                    <a:pt x="10000" y="0"/>
+                  </a:cubicBezTo>
+                  <a:lnTo>
+                    <a:pt x="10000" y="0"/>
+                  </a:lnTo>
+                  <a:lnTo>
+                    <a:pt x="9667" y="204"/>
+                  </a:lnTo>
+                  <a:lnTo>
+                    <a:pt x="9334" y="400"/>
+                  </a:lnTo>
+                  <a:lnTo>
+                    <a:pt x="9001" y="590"/>
+                  </a:lnTo>
+                  <a:lnTo>
+                    <a:pt x="8667" y="753"/>
+                  </a:lnTo>
+                  <a:lnTo>
+                    <a:pt x="8333" y="917"/>
+                  </a:lnTo>
+                  <a:lnTo>
+                    <a:pt x="7999" y="1071"/>
+                  </a:lnTo>
+                  <a:lnTo>
+                    <a:pt x="7669" y="1202"/>
+                  </a:lnTo>
+                  <a:lnTo>
+                    <a:pt x="7333" y="1325"/>
+                  </a:lnTo>
+                  <a:lnTo>
+                    <a:pt x="7000" y="1440"/>
+                  </a:lnTo>
+                  <a:lnTo>
+                    <a:pt x="6673" y="1538"/>
+                  </a:lnTo>
+                  <a:lnTo>
+                    <a:pt x="6340" y="1636"/>
+                  </a:lnTo>
+                  <a:lnTo>
+                    <a:pt x="6013" y="1719"/>
+                  </a:lnTo>
+                  <a:lnTo>
+                    <a:pt x="5686" y="1784"/>
+                  </a:lnTo>
+                  <a:lnTo>
+                    <a:pt x="5359" y="1850"/>
+                  </a:lnTo>
+                  <a:lnTo>
+                    <a:pt x="5036" y="1906"/>
+                  </a:lnTo>
+                  <a:lnTo>
+                    <a:pt x="4717" y="1948"/>
+                  </a:lnTo>
+                  <a:lnTo>
+                    <a:pt x="4396" y="1980"/>
+                  </a:lnTo>
+                  <a:lnTo>
+                    <a:pt x="4079" y="2013"/>
+                  </a:lnTo>
+                  <a:lnTo>
+                    <a:pt x="3766" y="2029"/>
+                  </a:lnTo>
+                  <a:lnTo>
+                    <a:pt x="3454" y="2046"/>
+                  </a:lnTo>
+                  <a:lnTo>
+                    <a:pt x="3145" y="2053"/>
+                  </a:lnTo>
+                  <a:lnTo>
+                    <a:pt x="2839" y="2046"/>
+                  </a:lnTo>
+                  <a:lnTo>
+                    <a:pt x="2537" y="2046"/>
+                  </a:lnTo>
+                  <a:lnTo>
+                    <a:pt x="2238" y="2029"/>
+                  </a:lnTo>
+                  <a:lnTo>
+                    <a:pt x="1943" y="2004"/>
+                  </a:lnTo>
+                  <a:lnTo>
+                    <a:pt x="1653" y="1980"/>
+                  </a:lnTo>
+                  <a:lnTo>
+                    <a:pt x="1368" y="1955"/>
+                  </a:lnTo>
+                  <a:lnTo>
+                    <a:pt x="1085" y="1915"/>
+                  </a:lnTo>
+                  <a:lnTo>
+                    <a:pt x="806" y="1873"/>
+                  </a:lnTo>
+                  <a:lnTo>
+                    <a:pt x="533" y="1833"/>
+                  </a:lnTo>
+                  <a:lnTo>
+                    <a:pt x="0" y="1726"/>
+                  </a:lnTo>
+                  <a:cubicBezTo>
+                    <a:pt x="28" y="1995"/>
+                    <a:pt x="57" y="2263"/>
+                    <a:pt x="85" y="2532"/>
+                  </a:cubicBezTo>
+                  <a:close/>
+                </a:path>
+              </a:pathLst>
+            </a:custGeom>
+            <a:solidFill>
+              <a:schemeClr val="bg1">
+                <a:alpha val="20000"/>
+              </a:schemeClr>
+            </a:solidFill>
+            <a:ln>
+              <a:noFill/>
+            </a:ln>
+          </p:spPr>
+        </p:sp>
+        <p:sp>
+          <p:nvSpPr>
+            <p:cNvPr id="96" name="Freeform 5">
+              <a:extLst>
+                <a:ext uri="{FF2B5EF4-FFF2-40B4-BE49-F238E27FC236}">
+                  <a16:creationId xmlns:a16="http://schemas.microsoft.com/office/drawing/2014/main" id="{989ABE99-7694-4211-A627-459BE5422B62}"/>
+                </a:ext>
+                <a:ext uri="{C183D7F6-B498-43B3-948B-1728B52AA6E4}">
+                  <adec:decorative xmlns:adec="http://schemas.microsoft.com/office/drawing/2017/decorative" val="1"/>
+                </a:ext>
+              </a:extLst>
+            </p:cNvPr>
+            <p:cNvSpPr/>
+            <p:nvPr>
+              <p:extLst>
+                <p:ext uri="{386F3935-93C4-4BCD-93E2-E3B085C9AB24}">
+                  <p16:designElem xmlns:p16="http://schemas.microsoft.com/office/powerpoint/2015/main" val="1"/>
+                </p:ext>
+              </p:extLst>
+            </p:nvPr>
+          </p:nvSpPr>
+          <p:spPr bwMode="gray">
+            <a:xfrm>
+              <a:off x="459506" y="1866405"/>
+              <a:ext cx="11277600" cy="4533900"/>
+            </a:xfrm>
+            <a:custGeom>
+              <a:avLst/>
+              <a:gdLst/>
+              <a:ahLst/>
+              <a:cxnLst/>
+              <a:rect l="0" t="0" r="r" b="b"/>
+              <a:pathLst>
+                <a:path w="7104" h="2856">
+                  <a:moveTo>
+                    <a:pt x="0" y="0"/>
+                  </a:moveTo>
+                  <a:lnTo>
+                    <a:pt x="0" y="2856"/>
+                  </a:lnTo>
+                  <a:lnTo>
+                    <a:pt x="7104" y="2856"/>
+                  </a:lnTo>
+                  <a:lnTo>
+                    <a:pt x="7104" y="1"/>
+                  </a:lnTo>
+                  <a:lnTo>
+                    <a:pt x="7104" y="1"/>
+                  </a:lnTo>
+                  <a:lnTo>
+                    <a:pt x="6943" y="26"/>
+                  </a:lnTo>
+                  <a:lnTo>
+                    <a:pt x="6782" y="50"/>
+                  </a:lnTo>
+                  <a:lnTo>
+                    <a:pt x="6621" y="73"/>
+                  </a:lnTo>
+                  <a:lnTo>
+                    <a:pt x="6459" y="93"/>
+                  </a:lnTo>
+                  <a:lnTo>
+                    <a:pt x="6298" y="113"/>
+                  </a:lnTo>
+                  <a:lnTo>
+                    <a:pt x="6136" y="132"/>
+                  </a:lnTo>
+                  <a:lnTo>
+                    <a:pt x="5976" y="148"/>
+                  </a:lnTo>
+                  <a:lnTo>
+                    <a:pt x="5814" y="163"/>
+                  </a:lnTo>
+                  <a:lnTo>
+                    <a:pt x="5653" y="177"/>
+                  </a:lnTo>
+                  <a:lnTo>
+                    <a:pt x="5494" y="189"/>
+                  </a:lnTo>
+                  <a:lnTo>
+                    <a:pt x="5334" y="201"/>
+                  </a:lnTo>
+                  <a:lnTo>
+                    <a:pt x="5175" y="211"/>
+                  </a:lnTo>
+                  <a:lnTo>
+                    <a:pt x="5017" y="219"/>
+                  </a:lnTo>
+                  <a:lnTo>
+                    <a:pt x="4859" y="227"/>
+                  </a:lnTo>
+                  <a:lnTo>
+                    <a:pt x="4703" y="234"/>
+                  </a:lnTo>
+                  <a:lnTo>
+                    <a:pt x="4548" y="239"/>
+                  </a:lnTo>
+                  <a:lnTo>
+                    <a:pt x="4393" y="243"/>
+                  </a:lnTo>
+                  <a:lnTo>
+                    <a:pt x="4240" y="247"/>
+                  </a:lnTo>
+                  <a:lnTo>
+                    <a:pt x="4088" y="249"/>
+                  </a:lnTo>
+                  <a:lnTo>
+                    <a:pt x="3937" y="251"/>
+                  </a:lnTo>
+                  <a:lnTo>
+                    <a:pt x="3788" y="252"/>
+                  </a:lnTo>
+                  <a:lnTo>
+                    <a:pt x="3640" y="251"/>
+                  </a:lnTo>
+                  <a:lnTo>
+                    <a:pt x="3494" y="251"/>
+                  </a:lnTo>
+                  <a:lnTo>
+                    <a:pt x="3349" y="249"/>
+                  </a:lnTo>
+                  <a:lnTo>
+                    <a:pt x="3207" y="246"/>
+                  </a:lnTo>
+                  <a:lnTo>
+                    <a:pt x="3066" y="243"/>
+                  </a:lnTo>
+                  <a:lnTo>
+                    <a:pt x="2928" y="240"/>
+                  </a:lnTo>
+                  <a:lnTo>
+                    <a:pt x="2791" y="235"/>
+                  </a:lnTo>
+                  <a:lnTo>
+                    <a:pt x="2656" y="230"/>
+                  </a:lnTo>
+                  <a:lnTo>
+                    <a:pt x="2524" y="225"/>
+                  </a:lnTo>
+                  <a:lnTo>
+                    <a:pt x="2266" y="212"/>
+                  </a:lnTo>
+                  <a:lnTo>
+                    <a:pt x="2019" y="198"/>
+                  </a:lnTo>
+                  <a:lnTo>
+                    <a:pt x="1782" y="183"/>
+                  </a:lnTo>
+                  <a:lnTo>
+                    <a:pt x="1557" y="167"/>
+                  </a:lnTo>
+                  <a:lnTo>
+                    <a:pt x="1343" y="150"/>
+                  </a:lnTo>
+                  <a:lnTo>
+                    <a:pt x="1144" y="132"/>
+                  </a:lnTo>
+                  <a:lnTo>
+                    <a:pt x="957" y="114"/>
+                  </a:lnTo>
+                  <a:lnTo>
+                    <a:pt x="785" y="96"/>
+                  </a:lnTo>
+                  <a:lnTo>
+                    <a:pt x="627" y="79"/>
+                  </a:lnTo>
+                  <a:lnTo>
+                    <a:pt x="487" y="63"/>
+                  </a:lnTo>
+                  <a:lnTo>
+                    <a:pt x="361" y="48"/>
+                  </a:lnTo>
+                  <a:lnTo>
+                    <a:pt x="254" y="35"/>
+                  </a:lnTo>
+                  <a:lnTo>
+                    <a:pt x="165" y="23"/>
+                  </a:lnTo>
+                  <a:lnTo>
+                    <a:pt x="42" y="6"/>
+                  </a:lnTo>
+                  <a:lnTo>
+                    <a:pt x="0" y="0"/>
+                  </a:lnTo>
+                  <a:lnTo>
+                    <a:pt x="0" y="0"/>
+                  </a:lnTo>
+                  <a:close/>
+                </a:path>
+              </a:pathLst>
+            </a:custGeom>
+            <a:solidFill>
+              <a:schemeClr val="bg1"/>
+            </a:solidFill>
+            <a:ln>
+              <a:noFill/>
+            </a:ln>
+          </p:spPr>
+        </p:sp>
+        <p:sp>
+          <p:nvSpPr>
+            <p:cNvPr id="97" name="Freeform 5">
+              <a:extLst>
+                <a:ext uri="{FF2B5EF4-FFF2-40B4-BE49-F238E27FC236}">
+                  <a16:creationId xmlns:a16="http://schemas.microsoft.com/office/drawing/2014/main" id="{254B4214-6F53-497C-8322-9CE8158AA335}"/>
+                </a:ext>
+                <a:ext uri="{C183D7F6-B498-43B3-948B-1728B52AA6E4}">
+                  <adec:decorative xmlns:adec="http://schemas.microsoft.com/office/drawing/2017/decorative" val="1"/>
+                </a:ext>
+              </a:extLst>
+            </p:cNvPr>
+            <p:cNvSpPr>
+              <a:spLocks noEditPoints="1"/>
+            </p:cNvSpPr>
+            <p:nvPr>
+              <p:extLst>
+                <p:ext uri="{386F3935-93C4-4BCD-93E2-E3B085C9AB24}">
+                  <p16:designElem xmlns:p16="http://schemas.microsoft.com/office/powerpoint/2015/main" val="1"/>
+                </p:ext>
+              </p:extLst>
+            </p:nvPr>
+          </p:nvSpPr>
+          <p:spPr bwMode="gray">
+            <a:xfrm>
+              <a:off x="0" y="1587"/>
+              <a:ext cx="12192000" cy="6856413"/>
+            </a:xfrm>
+            <a:custGeom>
+              <a:avLst/>
+              <a:gdLst/>
+              <a:ahLst/>
+              <a:cxnLst/>
+              <a:rect l="0" t="0" r="r" b="b"/>
+              <a:pathLst>
+                <a:path w="15356" h="8638">
+                  <a:moveTo>
+                    <a:pt x="0" y="0"/>
+                  </a:moveTo>
+                  <a:lnTo>
+                    <a:pt x="0" y="8638"/>
+                  </a:lnTo>
+                  <a:lnTo>
+                    <a:pt x="15356" y="8638"/>
+                  </a:lnTo>
+                  <a:lnTo>
+                    <a:pt x="15356" y="0"/>
+                  </a:lnTo>
+                  <a:lnTo>
+                    <a:pt x="0" y="0"/>
+                  </a:lnTo>
+                  <a:close/>
+                  <a:moveTo>
+                    <a:pt x="14748" y="8038"/>
+                  </a:moveTo>
+                  <a:lnTo>
+                    <a:pt x="600" y="8038"/>
+                  </a:lnTo>
+                  <a:lnTo>
+                    <a:pt x="600" y="592"/>
+                  </a:lnTo>
+                  <a:lnTo>
+                    <a:pt x="14748" y="592"/>
+                  </a:lnTo>
+                  <a:lnTo>
+                    <a:pt x="14748" y="8038"/>
+                  </a:lnTo>
+                  <a:close/>
+                </a:path>
+              </a:pathLst>
+            </a:custGeom>
+            <a:solidFill>
+              <a:schemeClr val="bg1"/>
+            </a:solidFill>
+            <a:ln>
+              <a:noFill/>
+            </a:ln>
+          </p:spPr>
+        </p:sp>
+      </p:grpSp>
       <p:sp>
         <p:nvSpPr>
-          <p:cNvPr id="25" name="Freeform 5">
+          <p:cNvPr id="99" name="Rectangle 98">
             <a:extLst>
               <a:ext uri="{FF2B5EF4-FFF2-40B4-BE49-F238E27FC236}">
-                <a16:creationId xmlns:a16="http://schemas.microsoft.com/office/drawing/2014/main" id="{E17B217C-3C66-46B3-9E9D-2771AA2A23E2}"/>
-              </a:ext>
-              <a:ext uri="{C183D7F6-B498-43B3-948B-1728B52AA6E4}">
-                <adec:decorative xmlns:adec="http://schemas.microsoft.com/office/drawing/2017/decorative" val="1"/>
-              </a:ext>
-            </a:extLst>
-          </p:cNvPr>
-          <p:cNvSpPr>
-            <a:spLocks noGrp="1" noRot="1" noChangeAspect="1" noMove="1" noResize="1" noEditPoints="1" noAdjustHandles="1" noChangeArrowheads="1" noChangeShapeType="1" noTextEdit="1"/>
-          </p:cNvSpPr>
-          <p:nvPr>
-            <p:extLst>
-              <p:ext uri="{386F3935-93C4-4BCD-93E2-E3B085C9AB24}">
-                <p16:designElem xmlns:p16="http://schemas.microsoft.com/office/powerpoint/2015/main" val="1"/>
-              </p:ext>
-            </p:extLst>
-          </p:nvPr>
-        </p:nvSpPr>
-        <p:spPr bwMode="gray">
-          <a:xfrm>
-            <a:off x="0" y="1587"/>
-            <a:ext cx="12192000" cy="6856413"/>
-          </a:xfrm>
-          <a:custGeom>
-            <a:avLst/>
-            <a:gdLst/>
-            <a:ahLst/>
-            <a:cxnLst/>
-            <a:rect l="0" t="0" r="r" b="b"/>
-            <a:pathLst>
-              <a:path w="15356" h="8638">
-                <a:moveTo>
-                  <a:pt x="0" y="0"/>
-                </a:moveTo>
-                <a:lnTo>
-                  <a:pt x="0" y="8638"/>
-                </a:lnTo>
-                <a:lnTo>
-                  <a:pt x="15356" y="8638"/>
-                </a:lnTo>
-                <a:lnTo>
-                  <a:pt x="15356" y="0"/>
-                </a:lnTo>
-                <a:lnTo>
-                  <a:pt x="0" y="0"/>
-                </a:lnTo>
-                <a:close/>
-                <a:moveTo>
-                  <a:pt x="14748" y="8038"/>
-                </a:moveTo>
-                <a:lnTo>
-                  <a:pt x="600" y="8038"/>
-                </a:lnTo>
-                <a:lnTo>
-                  <a:pt x="600" y="592"/>
-                </a:lnTo>
-                <a:lnTo>
-                  <a:pt x="14748" y="592"/>
-                </a:lnTo>
-                <a:lnTo>
-                  <a:pt x="14748" y="8038"/>
-                </a:lnTo>
-                <a:close/>
-              </a:path>
-            </a:pathLst>
-          </a:custGeom>
-          <a:solidFill>
-            <a:schemeClr val="tx1"/>
-          </a:solidFill>
-          <a:ln>
-            <a:noFill/>
-          </a:ln>
-        </p:spPr>
-      </p:sp>
-      <p:sp>
-        <p:nvSpPr>
-          <p:cNvPr id="2" name="Title 1">
-            <a:extLst>
-              <a:ext uri="{FF2B5EF4-FFF2-40B4-BE49-F238E27FC236}">
-                <a16:creationId xmlns:a16="http://schemas.microsoft.com/office/drawing/2014/main" id="{D8291622-54B4-B044-B407-607E4EE70313}"/>
-              </a:ext>
-            </a:extLst>
-          </p:cNvPr>
-          <p:cNvSpPr>
-            <a:spLocks noGrp="1"/>
-          </p:cNvSpPr>
-          <p:nvPr>
-            <p:ph type="title"/>
-          </p:nvPr>
-        </p:nvSpPr>
-        <p:spPr>
-          <a:xfrm>
-            <a:off x="639098" y="629265"/>
-            <a:ext cx="3421623" cy="5601210"/>
-          </a:xfrm>
-        </p:spPr>
-        <p:txBody>
-          <a:bodyPr>
-            <a:normAutofit/>
-          </a:bodyPr>
-          <a:lstStyle/>
-          <a:p>
-            <a:r>
-              <a:rPr lang="en-US" sz="4000" dirty="0">
-                <a:solidFill>
-                  <a:srgbClr val="EBEBEB"/>
-                </a:solidFill>
-                <a:latin typeface="Candara" panose="020E0502030303020204" pitchFamily="34" charset="0"/>
-              </a:rPr>
-              <a:t>Our Business Approach</a:t>
-            </a:r>
-          </a:p>
-        </p:txBody>
-      </p:sp>
-      <p:sp>
-        <p:nvSpPr>
-          <p:cNvPr id="27" name="Rectangle 26">
-            <a:extLst>
-              <a:ext uri="{FF2B5EF4-FFF2-40B4-BE49-F238E27FC236}">
-                <a16:creationId xmlns:a16="http://schemas.microsoft.com/office/drawing/2014/main" id="{8A848D99-5D8B-49F5-97E9-AA7C3F5F2BE6}"/>
+                <a16:creationId xmlns:a16="http://schemas.microsoft.com/office/drawing/2014/main" id="{20E145FF-1D18-4246-A2BA-9F6B4D53364C}"/>
               </a:ext>
               <a:ext uri="{C183D7F6-B498-43B3-948B-1728B52AA6E4}">
                 <adec:decorative xmlns:adec="http://schemas.microsoft.com/office/drawing/2017/decorative" val="1"/>
@@ -29011,12 +33607,300 @@
           </a:fontRef>
         </p:style>
       </p:sp>
+      <p:sp useBgFill="1">
+        <p:nvSpPr>
+          <p:cNvPr id="101" name="Rectangle 100">
+            <a:extLst>
+              <a:ext uri="{FF2B5EF4-FFF2-40B4-BE49-F238E27FC236}">
+                <a16:creationId xmlns:a16="http://schemas.microsoft.com/office/drawing/2014/main" id="{B219AE65-9B94-44EA-BEF3-EF4BFA169C81}"/>
+              </a:ext>
+              <a:ext uri="{C183D7F6-B498-43B3-948B-1728B52AA6E4}">
+                <adec:decorative xmlns:adec="http://schemas.microsoft.com/office/drawing/2017/decorative" val="1"/>
+              </a:ext>
+            </a:extLst>
+          </p:cNvPr>
+          <p:cNvSpPr>
+            <a:spLocks noGrp="1" noRot="1" noChangeAspect="1" noMove="1" noResize="1" noEditPoints="1" noAdjustHandles="1" noChangeArrowheads="1" noChangeShapeType="1" noTextEdit="1"/>
+          </p:cNvSpPr>
+          <p:nvPr>
+            <p:extLst>
+              <p:ext uri="{386F3935-93C4-4BCD-93E2-E3B085C9AB24}">
+                <p16:designElem xmlns:p16="http://schemas.microsoft.com/office/powerpoint/2015/main" val="1"/>
+              </p:ext>
+            </p:extLst>
+          </p:nvPr>
+        </p:nvSpPr>
+        <p:spPr>
+          <a:xfrm>
+            <a:off x="0" y="0"/>
+            <a:ext cx="12192000" cy="6858000"/>
+          </a:xfrm>
+          <a:prstGeom prst="rect">
+            <a:avLst/>
+          </a:prstGeom>
+          <a:ln>
+            <a:noFill/>
+          </a:ln>
+        </p:spPr>
+        <p:style>
+          <a:lnRef idx="2">
+            <a:schemeClr val="accent1">
+              <a:shade val="50000"/>
+            </a:schemeClr>
+          </a:lnRef>
+          <a:fillRef idx="1">
+            <a:schemeClr val="accent1"/>
+          </a:fillRef>
+          <a:effectRef idx="0">
+            <a:schemeClr val="accent1"/>
+          </a:effectRef>
+          <a:fontRef idx="minor">
+            <a:schemeClr val="lt1"/>
+          </a:fontRef>
+        </p:style>
+        <p:txBody>
+          <a:bodyPr rtlCol="0" anchor="ctr"/>
+          <a:lstStyle/>
+          <a:p>
+            <a:pPr algn="ctr"/>
+            <a:endParaRPr lang="en-US"/>
+          </a:p>
+        </p:txBody>
+      </p:sp>
       <p:sp>
         <p:nvSpPr>
-          <p:cNvPr id="3" name="Content Placeholder 2">
+          <p:cNvPr id="103" name="Rectangle 102">
             <a:extLst>
               <a:ext uri="{FF2B5EF4-FFF2-40B4-BE49-F238E27FC236}">
-                <a16:creationId xmlns:a16="http://schemas.microsoft.com/office/drawing/2014/main" id="{F4798672-83E6-CE4B-BF5C-6D7EB42E96E3}"/>
+                <a16:creationId xmlns:a16="http://schemas.microsoft.com/office/drawing/2014/main" id="{F0C81A57-9CD5-461B-8FFE-4A8CB6CFBE01}"/>
+              </a:ext>
+              <a:ext uri="{C183D7F6-B498-43B3-948B-1728B52AA6E4}">
+                <adec:decorative xmlns:adec="http://schemas.microsoft.com/office/drawing/2017/decorative" val="1"/>
+              </a:ext>
+            </a:extLst>
+          </p:cNvPr>
+          <p:cNvSpPr>
+            <a:spLocks noGrp="1" noRot="1" noChangeAspect="1" noMove="1" noResize="1" noEditPoints="1" noAdjustHandles="1" noChangeArrowheads="1" noChangeShapeType="1" noTextEdit="1"/>
+          </p:cNvSpPr>
+          <p:nvPr>
+            <p:extLst>
+              <p:ext uri="{386F3935-93C4-4BCD-93E2-E3B085C9AB24}">
+                <p16:designElem xmlns:p16="http://schemas.microsoft.com/office/powerpoint/2015/main" val="1"/>
+              </p:ext>
+            </p:extLst>
+          </p:nvPr>
+        </p:nvSpPr>
+        <p:spPr>
+          <a:xfrm>
+            <a:off x="11017539" y="467397"/>
+            <a:ext cx="695829" cy="5919116"/>
+          </a:xfrm>
+          <a:prstGeom prst="rect">
+            <a:avLst/>
+          </a:prstGeom>
+          <a:solidFill>
+            <a:schemeClr val="accent1"/>
+          </a:solidFill>
+          <a:ln>
+            <a:noFill/>
+          </a:ln>
+          <a:effectLst/>
+        </p:spPr>
+        <p:style>
+          <a:lnRef idx="1">
+            <a:schemeClr val="accent1"/>
+          </a:lnRef>
+          <a:fillRef idx="3">
+            <a:schemeClr val="accent1"/>
+          </a:fillRef>
+          <a:effectRef idx="2">
+            <a:schemeClr val="accent1"/>
+          </a:effectRef>
+          <a:fontRef idx="minor">
+            <a:schemeClr val="lt1"/>
+          </a:fontRef>
+        </p:style>
+      </p:sp>
+      <p:grpSp>
+        <p:nvGrpSpPr>
+          <p:cNvPr id="105" name="Group 104">
+            <a:extLst>
+              <a:ext uri="{FF2B5EF4-FFF2-40B4-BE49-F238E27FC236}">
+                <a16:creationId xmlns:a16="http://schemas.microsoft.com/office/drawing/2014/main" id="{3086C462-37F4-494D-8292-CCB95221CC1A}"/>
+              </a:ext>
+              <a:ext uri="{C183D7F6-B498-43B3-948B-1728B52AA6E4}">
+                <adec:decorative xmlns:adec="http://schemas.microsoft.com/office/drawing/2017/decorative" val="1"/>
+              </a:ext>
+            </a:extLst>
+          </p:cNvPr>
+          <p:cNvGrpSpPr>
+            <a:grpSpLocks noGrp="1" noUngrp="1" noRot="1" noChangeAspect="1" noMove="1" noResize="1"/>
+          </p:cNvGrpSpPr>
+          <p:nvPr>
+            <p:extLst>
+              <p:ext uri="{386F3935-93C4-4BCD-93E2-E3B085C9AB24}">
+                <p16:designElem xmlns:p16="http://schemas.microsoft.com/office/powerpoint/2015/main" val="1"/>
+              </p:ext>
+            </p:extLst>
+          </p:nvPr>
+        </p:nvGrpSpPr>
+        <p:grpSpPr>
+          <a:xfrm>
+            <a:off x="0" y="0"/>
+            <a:ext cx="12192000" cy="6858000"/>
+            <a:chOff x="0" y="0"/>
+            <a:chExt cx="12192000" cy="6858000"/>
+          </a:xfrm>
+          <a:solidFill>
+            <a:srgbClr val="FFFFFF"/>
+          </a:solidFill>
+        </p:grpSpPr>
+        <p:sp>
+          <p:nvSpPr>
+            <p:cNvPr id="106" name="Rectangle 105">
+              <a:extLst>
+                <a:ext uri="{FF2B5EF4-FFF2-40B4-BE49-F238E27FC236}">
+                  <a16:creationId xmlns:a16="http://schemas.microsoft.com/office/drawing/2014/main" id="{2C7D2D64-353F-4802-AA48-A70CE6020B93}"/>
+                </a:ext>
+                <a:ext uri="{C183D7F6-B498-43B3-948B-1728B52AA6E4}">
+                  <adec:decorative xmlns:adec="http://schemas.microsoft.com/office/drawing/2017/decorative" val="1"/>
+                </a:ext>
+              </a:extLst>
+            </p:cNvPr>
+            <p:cNvSpPr/>
+            <p:nvPr>
+              <p:extLst>
+                <p:ext uri="{386F3935-93C4-4BCD-93E2-E3B085C9AB24}">
+                  <p16:designElem xmlns:p16="http://schemas.microsoft.com/office/powerpoint/2015/main" val="1"/>
+                </p:ext>
+              </p:extLst>
+            </p:nvPr>
+          </p:nvSpPr>
+          <p:spPr>
+            <a:xfrm>
+              <a:off x="0" y="0"/>
+              <a:ext cx="12192000" cy="6858000"/>
+            </a:xfrm>
+            <a:prstGeom prst="rect">
+              <a:avLst/>
+            </a:prstGeom>
+            <a:noFill/>
+            <a:ln>
+              <a:noFill/>
+            </a:ln>
+          </p:spPr>
+          <p:style>
+            <a:lnRef idx="2">
+              <a:schemeClr val="accent1">
+                <a:shade val="50000"/>
+              </a:schemeClr>
+            </a:lnRef>
+            <a:fillRef idx="1">
+              <a:schemeClr val="accent1"/>
+            </a:fillRef>
+            <a:effectRef idx="0">
+              <a:schemeClr val="accent1"/>
+            </a:effectRef>
+            <a:fontRef idx="minor">
+              <a:schemeClr val="lt1"/>
+            </a:fontRef>
+          </p:style>
+        </p:sp>
+        <p:sp>
+          <p:nvSpPr>
+            <p:cNvPr id="107" name="Freeform 5">
+              <a:extLst>
+                <a:ext uri="{FF2B5EF4-FFF2-40B4-BE49-F238E27FC236}">
+                  <a16:creationId xmlns:a16="http://schemas.microsoft.com/office/drawing/2014/main" id="{30A6328F-CAA3-4052-BF4C-14BD47706E65}"/>
+                </a:ext>
+                <a:ext uri="{C183D7F6-B498-43B3-948B-1728B52AA6E4}">
+                  <adec:decorative xmlns:adec="http://schemas.microsoft.com/office/drawing/2017/decorative" val="1"/>
+                </a:ext>
+              </a:extLst>
+            </p:cNvPr>
+            <p:cNvSpPr>
+              <a:spLocks noEditPoints="1"/>
+            </p:cNvSpPr>
+            <p:nvPr>
+              <p:extLst>
+                <p:ext uri="{386F3935-93C4-4BCD-93E2-E3B085C9AB24}">
+                  <p16:designElem xmlns:p16="http://schemas.microsoft.com/office/powerpoint/2015/main" val="1"/>
+                </p:ext>
+              </p:extLst>
+            </p:nvPr>
+          </p:nvSpPr>
+          <p:spPr bwMode="gray">
+            <a:xfrm>
+              <a:off x="0" y="1587"/>
+              <a:ext cx="12192000" cy="6856413"/>
+            </a:xfrm>
+            <a:custGeom>
+              <a:avLst/>
+              <a:gdLst/>
+              <a:ahLst/>
+              <a:cxnLst/>
+              <a:rect l="0" t="0" r="r" b="b"/>
+              <a:pathLst>
+                <a:path w="15356" h="8638">
+                  <a:moveTo>
+                    <a:pt x="0" y="0"/>
+                  </a:moveTo>
+                  <a:lnTo>
+                    <a:pt x="0" y="8638"/>
+                  </a:lnTo>
+                  <a:lnTo>
+                    <a:pt x="15356" y="8638"/>
+                  </a:lnTo>
+                  <a:lnTo>
+                    <a:pt x="15356" y="0"/>
+                  </a:lnTo>
+                  <a:lnTo>
+                    <a:pt x="0" y="0"/>
+                  </a:lnTo>
+                  <a:close/>
+                  <a:moveTo>
+                    <a:pt x="14748" y="8038"/>
+                  </a:moveTo>
+                  <a:lnTo>
+                    <a:pt x="600" y="8038"/>
+                  </a:lnTo>
+                  <a:lnTo>
+                    <a:pt x="600" y="592"/>
+                  </a:lnTo>
+                  <a:lnTo>
+                    <a:pt x="14748" y="592"/>
+                  </a:lnTo>
+                  <a:lnTo>
+                    <a:pt x="14748" y="8038"/>
+                  </a:lnTo>
+                  <a:close/>
+                </a:path>
+              </a:pathLst>
+            </a:custGeom>
+            <a:ln>
+              <a:noFill/>
+            </a:ln>
+          </p:spPr>
+          <p:style>
+            <a:lnRef idx="0">
+              <a:scrgbClr r="0" g="0" b="0"/>
+            </a:lnRef>
+            <a:fillRef idx="1002">
+              <a:schemeClr val="dk2"/>
+            </a:fillRef>
+            <a:effectRef idx="0">
+              <a:scrgbClr r="0" g="0" b="0"/>
+            </a:effectRef>
+            <a:fontRef idx="major"/>
+          </p:style>
+        </p:sp>
+      </p:grpSp>
+      <p:sp>
+        <p:nvSpPr>
+          <p:cNvPr id="2" name="Title 1">
+            <a:extLst>
+              <a:ext uri="{FF2B5EF4-FFF2-40B4-BE49-F238E27FC236}">
+                <a16:creationId xmlns:a16="http://schemas.microsoft.com/office/drawing/2014/main" id="{09699946-45D3-6F48-99FE-55C85401655D}"/>
               </a:ext>
             </a:extLst>
           </p:cNvPr>
@@ -29024,206 +33908,484 @@
             <a:spLocks noGrp="1"/>
           </p:cNvSpPr>
           <p:nvPr>
-            <p:ph idx="1"/>
+            <p:ph type="title"/>
           </p:nvPr>
         </p:nvSpPr>
         <p:spPr>
           <a:xfrm>
-            <a:off x="4719483" y="629265"/>
-            <a:ext cx="6813755" cy="3811740"/>
+            <a:off x="1000372" y="1209957"/>
+            <a:ext cx="3034580" cy="4438087"/>
           </a:xfrm>
         </p:spPr>
         <p:txBody>
-          <a:bodyPr anchor="ctr">
-            <a:normAutofit fontScale="92500"/>
+          <a:bodyPr vert="horz" lIns="91440" tIns="45720" rIns="91440" bIns="45720" rtlCol="0" anchor="ctr">
+            <a:normAutofit/>
           </a:bodyPr>
           <a:lstStyle/>
           <a:p>
-            <a:pPr>
-              <a:buFont typeface="Wingdings" pitchFamily="2" charset="2"/>
-              <a:buChar char="Ø"/>
-            </a:pPr>
+            <a:pPr algn="r"/>
+            <a:br>
+              <a:rPr lang="en-US" sz="3200" dirty="0">
+                <a:solidFill>
+                  <a:schemeClr val="tx1"/>
+                </a:solidFill>
+              </a:rPr>
+            </a:br>
+            <a:br>
+              <a:rPr lang="en-US" sz="3200" dirty="0">
+                <a:solidFill>
+                  <a:schemeClr val="tx1"/>
+                </a:solidFill>
+              </a:rPr>
+            </a:br>
             <a:r>
-              <a:rPr lang="en-GB" sz="2400" dirty="0">
+              <a:rPr lang="en-US" sz="3200" dirty="0">
                 <a:solidFill>
-                  <a:srgbClr val="FFFFFF"/>
+                  <a:schemeClr val="tx1"/>
                 </a:solidFill>
                 <a:latin typeface="Candara" panose="020E0502030303020204" pitchFamily="34" charset="0"/>
               </a:rPr>
-              <a:t>Look at the big picture. </a:t>
+              <a:t>The Prophet Forecasting Model</a:t>
             </a:r>
-          </a:p>
-          <a:p>
-            <a:pPr>
-              <a:buFont typeface="Wingdings" pitchFamily="2" charset="2"/>
-              <a:buChar char="Ø"/>
-            </a:pPr>
-            <a:r>
-              <a:rPr lang="en-GB" sz="2400" dirty="0">
+            <a:br>
+              <a:rPr lang="en-US" sz="3200" dirty="0">
                 <a:solidFill>
-                  <a:srgbClr val="FFFFFF"/>
+                  <a:schemeClr val="tx1"/>
                 </a:solidFill>
-                <a:latin typeface="Candara" panose="020E0502030303020204" pitchFamily="34" charset="0"/>
               </a:rPr>
-              <a:t>Get the data. </a:t>
-            </a:r>
-          </a:p>
-          <a:p>
-            <a:pPr>
-              <a:buFont typeface="Wingdings" pitchFamily="2" charset="2"/>
-              <a:buChar char="Ø"/>
-            </a:pPr>
-            <a:r>
-              <a:rPr lang="en-GB" sz="2400" dirty="0">
-                <a:solidFill>
-                  <a:srgbClr val="FFFFFF"/>
-                </a:solidFill>
-                <a:latin typeface="Candara" panose="020E0502030303020204" pitchFamily="34" charset="0"/>
-              </a:rPr>
-              <a:t>Discover and visualize the data to gain insights. </a:t>
-            </a:r>
-          </a:p>
-          <a:p>
-            <a:pPr>
-              <a:buFont typeface="Wingdings" pitchFamily="2" charset="2"/>
-              <a:buChar char="Ø"/>
-            </a:pPr>
-            <a:r>
-              <a:rPr lang="en-GB" sz="2400" dirty="0">
-                <a:solidFill>
-                  <a:srgbClr val="FFFFFF"/>
-                </a:solidFill>
-                <a:latin typeface="Candara" panose="020E0502030303020204" pitchFamily="34" charset="0"/>
-              </a:rPr>
-              <a:t>Prepare the data for Machine Learning algorithms. </a:t>
-            </a:r>
-          </a:p>
-          <a:p>
-            <a:pPr>
-              <a:buFont typeface="Wingdings" pitchFamily="2" charset="2"/>
-              <a:buChar char="Ø"/>
-            </a:pPr>
-            <a:r>
-              <a:rPr lang="en-GB" sz="2400" dirty="0">
-                <a:solidFill>
-                  <a:srgbClr val="FFFFFF"/>
-                </a:solidFill>
-                <a:latin typeface="Candara" panose="020E0502030303020204" pitchFamily="34" charset="0"/>
-              </a:rPr>
-              <a:t>Select a model and train it. </a:t>
-            </a:r>
-          </a:p>
-          <a:p>
-            <a:pPr>
-              <a:buFont typeface="Wingdings" pitchFamily="2" charset="2"/>
-              <a:buChar char="Ø"/>
-            </a:pPr>
-            <a:r>
-              <a:rPr lang="en-GB" sz="2400" dirty="0">
-                <a:solidFill>
-                  <a:srgbClr val="FFFFFF"/>
-                </a:solidFill>
-                <a:latin typeface="Candara" panose="020E0502030303020204" pitchFamily="34" charset="0"/>
-              </a:rPr>
-              <a:t>Fine-tune your model. </a:t>
-            </a:r>
-          </a:p>
-          <a:p>
-            <a:pPr>
-              <a:buFont typeface="Wingdings" pitchFamily="2" charset="2"/>
-              <a:buChar char="Ø"/>
-            </a:pPr>
-            <a:r>
-              <a:rPr lang="en-GB" sz="2400" dirty="0">
-                <a:solidFill>
-                  <a:srgbClr val="FFFFFF"/>
-                </a:solidFill>
-                <a:latin typeface="Candara" panose="020E0502030303020204" pitchFamily="34" charset="0"/>
-              </a:rPr>
-              <a:t>Present your solution. </a:t>
-            </a:r>
-          </a:p>
-          <a:p>
-            <a:pPr>
-              <a:buFont typeface="Wingdings" pitchFamily="2" charset="2"/>
-              <a:buChar char="Ø"/>
-            </a:pPr>
-            <a:r>
-              <a:rPr lang="en-GB" sz="2400" dirty="0">
-                <a:solidFill>
-                  <a:srgbClr val="FFFFFF"/>
-                </a:solidFill>
-                <a:latin typeface="Candara" panose="020E0502030303020204" pitchFamily="34" charset="0"/>
-              </a:rPr>
-              <a:t>Launch, monitor, and maintain your system. </a:t>
-            </a:r>
-          </a:p>
-          <a:p>
-            <a:endParaRPr lang="en-US" dirty="0">
+            </a:br>
+            <a:endParaRPr lang="en-US" sz="3200" dirty="0">
               <a:solidFill>
-                <a:srgbClr val="FFFFFF"/>
+                <a:schemeClr val="tx1"/>
               </a:solidFill>
             </a:endParaRPr>
           </a:p>
         </p:txBody>
       </p:sp>
-      <p:pic>
-        <p:nvPicPr>
-          <p:cNvPr id="7" name="Graphic 6" descr="Robot">
+      <p:cxnSp>
+        <p:nvCxnSpPr>
+          <p:cNvPr id="109" name="Straight Connector 108">
             <a:extLst>
               <a:ext uri="{FF2B5EF4-FFF2-40B4-BE49-F238E27FC236}">
-                <a16:creationId xmlns:a16="http://schemas.microsoft.com/office/drawing/2014/main" id="{BB8A0AFB-B75E-42EA-8B61-36AC350F667D}"/>
+                <a16:creationId xmlns:a16="http://schemas.microsoft.com/office/drawing/2014/main" id="{AD23B2CD-009B-425A-9616-1E1AD1D5AB46}"/>
+              </a:ext>
+              <a:ext uri="{C183D7F6-B498-43B3-948B-1728B52AA6E4}">
+                <adec:decorative xmlns:adec="http://schemas.microsoft.com/office/drawing/2017/decorative" val="1"/>
               </a:ext>
             </a:extLst>
           </p:cNvPr>
-          <p:cNvPicPr>
-            <a:picLocks noChangeAspect="1"/>
-          </p:cNvPicPr>
-          <p:nvPr/>
-        </p:nvPicPr>
-        <p:blipFill>
-          <a:blip r:embed="rId2">
+          <p:cNvCxnSpPr>
+            <a:cxnSpLocks noGrp="1" noRot="1" noChangeAspect="1" noMove="1" noResize="1" noEditPoints="1" noAdjustHandles="1" noChangeArrowheads="1" noChangeShapeType="1"/>
+          </p:cNvCxnSpPr>
+          <p:nvPr>
+            <p:extLst>
+              <p:ext uri="{386F3935-93C4-4BCD-93E2-E3B085C9AB24}">
+                <p16:designElem xmlns:p16="http://schemas.microsoft.com/office/powerpoint/2015/main" val="1"/>
+              </p:ext>
+            </p:extLst>
+          </p:nvPr>
+        </p:nvCxnSpPr>
+        <p:spPr>
+          <a:xfrm>
+            <a:off x="4356687" y="1930986"/>
+            <a:ext cx="0" cy="3200400"/>
+          </a:xfrm>
+          <a:prstGeom prst="line">
+            <a:avLst/>
+          </a:prstGeom>
+          <a:ln w="15875" cap="sq">
+            <a:solidFill>
+              <a:schemeClr val="tx2"/>
+            </a:solidFill>
+            <a:miter lim="800000"/>
+          </a:ln>
+        </p:spPr>
+        <p:style>
+          <a:lnRef idx="1">
+            <a:schemeClr val="accent1"/>
+          </a:lnRef>
+          <a:fillRef idx="0">
+            <a:schemeClr val="accent1"/>
+          </a:fillRef>
+          <a:effectRef idx="0">
+            <a:schemeClr val="accent1"/>
+          </a:effectRef>
+          <a:fontRef idx="minor">
+            <a:schemeClr val="tx1"/>
+          </a:fontRef>
+        </p:style>
+      </p:cxnSp>
+      <p:sp>
+        <p:nvSpPr>
+          <p:cNvPr id="3" name="Text Placeholder 2">
             <a:extLst>
-              <a:ext uri="{28A0092B-C50C-407E-A947-70E740481C1C}">
-                <a14:useLocalDpi xmlns:a14="http://schemas.microsoft.com/office/drawing/2010/main" val="0"/>
-              </a:ext>
-              <a:ext uri="{96DAC541-7B7A-43D3-8B79-37D633B846F1}">
-                <asvg:svgBlip xmlns:asvg="http://schemas.microsoft.com/office/drawing/2016/SVG/main" r:embed="rId3"/>
+              <a:ext uri="{FF2B5EF4-FFF2-40B4-BE49-F238E27FC236}">
+                <a16:creationId xmlns:a16="http://schemas.microsoft.com/office/drawing/2014/main" id="{266C02EC-AABC-464F-B0B0-D4A9D1F86023}"/>
               </a:ext>
             </a:extLst>
-          </a:blip>
-          <a:stretch>
-            <a:fillRect/>
-          </a:stretch>
-        </p:blipFill>
+          </p:cNvPr>
+          <p:cNvSpPr>
+            <a:spLocks noGrp="1"/>
+          </p:cNvSpPr>
+          <p:nvPr>
+            <p:ph type="body" sz="half" idx="2"/>
+          </p:nvPr>
+        </p:nvSpPr>
         <p:spPr>
           <a:xfrm>
-            <a:off x="4719485" y="4552335"/>
-            <a:ext cx="1678140" cy="1678140"/>
+            <a:off x="4356687" y="533400"/>
+            <a:ext cx="6637107" cy="5853113"/>
           </a:xfrm>
-          <a:prstGeom prst="roundRect">
-            <a:avLst>
-              <a:gd name="adj" fmla="val 1858"/>
-            </a:avLst>
-          </a:prstGeom>
-          <a:effectLst>
-            <a:outerShdw blurRad="50800" dist="50800" dir="5400000" algn="tl" rotWithShape="0">
-              <a:srgbClr val="000000">
-                <a:alpha val="43000"/>
-              </a:srgbClr>
-            </a:outerShdw>
-          </a:effectLst>
         </p:spPr>
-      </p:pic>
+        <p:txBody>
+          <a:bodyPr vert="horz" lIns="91440" tIns="45720" rIns="91440" bIns="45720" rtlCol="0" anchor="ctr">
+            <a:normAutofit fontScale="85000" lnSpcReduction="20000"/>
+          </a:bodyPr>
+          <a:lstStyle/>
+          <a:p>
+            <a:pPr marL="285750" indent="-285750">
+              <a:lnSpc>
+                <a:spcPct val="90000"/>
+              </a:lnSpc>
+              <a:buFont typeface="Wingdings" pitchFamily="2" charset="2"/>
+              <a:buChar char="Ø"/>
+            </a:pPr>
+            <a:endParaRPr lang="en-US" sz="1500" dirty="0">
+              <a:solidFill>
+                <a:schemeClr val="tx1"/>
+              </a:solidFill>
+            </a:endParaRPr>
+          </a:p>
+          <a:p>
+            <a:pPr marL="342900" indent="-342900">
+              <a:lnSpc>
+                <a:spcPct val="90000"/>
+              </a:lnSpc>
+              <a:buFont typeface="Wingdings" pitchFamily="2" charset="2"/>
+              <a:buChar char="Ø"/>
+            </a:pPr>
+            <a:r>
+              <a:rPr lang="en-US" sz="2000" dirty="0">
+                <a:solidFill>
+                  <a:schemeClr val="tx1"/>
+                </a:solidFill>
+                <a:latin typeface="Candara" panose="020E0502030303020204" pitchFamily="34" charset="0"/>
+              </a:rPr>
+              <a:t>The Prophet uses a decomposable time series model with three main model components: </a:t>
+            </a:r>
+          </a:p>
+          <a:p>
+            <a:pPr marL="800100" lvl="1" indent="-342900">
+              <a:lnSpc>
+                <a:spcPct val="90000"/>
+              </a:lnSpc>
+              <a:buFont typeface="Wingdings" pitchFamily="2" charset="2"/>
+              <a:buChar char="Ø"/>
+            </a:pPr>
+            <a:r>
+              <a:rPr lang="en-US" sz="2000" dirty="0">
+                <a:solidFill>
+                  <a:schemeClr val="tx1"/>
+                </a:solidFill>
+                <a:latin typeface="Candara" panose="020E0502030303020204" pitchFamily="34" charset="0"/>
+              </a:rPr>
+              <a:t>trend, seasonality, and holidays</a:t>
+            </a:r>
+            <a:br>
+              <a:rPr lang="en-US" sz="2000" dirty="0">
+                <a:solidFill>
+                  <a:schemeClr val="tx1"/>
+                </a:solidFill>
+                <a:latin typeface="Candara" panose="020E0502030303020204" pitchFamily="34" charset="0"/>
+              </a:rPr>
+            </a:br>
+            <a:endParaRPr lang="en-US" sz="2000" dirty="0">
+              <a:solidFill>
+                <a:schemeClr val="tx1"/>
+              </a:solidFill>
+              <a:latin typeface="Candara" panose="020E0502030303020204" pitchFamily="34" charset="0"/>
+            </a:endParaRPr>
+          </a:p>
+          <a:p>
+            <a:pPr marL="342900" indent="-342900">
+              <a:lnSpc>
+                <a:spcPct val="90000"/>
+              </a:lnSpc>
+              <a:buFont typeface="Wingdings" pitchFamily="2" charset="2"/>
+              <a:buChar char="Ø"/>
+            </a:pPr>
+            <a:r>
+              <a:rPr lang="en-US" sz="2000" dirty="0">
+                <a:solidFill>
+                  <a:schemeClr val="tx1"/>
+                </a:solidFill>
+                <a:latin typeface="Candara" panose="020E0502030303020204" pitchFamily="34" charset="0"/>
+              </a:rPr>
+              <a:t>They are combined in the following equation:</a:t>
+            </a:r>
+          </a:p>
+          <a:p>
+            <a:pPr marL="800100" lvl="1" indent="-342900">
+              <a:lnSpc>
+                <a:spcPct val="90000"/>
+              </a:lnSpc>
+              <a:buFont typeface="Wingdings" pitchFamily="2" charset="2"/>
+              <a:buChar char="Ø"/>
+            </a:pPr>
+            <a:r>
+              <a:rPr lang="en-US" sz="2000" dirty="0">
+                <a:solidFill>
+                  <a:schemeClr val="tx1"/>
+                </a:solidFill>
+                <a:latin typeface="Candara" panose="020E0502030303020204" pitchFamily="34" charset="0"/>
+              </a:rPr>
+              <a:t>y(t)= g(t) + s(t) + h(t) + </a:t>
+            </a:r>
+            <a:r>
+              <a:rPr lang="en-US" sz="2000" dirty="0" err="1">
+                <a:solidFill>
+                  <a:schemeClr val="tx1"/>
+                </a:solidFill>
+                <a:latin typeface="Candara" panose="020E0502030303020204" pitchFamily="34" charset="0"/>
+              </a:rPr>
+              <a:t>εt</a:t>
+            </a:r>
+            <a:endParaRPr lang="en-US" sz="2000" dirty="0">
+              <a:solidFill>
+                <a:schemeClr val="tx1"/>
+              </a:solidFill>
+              <a:latin typeface="Candara" panose="020E0502030303020204" pitchFamily="34" charset="0"/>
+            </a:endParaRPr>
+          </a:p>
+          <a:p>
+            <a:pPr marL="800100" lvl="1" indent="-342900">
+              <a:lnSpc>
+                <a:spcPct val="90000"/>
+              </a:lnSpc>
+              <a:buFont typeface="Wingdings" pitchFamily="2" charset="2"/>
+              <a:buChar char="Ø"/>
+            </a:pPr>
+            <a:r>
+              <a:rPr lang="en-US" sz="2000" dirty="0">
+                <a:solidFill>
+                  <a:schemeClr val="tx1"/>
+                </a:solidFill>
+                <a:latin typeface="Candara" panose="020E0502030303020204" pitchFamily="34" charset="0"/>
+              </a:rPr>
+              <a:t>g(t): piecewise linear or logistic growth curve for modeling non-periodic changes in time series</a:t>
+            </a:r>
+          </a:p>
+          <a:p>
+            <a:pPr marL="800100" lvl="1" indent="-342900">
+              <a:lnSpc>
+                <a:spcPct val="90000"/>
+              </a:lnSpc>
+              <a:buFont typeface="Wingdings" pitchFamily="2" charset="2"/>
+              <a:buChar char="Ø"/>
+            </a:pPr>
+            <a:r>
+              <a:rPr lang="en-US" sz="2000" dirty="0">
+                <a:solidFill>
+                  <a:schemeClr val="tx1"/>
+                </a:solidFill>
+                <a:latin typeface="Candara" panose="020E0502030303020204" pitchFamily="34" charset="0"/>
+              </a:rPr>
+              <a:t>s(t): periodic changes (e.g. weekly/yearly seasonality)</a:t>
+            </a:r>
+          </a:p>
+          <a:p>
+            <a:pPr marL="800100" lvl="1" indent="-342900">
+              <a:lnSpc>
+                <a:spcPct val="90000"/>
+              </a:lnSpc>
+              <a:buFont typeface="Wingdings" pitchFamily="2" charset="2"/>
+              <a:buChar char="Ø"/>
+            </a:pPr>
+            <a:r>
+              <a:rPr lang="en-US" sz="2000" dirty="0">
+                <a:solidFill>
+                  <a:schemeClr val="tx1"/>
+                </a:solidFill>
+                <a:latin typeface="Candara" panose="020E0502030303020204" pitchFamily="34" charset="0"/>
+              </a:rPr>
+              <a:t>h(t): effects of holidays (user provided) with irregular schedules</a:t>
+            </a:r>
+          </a:p>
+          <a:p>
+            <a:pPr marL="800100" lvl="1" indent="-342900">
+              <a:lnSpc>
+                <a:spcPct val="90000"/>
+              </a:lnSpc>
+              <a:buFont typeface="Wingdings" pitchFamily="2" charset="2"/>
+              <a:buChar char="Ø"/>
+            </a:pPr>
+            <a:r>
+              <a:rPr lang="en-US" sz="2000" dirty="0" err="1">
+                <a:solidFill>
+                  <a:schemeClr val="tx1"/>
+                </a:solidFill>
+                <a:latin typeface="Candara" panose="020E0502030303020204" pitchFamily="34" charset="0"/>
+              </a:rPr>
+              <a:t>εt</a:t>
+            </a:r>
+            <a:r>
+              <a:rPr lang="en-US" sz="2000" dirty="0">
+                <a:solidFill>
+                  <a:schemeClr val="tx1"/>
+                </a:solidFill>
+                <a:latin typeface="Candara" panose="020E0502030303020204" pitchFamily="34" charset="0"/>
+              </a:rPr>
+              <a:t>: error term accounts for any unusual changes not accommodated by the model</a:t>
+            </a:r>
+          </a:p>
+          <a:p>
+            <a:pPr marL="800100" lvl="1" indent="-342900">
+              <a:lnSpc>
+                <a:spcPct val="90000"/>
+              </a:lnSpc>
+              <a:buFont typeface="Wingdings" pitchFamily="2" charset="2"/>
+              <a:buChar char="Ø"/>
+            </a:pPr>
+            <a:endParaRPr lang="en-US" sz="2000" dirty="0">
+              <a:solidFill>
+                <a:schemeClr val="tx1"/>
+              </a:solidFill>
+              <a:latin typeface="Candara" panose="020E0502030303020204" pitchFamily="34" charset="0"/>
+            </a:endParaRPr>
+          </a:p>
+          <a:p>
+            <a:pPr marL="342900" lvl="1" indent="-342900">
+              <a:lnSpc>
+                <a:spcPct val="90000"/>
+              </a:lnSpc>
+              <a:buFont typeface="Wingdings" pitchFamily="2" charset="2"/>
+              <a:buChar char="Ø"/>
+            </a:pPr>
+            <a:r>
+              <a:rPr lang="en-US" sz="2000" dirty="0">
+                <a:solidFill>
+                  <a:schemeClr val="tx1"/>
+                </a:solidFill>
+                <a:latin typeface="Candara" panose="020E0502030303020204" pitchFamily="34" charset="0"/>
+                <a:hlinkClick r:id="rId3">
+                  <a:extLst>
+                    <a:ext uri="{A12FA001-AC4F-418D-AE19-62706E023703}">
+                      <ahyp:hlinkClr xmlns:ahyp="http://schemas.microsoft.com/office/drawing/2018/hyperlinkcolor" val="tx"/>
+                    </a:ext>
+                  </a:extLst>
+                </a:hlinkClick>
+              </a:rPr>
+              <a:t>Reference :</a:t>
+            </a:r>
+            <a:br>
+              <a:rPr lang="en-US" sz="2000" dirty="0">
+                <a:solidFill>
+                  <a:schemeClr val="tx1"/>
+                </a:solidFill>
+                <a:latin typeface="Candara" panose="020E0502030303020204" pitchFamily="34" charset="0"/>
+                <a:hlinkClick r:id="rId3">
+                  <a:extLst>
+                    <a:ext uri="{A12FA001-AC4F-418D-AE19-62706E023703}">
+                      <ahyp:hlinkClr xmlns:ahyp="http://schemas.microsoft.com/office/drawing/2018/hyperlinkcolor" val="tx"/>
+                    </a:ext>
+                  </a:extLst>
+                </a:hlinkClick>
+              </a:rPr>
+            </a:br>
+            <a:br>
+              <a:rPr lang="en-US" sz="2000" dirty="0">
+                <a:solidFill>
+                  <a:schemeClr val="tx1"/>
+                </a:solidFill>
+                <a:latin typeface="Candara" panose="020E0502030303020204" pitchFamily="34" charset="0"/>
+                <a:hlinkClick r:id="rId3">
+                  <a:extLst>
+                    <a:ext uri="{A12FA001-AC4F-418D-AE19-62706E023703}">
+                      <ahyp:hlinkClr xmlns:ahyp="http://schemas.microsoft.com/office/drawing/2018/hyperlinkcolor" val="tx"/>
+                    </a:ext>
+                  </a:extLst>
+                </a:hlinkClick>
+              </a:rPr>
+            </a:br>
+            <a:r>
+              <a:rPr lang="en-US" sz="2000" dirty="0">
+                <a:solidFill>
+                  <a:schemeClr val="tx1"/>
+                </a:solidFill>
+                <a:latin typeface="Candara" panose="020E0502030303020204" pitchFamily="34" charset="0"/>
+                <a:hlinkClick r:id="rId3">
+                  <a:extLst>
+                    <a:ext uri="{A12FA001-AC4F-418D-AE19-62706E023703}">
+                      <ahyp:hlinkClr xmlns:ahyp="http://schemas.microsoft.com/office/drawing/2018/hyperlinkcolor" val="tx"/>
+                    </a:ext>
+                  </a:extLst>
+                </a:hlinkClick>
+              </a:rPr>
+              <a:t>https://towardsdatascience.com/a-quick-start-of-time-series-forecasting-with-a-practical-example-using-fb-prophet-31c4447a2274</a:t>
+            </a:r>
+            <a:endParaRPr lang="en-US" sz="2000" dirty="0">
+              <a:solidFill>
+                <a:schemeClr val="tx1"/>
+              </a:solidFill>
+              <a:latin typeface="Candara" panose="020E0502030303020204" pitchFamily="34" charset="0"/>
+            </a:endParaRPr>
+          </a:p>
+          <a:p>
+            <a:pPr marL="342900" lvl="1" indent="-342900">
+              <a:lnSpc>
+                <a:spcPct val="90000"/>
+              </a:lnSpc>
+              <a:buFont typeface="Wingdings" pitchFamily="2" charset="2"/>
+              <a:buChar char="Ø"/>
+            </a:pPr>
+            <a:r>
+              <a:rPr lang="en-US" sz="2000" dirty="0">
+                <a:solidFill>
+                  <a:schemeClr val="tx1"/>
+                </a:solidFill>
+                <a:latin typeface="Candara" panose="020E0502030303020204" pitchFamily="34" charset="0"/>
+                <a:hlinkClick r:id="rId4">
+                  <a:extLst>
+                    <a:ext uri="{A12FA001-AC4F-418D-AE19-62706E023703}">
+                      <ahyp:hlinkClr xmlns:ahyp="http://schemas.microsoft.com/office/drawing/2018/hyperlinkcolor" val="tx"/>
+                    </a:ext>
+                  </a:extLst>
+                </a:hlinkClick>
+              </a:rPr>
+              <a:t>https://www.analyticsvidhya.com/blog/2018/05/generate-accurate-forecasts-facebook-prophet-python-r/</a:t>
+            </a:r>
+            <a:endParaRPr lang="en-US" sz="2000" dirty="0">
+              <a:solidFill>
+                <a:schemeClr val="tx1"/>
+              </a:solidFill>
+              <a:latin typeface="Candara" panose="020E0502030303020204" pitchFamily="34" charset="0"/>
+            </a:endParaRPr>
+          </a:p>
+          <a:p>
+            <a:pPr>
+              <a:lnSpc>
+                <a:spcPct val="90000"/>
+              </a:lnSpc>
+              <a:buFont typeface="Wingdings 3" charset="2"/>
+              <a:buChar char=""/>
+            </a:pPr>
+            <a:endParaRPr lang="en-US" sz="1500" dirty="0">
+              <a:solidFill>
+                <a:schemeClr val="tx1"/>
+              </a:solidFill>
+            </a:endParaRPr>
+          </a:p>
+        </p:txBody>
+      </p:sp>
     </p:spTree>
     <p:extLst>
       <p:ext uri="{BB962C8B-B14F-4D97-AF65-F5344CB8AC3E}">
-        <p14:creationId xmlns:p14="http://schemas.microsoft.com/office/powerpoint/2010/main" val="3555045177"/>
+        <p14:creationId xmlns:p14="http://schemas.microsoft.com/office/powerpoint/2010/main" val="3672194545"/>
       </p:ext>
     </p:extLst>
   </p:cSld>
   <p:clrMapOvr>
-    <a:overrideClrMapping bg1="dk1" tx1="lt1" bg2="dk2" tx2="lt2" accent1="accent1" accent2="accent2" accent3="accent3" accent4="accent4" accent5="accent5" accent6="accent6" hlink="hlink" folHlink="folHlink"/>
+    <a:masterClrMapping/>
   </p:clrMapOvr>
 </p:sld>
 </file>
